--- a/Resumen y Presentacion/ProyectoSpotify.pptx
+++ b/Resumen y Presentacion/ProyectoSpotify.pptx
@@ -5,17 +5,26 @@
     <p:sldMasterId id="2147483648" r:id="rId1"/>
   </p:sldMasterIdLst>
   <p:sldIdLst>
-    <p:sldId id="256" r:id="rId2"/>
+    <p:sldId id="277" r:id="rId2"/>
     <p:sldId id="257" r:id="rId3"/>
     <p:sldId id="259" r:id="rId4"/>
     <p:sldId id="263" r:id="rId5"/>
     <p:sldId id="258" r:id="rId6"/>
     <p:sldId id="260" r:id="rId7"/>
-    <p:sldId id="264" r:id="rId8"/>
-    <p:sldId id="261" r:id="rId9"/>
-    <p:sldId id="266" r:id="rId10"/>
-    <p:sldId id="262" r:id="rId11"/>
-    <p:sldId id="267" r:id="rId12"/>
+    <p:sldId id="268" r:id="rId8"/>
+    <p:sldId id="264" r:id="rId9"/>
+    <p:sldId id="269" r:id="rId10"/>
+    <p:sldId id="270" r:id="rId11"/>
+    <p:sldId id="271" r:id="rId12"/>
+    <p:sldId id="261" r:id="rId13"/>
+    <p:sldId id="266" r:id="rId14"/>
+    <p:sldId id="273" r:id="rId15"/>
+    <p:sldId id="272" r:id="rId16"/>
+    <p:sldId id="262" r:id="rId17"/>
+    <p:sldId id="274" r:id="rId18"/>
+    <p:sldId id="267" r:id="rId19"/>
+    <p:sldId id="275" r:id="rId20"/>
+    <p:sldId id="276" r:id="rId21"/>
   </p:sldIdLst>
   <p:sldSz cx="12192000" cy="6858000"/>
   <p:notesSz cx="6858000" cy="9144000"/>
@@ -378,7 +387,7 @@
           <a:p>
             <a:fld id="{276D79ED-3FA7-4EF8-964B-EB8BCFAB02F8}" type="datetimeFigureOut">
               <a:rPr lang="en-US" smtClean="0"/>
-              <a:t>7/25/22</a:t>
+              <a:t>8/9/22</a:t>
             </a:fld>
             <a:endParaRPr lang="en-US"/>
           </a:p>
@@ -651,7 +660,7 @@
             <a:fld id="{276D79ED-3FA7-4EF8-964B-EB8BCFAB02F8}" type="datetimeFigureOut">
               <a:rPr lang="en-US" smtClean="0"/>
               <a:pPr/>
-              <a:t>7/25/22</a:t>
+              <a:t>8/9/22</a:t>
             </a:fld>
             <a:endParaRPr lang="en-US"/>
           </a:p>
@@ -897,7 +906,7 @@
           <a:p>
             <a:fld id="{276D79ED-3FA7-4EF8-964B-EB8BCFAB02F8}" type="datetimeFigureOut">
               <a:rPr lang="en-US" smtClean="0"/>
-              <a:t>7/25/22</a:t>
+              <a:t>8/9/22</a:t>
             </a:fld>
             <a:endParaRPr lang="en-US"/>
           </a:p>
@@ -1261,7 +1270,7 @@
           <a:p>
             <a:fld id="{276D79ED-3FA7-4EF8-964B-EB8BCFAB02F8}" type="datetimeFigureOut">
               <a:rPr lang="en-US" smtClean="0"/>
-              <a:t>7/25/22</a:t>
+              <a:t>8/9/22</a:t>
             </a:fld>
             <a:endParaRPr lang="en-US"/>
           </a:p>
@@ -1378,7 +1387,7 @@
           <a:p>
             <a:fld id="{276D79ED-3FA7-4EF8-964B-EB8BCFAB02F8}" type="datetimeFigureOut">
               <a:rPr lang="en-US" smtClean="0"/>
-              <a:t>7/25/22</a:t>
+              <a:t>8/9/22</a:t>
             </a:fld>
             <a:endParaRPr lang="en-US"/>
           </a:p>
@@ -1473,7 +1482,7 @@
           <a:p>
             <a:fld id="{276D79ED-3FA7-4EF8-964B-EB8BCFAB02F8}" type="datetimeFigureOut">
               <a:rPr lang="en-US" smtClean="0"/>
-              <a:t>7/25/22</a:t>
+              <a:t>8/9/22</a:t>
             </a:fld>
             <a:endParaRPr lang="en-US"/>
           </a:p>
@@ -1749,7 +1758,7 @@
           <a:p>
             <a:fld id="{276D79ED-3FA7-4EF8-964B-EB8BCFAB02F8}" type="datetimeFigureOut">
               <a:rPr lang="en-US" smtClean="0"/>
-              <a:t>7/25/22</a:t>
+              <a:t>8/9/22</a:t>
             </a:fld>
             <a:endParaRPr lang="en-US"/>
           </a:p>
@@ -2005,7 +2014,7 @@
           <a:p>
             <a:fld id="{276D79ED-3FA7-4EF8-964B-EB8BCFAB02F8}" type="datetimeFigureOut">
               <a:rPr lang="en-US" smtClean="0"/>
-              <a:t>7/25/22</a:t>
+              <a:t>8/9/22</a:t>
             </a:fld>
             <a:endParaRPr lang="en-US"/>
           </a:p>
@@ -2224,7 +2233,7 @@
             <a:fld id="{276D79ED-3FA7-4EF8-964B-EB8BCFAB02F8}" type="datetimeFigureOut">
               <a:rPr lang="en-US" smtClean="0"/>
               <a:pPr/>
-              <a:t>7/25/22</a:t>
+              <a:t>8/9/22</a:t>
             </a:fld>
             <a:endParaRPr lang="en-US"/>
           </a:p>
@@ -2756,113 +2765,114 @@
       </p:grpSpPr>
       <p:sp>
         <p:nvSpPr>
-          <p:cNvPr id="2" name="Title 1"/>
+          <p:cNvPr id="2" name="Title 1">
+            <a:extLst>
+              <a:ext uri="{FF2B5EF4-FFF2-40B4-BE49-F238E27FC236}">
+                <a16:creationId xmlns:a16="http://schemas.microsoft.com/office/drawing/2014/main" id="{A684004F-55C6-E34B-8CD2-E73BA6045DEE}"/>
+              </a:ext>
+            </a:extLst>
+          </p:cNvPr>
           <p:cNvSpPr>
             <a:spLocks noGrp="1"/>
           </p:cNvSpPr>
           <p:nvPr>
-            <p:ph type="ctrTitle"/>
+            <p:ph type="title"/>
           </p:nvPr>
         </p:nvSpPr>
         <p:spPr>
           <a:xfrm>
-            <a:off x="2656449" y="640365"/>
-            <a:ext cx="6879102" cy="2387600"/>
+            <a:off x="831850" y="1709738"/>
+            <a:ext cx="10515600" cy="2522293"/>
           </a:xfrm>
         </p:spPr>
         <p:txBody>
-          <a:bodyPr>
-            <a:normAutofit fontScale="90000"/>
-          </a:bodyPr>
+          <a:bodyPr/>
           <a:lstStyle/>
           <a:p>
             <a:r>
+              <a:rPr lang="es-ES_tradnl" dirty="0"/>
+              <a:t>Proyecto Final – Curso Data </a:t>
+            </a:r>
+            <a:r>
+              <a:rPr lang="es-ES_tradnl" dirty="0" err="1"/>
+              <a:t>Science</a:t>
+            </a:r>
+            <a:r>
+              <a:rPr lang="es-ES_tradnl" dirty="0"/>
+              <a:t> 25570</a:t>
+            </a:r>
+            <a:br>
               <a:rPr lang="es-ES_tradnl" dirty="0">
                 <a:solidFill>
                   <a:schemeClr val="bg1"/>
                 </a:solidFill>
               </a:rPr>
-              <a:t>Proyecto Final – Curso Data </a:t>
-            </a:r>
-            <a:r>
-              <a:rPr lang="es-ES_tradnl" dirty="0" err="1">
-                <a:solidFill>
-                  <a:schemeClr val="bg1"/>
-                </a:solidFill>
-              </a:rPr>
-              <a:t>Science</a:t>
-            </a:r>
-            <a:r>
-              <a:rPr lang="es-ES_tradnl" dirty="0">
-                <a:solidFill>
-                  <a:schemeClr val="bg1"/>
-                </a:solidFill>
-              </a:rPr>
-              <a:t> 25570</a:t>
-            </a:r>
+            </a:br>
+            <a:endParaRPr lang="en-GB" dirty="0"/>
           </a:p>
         </p:txBody>
       </p:sp>
       <p:sp>
         <p:nvSpPr>
-          <p:cNvPr id="4" name="Rectangle 3">
+          <p:cNvPr id="3" name="Text Placeholder 2">
             <a:extLst>
               <a:ext uri="{FF2B5EF4-FFF2-40B4-BE49-F238E27FC236}">
-                <a16:creationId xmlns:a16="http://schemas.microsoft.com/office/drawing/2014/main" id="{4A7BE3CC-85EA-474B-988C-145D16DA1F45}"/>
+                <a16:creationId xmlns:a16="http://schemas.microsoft.com/office/drawing/2014/main" id="{8F377C20-77F0-A344-A669-99AFD39E673D}"/>
               </a:ext>
             </a:extLst>
           </p:cNvPr>
-          <p:cNvSpPr/>
-          <p:nvPr/>
+          <p:cNvSpPr>
+            <a:spLocks noGrp="1"/>
+          </p:cNvSpPr>
+          <p:nvPr>
+            <p:ph type="body" idx="1"/>
+          </p:nvPr>
         </p:nvSpPr>
         <p:spPr>
           <a:xfrm>
-            <a:off x="3750197" y="5183847"/>
-            <a:ext cx="4340507" cy="1587343"/>
+            <a:off x="6382482" y="3899220"/>
+            <a:ext cx="4478704" cy="1093885"/>
           </a:xfrm>
-          <a:prstGeom prst="rect">
-            <a:avLst/>
-          </a:prstGeom>
-          <a:solidFill>
-            <a:srgbClr val="2B41BC"/>
-          </a:solidFill>
-          <a:ln>
-            <a:solidFill>
-              <a:srgbClr val="2B41BC"/>
-            </a:solidFill>
-          </a:ln>
         </p:spPr>
-        <p:style>
-          <a:lnRef idx="2">
-            <a:schemeClr val="accent1">
-              <a:shade val="50000"/>
-            </a:schemeClr>
-          </a:lnRef>
-          <a:fillRef idx="1">
-            <a:schemeClr val="accent1"/>
-          </a:fillRef>
-          <a:effectRef idx="0">
-            <a:schemeClr val="accent1"/>
-          </a:effectRef>
-          <a:fontRef idx="minor">
-            <a:schemeClr val="lt1"/>
-          </a:fontRef>
-        </p:style>
         <p:txBody>
-          <a:bodyPr rtlCol="0" anchor="ctr"/>
+          <a:bodyPr/>
           <a:lstStyle/>
           <a:p>
-            <a:pPr algn="ctr"/>
-            <a:endParaRPr lang="en-US"/>
+            <a:r>
+              <a:rPr lang="es-ES_tradnl" dirty="0"/>
+              <a:t>Tutor: Michael Olmos Trujillo </a:t>
+            </a:r>
+          </a:p>
+          <a:p>
+            <a:r>
+              <a:rPr lang="es-ES_tradnl" dirty="0"/>
+              <a:t>Profesor: </a:t>
+            </a:r>
+            <a:r>
+              <a:rPr lang="es-ES_tradnl" dirty="0" err="1"/>
+              <a:t>Damian</a:t>
+            </a:r>
+            <a:r>
+              <a:rPr lang="es-ES_tradnl" dirty="0"/>
+              <a:t> </a:t>
+            </a:r>
+            <a:r>
+              <a:rPr lang="es-ES_tradnl" dirty="0" err="1"/>
+              <a:t>Dapueto</a:t>
+            </a:r>
+            <a:endParaRPr lang="es-ES_tradnl" dirty="0"/>
+          </a:p>
+          <a:p>
+            <a:endParaRPr lang="es-ES_tradnl" dirty="0"/>
           </a:p>
         </p:txBody>
       </p:sp>
       <p:sp>
         <p:nvSpPr>
-          <p:cNvPr id="8" name="Subtitle 2">
+          <p:cNvPr id="4" name="Title 1">
             <a:extLst>
               <a:ext uri="{FF2B5EF4-FFF2-40B4-BE49-F238E27FC236}">
-                <a16:creationId xmlns:a16="http://schemas.microsoft.com/office/drawing/2014/main" id="{5F84E011-5FD6-A343-86B0-B512F0D019B9}"/>
+                <a16:creationId xmlns:a16="http://schemas.microsoft.com/office/drawing/2014/main" id="{1C4070B4-6475-E54E-90B3-9D1CF1B19C16}"/>
               </a:ext>
             </a:extLst>
           </p:cNvPr>
@@ -2873,216 +2883,38 @@
         </p:nvSpPr>
         <p:spPr>
           <a:xfrm>
-            <a:off x="2656449" y="3312734"/>
-            <a:ext cx="7101010" cy="503059"/>
+            <a:off x="2656449" y="640365"/>
+            <a:ext cx="6879102" cy="2387600"/>
           </a:xfrm>
           <a:prstGeom prst="rect">
             <a:avLst/>
           </a:prstGeom>
         </p:spPr>
         <p:txBody>
-          <a:bodyPr vert="horz" lIns="91440" tIns="45720" rIns="91440" bIns="45720" numCol="1" rtlCol="0">
-            <a:normAutofit/>
+          <a:bodyPr vert="horz" lIns="91440" tIns="45720" rIns="91440" bIns="45720" rtlCol="0" anchor="b">
+            <a:normAutofit fontScale="97500"/>
           </a:bodyPr>
           <a:lstStyle>
-            <a:lvl1pPr marL="0" indent="0" algn="ctr" defTabSz="914400" rtl="0" eaLnBrk="1" latinLnBrk="0" hangingPunct="1">
-              <a:lnSpc>
-                <a:spcPct val="90000"/>
-              </a:lnSpc>
-              <a:spcBef>
-                <a:spcPts val="1000"/>
-              </a:spcBef>
-              <a:buFont typeface="Arial" panose="020B0604020202020204" pitchFamily="34" charset="0"/>
-              <a:buNone/>
-              <a:defRPr sz="2400" kern="1200">
-                <a:solidFill>
-                  <a:srgbClr val="1ED65F"/>
-                </a:solidFill>
-                <a:latin typeface="+mn-lt"/>
-                <a:ea typeface="+mn-ea"/>
-                <a:cs typeface="+mn-cs"/>
+            <a:lvl1pPr algn="l" defTabSz="914400" rtl="0" eaLnBrk="1" latinLnBrk="0" hangingPunct="1">
+              <a:lnSpc>
+                <a:spcPct val="90000"/>
+              </a:lnSpc>
+              <a:spcBef>
+                <a:spcPct val="0"/>
+              </a:spcBef>
+              <a:buNone/>
+              <a:defRPr sz="5400" b="1" kern="1200">
+                <a:solidFill>
+                  <a:srgbClr val="2B41BC"/>
+                </a:solidFill>
+                <a:latin typeface="+mj-lt"/>
+                <a:ea typeface="+mj-ea"/>
+                <a:cs typeface="+mj-cs"/>
               </a:defRPr>
             </a:lvl1pPr>
-            <a:lvl2pPr marL="457200" indent="0" algn="ctr" defTabSz="914400" rtl="0" eaLnBrk="1" latinLnBrk="0" hangingPunct="1">
-              <a:lnSpc>
-                <a:spcPct val="90000"/>
-              </a:lnSpc>
-              <a:spcBef>
-                <a:spcPts val="500"/>
-              </a:spcBef>
-              <a:buFont typeface="Arial" panose="020B0604020202020204" pitchFamily="34" charset="0"/>
-              <a:buNone/>
-              <a:defRPr sz="2000" kern="1200">
-                <a:solidFill>
-                  <a:schemeClr val="bg1"/>
-                </a:solidFill>
-                <a:latin typeface="+mn-lt"/>
-                <a:ea typeface="+mn-ea"/>
-                <a:cs typeface="+mn-cs"/>
-              </a:defRPr>
-            </a:lvl2pPr>
-            <a:lvl3pPr marL="914400" indent="0" algn="ctr" defTabSz="914400" rtl="0" eaLnBrk="1" latinLnBrk="0" hangingPunct="1">
-              <a:lnSpc>
-                <a:spcPct val="90000"/>
-              </a:lnSpc>
-              <a:spcBef>
-                <a:spcPts val="500"/>
-              </a:spcBef>
-              <a:buFont typeface="Arial" panose="020B0604020202020204" pitchFamily="34" charset="0"/>
-              <a:buNone/>
-              <a:defRPr sz="1800" kern="1200">
-                <a:solidFill>
-                  <a:schemeClr val="bg1"/>
-                </a:solidFill>
-                <a:latin typeface="+mn-lt"/>
-                <a:ea typeface="+mn-ea"/>
-                <a:cs typeface="+mn-cs"/>
-              </a:defRPr>
-            </a:lvl3pPr>
-            <a:lvl4pPr marL="1371600" indent="0" algn="ctr" defTabSz="914400" rtl="0" eaLnBrk="1" latinLnBrk="0" hangingPunct="1">
-              <a:lnSpc>
-                <a:spcPct val="90000"/>
-              </a:lnSpc>
-              <a:spcBef>
-                <a:spcPts val="500"/>
-              </a:spcBef>
-              <a:buFont typeface="Arial" panose="020B0604020202020204" pitchFamily="34" charset="0"/>
-              <a:buNone/>
-              <a:defRPr sz="1600" kern="1200">
-                <a:solidFill>
-                  <a:schemeClr val="bg1"/>
-                </a:solidFill>
-                <a:latin typeface="+mn-lt"/>
-                <a:ea typeface="+mn-ea"/>
-                <a:cs typeface="+mn-cs"/>
-              </a:defRPr>
-            </a:lvl4pPr>
-            <a:lvl5pPr marL="1828800" indent="0" algn="ctr" defTabSz="914400" rtl="0" eaLnBrk="1" latinLnBrk="0" hangingPunct="1">
-              <a:lnSpc>
-                <a:spcPct val="90000"/>
-              </a:lnSpc>
-              <a:spcBef>
-                <a:spcPts val="500"/>
-              </a:spcBef>
-              <a:buFont typeface="Arial" panose="020B0604020202020204" pitchFamily="34" charset="0"/>
-              <a:buNone/>
-              <a:defRPr sz="1600" kern="1200">
-                <a:solidFill>
-                  <a:schemeClr val="bg1"/>
-                </a:solidFill>
-                <a:latin typeface="+mn-lt"/>
-                <a:ea typeface="+mn-ea"/>
-                <a:cs typeface="+mn-cs"/>
-              </a:defRPr>
-            </a:lvl5pPr>
-            <a:lvl6pPr marL="2286000" indent="0" algn="ctr" defTabSz="914400" rtl="0" eaLnBrk="1" latinLnBrk="0" hangingPunct="1">
-              <a:lnSpc>
-                <a:spcPct val="90000"/>
-              </a:lnSpc>
-              <a:spcBef>
-                <a:spcPts val="500"/>
-              </a:spcBef>
-              <a:buFont typeface="Arial" panose="020B0604020202020204" pitchFamily="34" charset="0"/>
-              <a:buNone/>
-              <a:defRPr sz="1600" kern="1200">
-                <a:solidFill>
-                  <a:schemeClr val="tx1"/>
-                </a:solidFill>
-                <a:latin typeface="+mn-lt"/>
-                <a:ea typeface="+mn-ea"/>
-                <a:cs typeface="+mn-cs"/>
-              </a:defRPr>
-            </a:lvl6pPr>
-            <a:lvl7pPr marL="2743200" indent="0" algn="ctr" defTabSz="914400" rtl="0" eaLnBrk="1" latinLnBrk="0" hangingPunct="1">
-              <a:lnSpc>
-                <a:spcPct val="90000"/>
-              </a:lnSpc>
-              <a:spcBef>
-                <a:spcPts val="500"/>
-              </a:spcBef>
-              <a:buFont typeface="Arial" panose="020B0604020202020204" pitchFamily="34" charset="0"/>
-              <a:buNone/>
-              <a:defRPr sz="1600" kern="1200">
-                <a:solidFill>
-                  <a:schemeClr val="tx1"/>
-                </a:solidFill>
-                <a:latin typeface="+mn-lt"/>
-                <a:ea typeface="+mn-ea"/>
-                <a:cs typeface="+mn-cs"/>
-              </a:defRPr>
-            </a:lvl7pPr>
-            <a:lvl8pPr marL="3200400" indent="0" algn="ctr" defTabSz="914400" rtl="0" eaLnBrk="1" latinLnBrk="0" hangingPunct="1">
-              <a:lnSpc>
-                <a:spcPct val="90000"/>
-              </a:lnSpc>
-              <a:spcBef>
-                <a:spcPts val="500"/>
-              </a:spcBef>
-              <a:buFont typeface="Arial" panose="020B0604020202020204" pitchFamily="34" charset="0"/>
-              <a:buNone/>
-              <a:defRPr sz="1600" kern="1200">
-                <a:solidFill>
-                  <a:schemeClr val="tx1"/>
-                </a:solidFill>
-                <a:latin typeface="+mn-lt"/>
-                <a:ea typeface="+mn-ea"/>
-                <a:cs typeface="+mn-cs"/>
-              </a:defRPr>
-            </a:lvl8pPr>
-            <a:lvl9pPr marL="3657600" indent="0" algn="ctr" defTabSz="914400" rtl="0" eaLnBrk="1" latinLnBrk="0" hangingPunct="1">
-              <a:lnSpc>
-                <a:spcPct val="90000"/>
-              </a:lnSpc>
-              <a:spcBef>
-                <a:spcPts val="500"/>
-              </a:spcBef>
-              <a:buFont typeface="Arial" panose="020B0604020202020204" pitchFamily="34" charset="0"/>
-              <a:buNone/>
-              <a:defRPr sz="1600" kern="1200">
-                <a:solidFill>
-                  <a:schemeClr val="tx1"/>
-                </a:solidFill>
-                <a:latin typeface="+mn-lt"/>
-                <a:ea typeface="+mn-ea"/>
-                <a:cs typeface="+mn-cs"/>
-              </a:defRPr>
-            </a:lvl9pPr>
           </a:lstStyle>
           <a:p>
-            <a:pPr algn="l"/>
-            <a:r>
-              <a:rPr lang="es-ES_tradnl" sz="2000" dirty="0">
-                <a:solidFill>
-                  <a:schemeClr val="bg1"/>
-                </a:solidFill>
-              </a:rPr>
-              <a:t>Tutor: Michael Olmos Trujillo - Profesor: </a:t>
-            </a:r>
-            <a:r>
-              <a:rPr lang="es-ES_tradnl" sz="2000" dirty="0" err="1">
-                <a:solidFill>
-                  <a:schemeClr val="bg1"/>
-                </a:solidFill>
-              </a:rPr>
-              <a:t>Damian</a:t>
-            </a:r>
-            <a:r>
-              <a:rPr lang="es-ES_tradnl" sz="2000" dirty="0">
-                <a:solidFill>
-                  <a:schemeClr val="bg1"/>
-                </a:solidFill>
-              </a:rPr>
-              <a:t> </a:t>
-            </a:r>
-            <a:r>
-              <a:rPr lang="es-ES_tradnl" sz="2000" dirty="0" err="1">
-                <a:solidFill>
-                  <a:schemeClr val="bg1"/>
-                </a:solidFill>
-              </a:rPr>
-              <a:t>Dapueto</a:t>
-            </a:r>
-            <a:endParaRPr lang="es-ES_tradnl" sz="2000" dirty="0">
+            <a:endParaRPr lang="es-ES_tradnl" dirty="0">
               <a:solidFill>
                 <a:schemeClr val="bg1"/>
               </a:solidFill>
@@ -3092,65 +2924,10 @@
       </p:sp>
       <p:sp>
         <p:nvSpPr>
-          <p:cNvPr id="3" name="Subtitle 2"/>
-          <p:cNvSpPr>
-            <a:spLocks noGrp="1"/>
-          </p:cNvSpPr>
-          <p:nvPr>
-            <p:ph type="subTitle" idx="1"/>
-          </p:nvPr>
-        </p:nvSpPr>
-        <p:spPr>
-          <a:xfrm>
-            <a:off x="3170382" y="3822950"/>
-            <a:ext cx="5500135" cy="1293065"/>
-          </a:xfrm>
-        </p:spPr>
-        <p:txBody>
-          <a:bodyPr numCol="1">
-            <a:normAutofit/>
-          </a:bodyPr>
-          <a:lstStyle/>
-          <a:p>
-            <a:r>
-              <a:rPr lang="es-ES_tradnl" sz="2000" dirty="0">
-                <a:solidFill>
-                  <a:schemeClr val="bg1"/>
-                </a:solidFill>
-              </a:rPr>
-              <a:t>Integrantes:</a:t>
-            </a:r>
-          </a:p>
-          <a:p>
-            <a:pPr algn="l"/>
-            <a:r>
-              <a:rPr lang="en-US" sz="2000" dirty="0">
-                <a:solidFill>
-                  <a:schemeClr val="bg1"/>
-                </a:solidFill>
-              </a:rPr>
-              <a:t>Ricardo Alvarez</a:t>
-            </a:r>
-          </a:p>
-          <a:p>
-            <a:pPr algn="l"/>
-            <a:r>
-              <a:rPr lang="en-US" sz="2000" dirty="0">
-                <a:solidFill>
-                  <a:schemeClr val="bg1"/>
-                </a:solidFill>
-              </a:rPr>
-              <a:t>Paula Bracco</a:t>
-            </a:r>
-          </a:p>
-        </p:txBody>
-      </p:sp>
-      <p:sp>
-        <p:nvSpPr>
-          <p:cNvPr id="7" name="Subtitle 2">
+          <p:cNvPr id="6" name="Text Placeholder 2">
             <a:extLst>
               <a:ext uri="{FF2B5EF4-FFF2-40B4-BE49-F238E27FC236}">
-                <a16:creationId xmlns:a16="http://schemas.microsoft.com/office/drawing/2014/main" id="{6507E343-342D-9B48-9903-18706EB88ED4}"/>
+                <a16:creationId xmlns:a16="http://schemas.microsoft.com/office/drawing/2014/main" id="{3BE41109-FC80-7544-8593-A10A14E36E68}"/>
               </a:ext>
             </a:extLst>
           </p:cNvPr>
@@ -3161,19 +2938,19 @@
         </p:nvSpPr>
         <p:spPr>
           <a:xfrm>
-            <a:off x="5920449" y="4193292"/>
-            <a:ext cx="2928626" cy="922723"/>
+            <a:off x="831850" y="3899220"/>
+            <a:ext cx="5550632" cy="2834638"/>
           </a:xfrm>
           <a:prstGeom prst="rect">
             <a:avLst/>
           </a:prstGeom>
         </p:spPr>
         <p:txBody>
-          <a:bodyPr vert="horz" lIns="91440" tIns="45720" rIns="91440" bIns="45720" numCol="1" rtlCol="0">
+          <a:bodyPr vert="horz" lIns="91440" tIns="45720" rIns="91440" bIns="45720" rtlCol="0">
             <a:normAutofit/>
           </a:bodyPr>
           <a:lstStyle>
-            <a:lvl1pPr marL="0" indent="0" algn="ctr" defTabSz="914400" rtl="0" eaLnBrk="1" latinLnBrk="0" hangingPunct="1">
+            <a:lvl1pPr marL="0" indent="0" algn="l" defTabSz="914400" rtl="0" eaLnBrk="1" latinLnBrk="0" hangingPunct="1">
               <a:lnSpc>
                 <a:spcPct val="90000"/>
               </a:lnSpc>
@@ -3184,14 +2961,14 @@
               <a:buNone/>
               <a:defRPr sz="2400" kern="1200">
                 <a:solidFill>
-                  <a:srgbClr val="1ED65F"/>
+                  <a:srgbClr val="2B41BC"/>
                 </a:solidFill>
                 <a:latin typeface="+mn-lt"/>
                 <a:ea typeface="+mn-ea"/>
                 <a:cs typeface="+mn-cs"/>
               </a:defRPr>
             </a:lvl1pPr>
-            <a:lvl2pPr marL="457200" indent="0" algn="ctr" defTabSz="914400" rtl="0" eaLnBrk="1" latinLnBrk="0" hangingPunct="1">
+            <a:lvl2pPr marL="457200" indent="0" algn="l" defTabSz="914400" rtl="0" eaLnBrk="1" latinLnBrk="0" hangingPunct="1">
               <a:lnSpc>
                 <a:spcPct val="90000"/>
               </a:lnSpc>
@@ -3202,14 +2979,16 @@
               <a:buNone/>
               <a:defRPr sz="2000" kern="1200">
                 <a:solidFill>
-                  <a:schemeClr val="bg1"/>
+                  <a:schemeClr val="tx1">
+                    <a:tint val="75000"/>
+                  </a:schemeClr>
                 </a:solidFill>
                 <a:latin typeface="+mn-lt"/>
                 <a:ea typeface="+mn-ea"/>
                 <a:cs typeface="+mn-cs"/>
               </a:defRPr>
             </a:lvl2pPr>
-            <a:lvl3pPr marL="914400" indent="0" algn="ctr" defTabSz="914400" rtl="0" eaLnBrk="1" latinLnBrk="0" hangingPunct="1">
+            <a:lvl3pPr marL="914400" indent="0" algn="l" defTabSz="914400" rtl="0" eaLnBrk="1" latinLnBrk="0" hangingPunct="1">
               <a:lnSpc>
                 <a:spcPct val="90000"/>
               </a:lnSpc>
@@ -3220,14 +2999,16 @@
               <a:buNone/>
               <a:defRPr sz="1800" kern="1200">
                 <a:solidFill>
-                  <a:schemeClr val="bg1"/>
+                  <a:schemeClr val="tx1">
+                    <a:tint val="75000"/>
+                  </a:schemeClr>
                 </a:solidFill>
                 <a:latin typeface="+mn-lt"/>
                 <a:ea typeface="+mn-ea"/>
                 <a:cs typeface="+mn-cs"/>
               </a:defRPr>
             </a:lvl3pPr>
-            <a:lvl4pPr marL="1371600" indent="0" algn="ctr" defTabSz="914400" rtl="0" eaLnBrk="1" latinLnBrk="0" hangingPunct="1">
+            <a:lvl4pPr marL="1371600" indent="0" algn="l" defTabSz="914400" rtl="0" eaLnBrk="1" latinLnBrk="0" hangingPunct="1">
               <a:lnSpc>
                 <a:spcPct val="90000"/>
               </a:lnSpc>
@@ -3238,14 +3019,16 @@
               <a:buNone/>
               <a:defRPr sz="1600" kern="1200">
                 <a:solidFill>
-                  <a:schemeClr val="bg1"/>
+                  <a:schemeClr val="tx1">
+                    <a:tint val="75000"/>
+                  </a:schemeClr>
                 </a:solidFill>
                 <a:latin typeface="+mn-lt"/>
                 <a:ea typeface="+mn-ea"/>
                 <a:cs typeface="+mn-cs"/>
               </a:defRPr>
             </a:lvl4pPr>
-            <a:lvl5pPr marL="1828800" indent="0" algn="ctr" defTabSz="914400" rtl="0" eaLnBrk="1" latinLnBrk="0" hangingPunct="1">
+            <a:lvl5pPr marL="1828800" indent="0" algn="l" defTabSz="914400" rtl="0" eaLnBrk="1" latinLnBrk="0" hangingPunct="1">
               <a:lnSpc>
                 <a:spcPct val="90000"/>
               </a:lnSpc>
@@ -3256,14 +3039,16 @@
               <a:buNone/>
               <a:defRPr sz="1600" kern="1200">
                 <a:solidFill>
-                  <a:schemeClr val="bg1"/>
+                  <a:schemeClr val="tx1">
+                    <a:tint val="75000"/>
+                  </a:schemeClr>
                 </a:solidFill>
                 <a:latin typeface="+mn-lt"/>
                 <a:ea typeface="+mn-ea"/>
                 <a:cs typeface="+mn-cs"/>
               </a:defRPr>
             </a:lvl5pPr>
-            <a:lvl6pPr marL="2286000" indent="0" algn="ctr" defTabSz="914400" rtl="0" eaLnBrk="1" latinLnBrk="0" hangingPunct="1">
+            <a:lvl6pPr marL="2286000" indent="0" algn="l" defTabSz="914400" rtl="0" eaLnBrk="1" latinLnBrk="0" hangingPunct="1">
               <a:lnSpc>
                 <a:spcPct val="90000"/>
               </a:lnSpc>
@@ -3274,14 +3059,16 @@
               <a:buNone/>
               <a:defRPr sz="1600" kern="1200">
                 <a:solidFill>
-                  <a:schemeClr val="tx1"/>
+                  <a:schemeClr val="tx1">
+                    <a:tint val="75000"/>
+                  </a:schemeClr>
                 </a:solidFill>
                 <a:latin typeface="+mn-lt"/>
                 <a:ea typeface="+mn-ea"/>
                 <a:cs typeface="+mn-cs"/>
               </a:defRPr>
             </a:lvl6pPr>
-            <a:lvl7pPr marL="2743200" indent="0" algn="ctr" defTabSz="914400" rtl="0" eaLnBrk="1" latinLnBrk="0" hangingPunct="1">
+            <a:lvl7pPr marL="2743200" indent="0" algn="l" defTabSz="914400" rtl="0" eaLnBrk="1" latinLnBrk="0" hangingPunct="1">
               <a:lnSpc>
                 <a:spcPct val="90000"/>
               </a:lnSpc>
@@ -3292,14 +3079,16 @@
               <a:buNone/>
               <a:defRPr sz="1600" kern="1200">
                 <a:solidFill>
-                  <a:schemeClr val="tx1"/>
+                  <a:schemeClr val="tx1">
+                    <a:tint val="75000"/>
+                  </a:schemeClr>
                 </a:solidFill>
                 <a:latin typeface="+mn-lt"/>
                 <a:ea typeface="+mn-ea"/>
                 <a:cs typeface="+mn-cs"/>
               </a:defRPr>
             </a:lvl7pPr>
-            <a:lvl8pPr marL="3200400" indent="0" algn="ctr" defTabSz="914400" rtl="0" eaLnBrk="1" latinLnBrk="0" hangingPunct="1">
+            <a:lvl8pPr marL="3200400" indent="0" algn="l" defTabSz="914400" rtl="0" eaLnBrk="1" latinLnBrk="0" hangingPunct="1">
               <a:lnSpc>
                 <a:spcPct val="90000"/>
               </a:lnSpc>
@@ -3310,14 +3099,16 @@
               <a:buNone/>
               <a:defRPr sz="1600" kern="1200">
                 <a:solidFill>
-                  <a:schemeClr val="tx1"/>
+                  <a:schemeClr val="tx1">
+                    <a:tint val="75000"/>
+                  </a:schemeClr>
                 </a:solidFill>
                 <a:latin typeface="+mn-lt"/>
                 <a:ea typeface="+mn-ea"/>
                 <a:cs typeface="+mn-cs"/>
               </a:defRPr>
             </a:lvl8pPr>
-            <a:lvl9pPr marL="3657600" indent="0" algn="ctr" defTabSz="914400" rtl="0" eaLnBrk="1" latinLnBrk="0" hangingPunct="1">
+            <a:lvl9pPr marL="3657600" indent="0" algn="l" defTabSz="914400" rtl="0" eaLnBrk="1" latinLnBrk="0" hangingPunct="1">
               <a:lnSpc>
                 <a:spcPct val="90000"/>
               </a:lnSpc>
@@ -3328,7 +3119,9 @@
               <a:buNone/>
               <a:defRPr sz="1600" kern="1200">
                 <a:solidFill>
-                  <a:schemeClr val="tx1"/>
+                  <a:schemeClr val="tx1">
+                    <a:tint val="75000"/>
+                  </a:schemeClr>
                 </a:solidFill>
                 <a:latin typeface="+mn-lt"/>
                 <a:ea typeface="+mn-ea"/>
@@ -3337,46 +3130,68 @@
             </a:lvl9pPr>
           </a:lstStyle>
           <a:p>
-            <a:pPr algn="l"/>
-            <a:r>
-              <a:rPr lang="en-US" sz="2000" dirty="0">
-                <a:solidFill>
-                  <a:schemeClr val="bg1"/>
-                </a:solidFill>
-              </a:rPr>
+            <a:r>
+              <a:rPr lang="es-ES_tradnl" dirty="0"/>
+              <a:t>Integrantes: </a:t>
+            </a:r>
+          </a:p>
+          <a:p>
+            <a:r>
+              <a:rPr lang="es-ES_tradnl" dirty="0"/>
+              <a:t>Ricardo </a:t>
+            </a:r>
+            <a:r>
+              <a:rPr lang="es-ES_tradnl" dirty="0" err="1"/>
+              <a:t>Alvarez</a:t>
+            </a:r>
+            <a:r>
+              <a:rPr lang="es-ES_tradnl" dirty="0"/>
+              <a:t>  </a:t>
+            </a:r>
+          </a:p>
+          <a:p>
+            <a:r>
+              <a:rPr lang="es-ES_tradnl" dirty="0"/>
+              <a:t>Paula </a:t>
+            </a:r>
+            <a:r>
+              <a:rPr lang="es-ES_tradnl" dirty="0" err="1"/>
+              <a:t>Bracco</a:t>
+            </a:r>
+            <a:r>
+              <a:rPr lang="es-ES_tradnl" dirty="0"/>
+              <a:t> </a:t>
+            </a:r>
+          </a:p>
+          <a:p>
+            <a:r>
+              <a:rPr lang="es-ES_tradnl" dirty="0"/>
               <a:t>Santiago </a:t>
             </a:r>
             <a:r>
-              <a:rPr lang="en-US" sz="2000" dirty="0" err="1">
-                <a:solidFill>
-                  <a:schemeClr val="bg1"/>
-                </a:solidFill>
-              </a:rPr>
+              <a:rPr lang="es-ES_tradnl" dirty="0" err="1"/>
               <a:t>Gegenschatz</a:t>
             </a:r>
-            <a:endParaRPr lang="en-US" sz="2000" dirty="0">
-              <a:solidFill>
-                <a:schemeClr val="bg1"/>
-              </a:solidFill>
-            </a:endParaRPr>
-          </a:p>
-          <a:p>
-            <a:pPr algn="l"/>
-            <a:r>
-              <a:rPr lang="en-US" sz="2000" dirty="0">
-                <a:solidFill>
-                  <a:schemeClr val="bg1"/>
-                </a:solidFill>
-              </a:rPr>
+            <a:r>
+              <a:rPr lang="es-ES_tradnl" dirty="0"/>
+              <a:t>  </a:t>
+            </a:r>
+          </a:p>
+          <a:p>
+            <a:r>
+              <a:rPr lang="es-ES_tradnl" dirty="0"/>
               <a:t>Rossana Scavone</a:t>
             </a:r>
+          </a:p>
+          <a:p>
+            <a:endParaRPr lang="es-ES_tradnl" dirty="0"/>
           </a:p>
         </p:txBody>
       </p:sp>
     </p:spTree>
     <p:extLst>
       <p:ext uri="{BB962C8B-B14F-4D97-AF65-F5344CB8AC3E}">
-        <p14:creationId xmlns:p14="http://schemas.microsoft.com/office/powerpoint/2010/main" val="720928810"/>
+        <p14:creationId xmlns:p14="http://schemas.microsoft.com/office/powerpoint/2010/main" val="3745630204"/>
       </p:ext>
     </p:extLst>
   </p:cSld>
@@ -3387,6 +3202,682 @@
 </file>
 
 <file path=ppt/slides/slide10.xml><?xml version="1.0" encoding="utf-8"?>
+<p:sld xmlns:a="http://schemas.openxmlformats.org/drawingml/2006/main" xmlns:r="http://schemas.openxmlformats.org/officeDocument/2006/relationships" xmlns:p="http://schemas.openxmlformats.org/presentationml/2006/main">
+  <p:cSld>
+    <p:spTree>
+      <p:nvGrpSpPr>
+        <p:cNvPr id="1" name=""/>
+        <p:cNvGrpSpPr/>
+        <p:nvPr/>
+      </p:nvGrpSpPr>
+      <p:grpSpPr>
+        <a:xfrm>
+          <a:off x="0" y="0"/>
+          <a:ext cx="0" cy="0"/>
+          <a:chOff x="0" y="0"/>
+          <a:chExt cx="0" cy="0"/>
+        </a:xfrm>
+      </p:grpSpPr>
+      <p:sp>
+        <p:nvSpPr>
+          <p:cNvPr id="12" name="Content Placeholder 2">
+            <a:extLst>
+              <a:ext uri="{FF2B5EF4-FFF2-40B4-BE49-F238E27FC236}">
+                <a16:creationId xmlns:a16="http://schemas.microsoft.com/office/drawing/2014/main" id="{F51E0F6D-5682-124F-A78C-541FE337CD81}"/>
+              </a:ext>
+            </a:extLst>
+          </p:cNvPr>
+          <p:cNvSpPr txBox="1">
+            <a:spLocks/>
+          </p:cNvSpPr>
+          <p:nvPr/>
+        </p:nvSpPr>
+        <p:spPr>
+          <a:xfrm>
+            <a:off x="5436695" y="2574723"/>
+            <a:ext cx="5499062" cy="1325563"/>
+          </a:xfrm>
+          <a:prstGeom prst="rect">
+            <a:avLst/>
+          </a:prstGeom>
+        </p:spPr>
+        <p:txBody>
+          <a:bodyPr vert="horz" lIns="91440" tIns="45720" rIns="91440" bIns="45720" rtlCol="0">
+            <a:normAutofit/>
+          </a:bodyPr>
+          <a:lstStyle>
+            <a:lvl1pPr marL="228600" indent="-228600" algn="l" defTabSz="914400" rtl="0" eaLnBrk="1" latinLnBrk="0" hangingPunct="1">
+              <a:lnSpc>
+                <a:spcPct val="90000"/>
+              </a:lnSpc>
+              <a:spcBef>
+                <a:spcPts val="1000"/>
+              </a:spcBef>
+              <a:buFont typeface="Arial" panose="020B0604020202020204" pitchFamily="34" charset="0"/>
+              <a:buChar char="•"/>
+              <a:defRPr sz="2800" kern="1200">
+                <a:solidFill>
+                  <a:schemeClr val="bg1"/>
+                </a:solidFill>
+                <a:latin typeface="+mn-lt"/>
+                <a:ea typeface="+mn-ea"/>
+                <a:cs typeface="+mn-cs"/>
+              </a:defRPr>
+            </a:lvl1pPr>
+            <a:lvl2pPr marL="685800" indent="-228600" algn="l" defTabSz="914400" rtl="0" eaLnBrk="1" latinLnBrk="0" hangingPunct="1">
+              <a:lnSpc>
+                <a:spcPct val="90000"/>
+              </a:lnSpc>
+              <a:spcBef>
+                <a:spcPts val="500"/>
+              </a:spcBef>
+              <a:buFont typeface="Arial" panose="020B0604020202020204" pitchFamily="34" charset="0"/>
+              <a:buChar char="•"/>
+              <a:defRPr sz="2400" kern="1200">
+                <a:solidFill>
+                  <a:schemeClr val="bg1"/>
+                </a:solidFill>
+                <a:latin typeface="+mn-lt"/>
+                <a:ea typeface="+mn-ea"/>
+                <a:cs typeface="+mn-cs"/>
+              </a:defRPr>
+            </a:lvl2pPr>
+            <a:lvl3pPr marL="1143000" indent="-228600" algn="l" defTabSz="914400" rtl="0" eaLnBrk="1" latinLnBrk="0" hangingPunct="1">
+              <a:lnSpc>
+                <a:spcPct val="90000"/>
+              </a:lnSpc>
+              <a:spcBef>
+                <a:spcPts val="500"/>
+              </a:spcBef>
+              <a:buFont typeface="Arial" panose="020B0604020202020204" pitchFamily="34" charset="0"/>
+              <a:buChar char="•"/>
+              <a:defRPr sz="2000" kern="1200">
+                <a:solidFill>
+                  <a:schemeClr val="bg1"/>
+                </a:solidFill>
+                <a:latin typeface="+mn-lt"/>
+                <a:ea typeface="+mn-ea"/>
+                <a:cs typeface="+mn-cs"/>
+              </a:defRPr>
+            </a:lvl3pPr>
+            <a:lvl4pPr marL="1600200" indent="-228600" algn="l" defTabSz="914400" rtl="0" eaLnBrk="1" latinLnBrk="0" hangingPunct="1">
+              <a:lnSpc>
+                <a:spcPct val="90000"/>
+              </a:lnSpc>
+              <a:spcBef>
+                <a:spcPts val="500"/>
+              </a:spcBef>
+              <a:buFont typeface="Arial" panose="020B0604020202020204" pitchFamily="34" charset="0"/>
+              <a:buChar char="•"/>
+              <a:defRPr sz="1800" kern="1200">
+                <a:solidFill>
+                  <a:schemeClr val="bg1"/>
+                </a:solidFill>
+                <a:latin typeface="+mn-lt"/>
+                <a:ea typeface="+mn-ea"/>
+                <a:cs typeface="+mn-cs"/>
+              </a:defRPr>
+            </a:lvl4pPr>
+            <a:lvl5pPr marL="2057400" indent="-228600" algn="l" defTabSz="914400" rtl="0" eaLnBrk="1" latinLnBrk="0" hangingPunct="1">
+              <a:lnSpc>
+                <a:spcPct val="90000"/>
+              </a:lnSpc>
+              <a:spcBef>
+                <a:spcPts val="500"/>
+              </a:spcBef>
+              <a:buFont typeface="Arial" panose="020B0604020202020204" pitchFamily="34" charset="0"/>
+              <a:buChar char="•"/>
+              <a:defRPr sz="1800" kern="1200">
+                <a:solidFill>
+                  <a:schemeClr val="bg1"/>
+                </a:solidFill>
+                <a:latin typeface="+mn-lt"/>
+                <a:ea typeface="+mn-ea"/>
+                <a:cs typeface="+mn-cs"/>
+              </a:defRPr>
+            </a:lvl5pPr>
+            <a:lvl6pPr marL="2514600" indent="-228600" algn="l" defTabSz="914400" rtl="0" eaLnBrk="1" latinLnBrk="0" hangingPunct="1">
+              <a:lnSpc>
+                <a:spcPct val="90000"/>
+              </a:lnSpc>
+              <a:spcBef>
+                <a:spcPts val="500"/>
+              </a:spcBef>
+              <a:buFont typeface="Arial" panose="020B0604020202020204" pitchFamily="34" charset="0"/>
+              <a:buChar char="•"/>
+              <a:defRPr sz="1800" kern="1200">
+                <a:solidFill>
+                  <a:schemeClr val="tx1"/>
+                </a:solidFill>
+                <a:latin typeface="+mn-lt"/>
+                <a:ea typeface="+mn-ea"/>
+                <a:cs typeface="+mn-cs"/>
+              </a:defRPr>
+            </a:lvl6pPr>
+            <a:lvl7pPr marL="2971800" indent="-228600" algn="l" defTabSz="914400" rtl="0" eaLnBrk="1" latinLnBrk="0" hangingPunct="1">
+              <a:lnSpc>
+                <a:spcPct val="90000"/>
+              </a:lnSpc>
+              <a:spcBef>
+                <a:spcPts val="500"/>
+              </a:spcBef>
+              <a:buFont typeface="Arial" panose="020B0604020202020204" pitchFamily="34" charset="0"/>
+              <a:buChar char="•"/>
+              <a:defRPr sz="1800" kern="1200">
+                <a:solidFill>
+                  <a:schemeClr val="tx1"/>
+                </a:solidFill>
+                <a:latin typeface="+mn-lt"/>
+                <a:ea typeface="+mn-ea"/>
+                <a:cs typeface="+mn-cs"/>
+              </a:defRPr>
+            </a:lvl7pPr>
+            <a:lvl8pPr marL="3429000" indent="-228600" algn="l" defTabSz="914400" rtl="0" eaLnBrk="1" latinLnBrk="0" hangingPunct="1">
+              <a:lnSpc>
+                <a:spcPct val="90000"/>
+              </a:lnSpc>
+              <a:spcBef>
+                <a:spcPts val="500"/>
+              </a:spcBef>
+              <a:buFont typeface="Arial" panose="020B0604020202020204" pitchFamily="34" charset="0"/>
+              <a:buChar char="•"/>
+              <a:defRPr sz="1800" kern="1200">
+                <a:solidFill>
+                  <a:schemeClr val="tx1"/>
+                </a:solidFill>
+                <a:latin typeface="+mn-lt"/>
+                <a:ea typeface="+mn-ea"/>
+                <a:cs typeface="+mn-cs"/>
+              </a:defRPr>
+            </a:lvl8pPr>
+            <a:lvl9pPr marL="3886200" indent="-228600" algn="l" defTabSz="914400" rtl="0" eaLnBrk="1" latinLnBrk="0" hangingPunct="1">
+              <a:lnSpc>
+                <a:spcPct val="90000"/>
+              </a:lnSpc>
+              <a:spcBef>
+                <a:spcPts val="500"/>
+              </a:spcBef>
+              <a:buFont typeface="Arial" panose="020B0604020202020204" pitchFamily="34" charset="0"/>
+              <a:buChar char="•"/>
+              <a:defRPr sz="1800" kern="1200">
+                <a:solidFill>
+                  <a:schemeClr val="tx1"/>
+                </a:solidFill>
+                <a:latin typeface="+mn-lt"/>
+                <a:ea typeface="+mn-ea"/>
+                <a:cs typeface="+mn-cs"/>
+              </a:defRPr>
+            </a:lvl9pPr>
+          </a:lstStyle>
+          <a:p>
+            <a:pPr marL="0" indent="0">
+              <a:buFont typeface="Arial" panose="020B0604020202020204" pitchFamily="34" charset="0"/>
+              <a:buNone/>
+            </a:pPr>
+            <a:r>
+              <a:rPr lang="es-ES_tradnl" sz="2000" dirty="0"/>
+              <a:t>Histograma de la variable Target “</a:t>
+            </a:r>
+            <a:r>
+              <a:rPr lang="es-ES_tradnl" sz="2000" dirty="0" err="1"/>
+              <a:t>Popularity</a:t>
+            </a:r>
+            <a:r>
+              <a:rPr lang="es-ES_tradnl" sz="2000" dirty="0"/>
+              <a:t>”</a:t>
+            </a:r>
+          </a:p>
+          <a:p>
+            <a:pPr marL="0" indent="0">
+              <a:buFont typeface="Arial" panose="020B0604020202020204" pitchFamily="34" charset="0"/>
+              <a:buNone/>
+            </a:pPr>
+            <a:r>
+              <a:rPr lang="es-ES_tradnl" sz="2000" dirty="0"/>
+              <a:t>Se puede ver que la mayor parte de los datos son de bajos valores de popularidad</a:t>
+            </a:r>
+          </a:p>
+          <a:p>
+            <a:pPr marL="0" indent="0">
+              <a:buFont typeface="Arial" panose="020B0604020202020204" pitchFamily="34" charset="0"/>
+              <a:buNone/>
+            </a:pPr>
+            <a:endParaRPr lang="en-US" dirty="0"/>
+          </a:p>
+        </p:txBody>
+      </p:sp>
+      <p:sp>
+        <p:nvSpPr>
+          <p:cNvPr id="13" name="Title 1">
+            <a:extLst>
+              <a:ext uri="{FF2B5EF4-FFF2-40B4-BE49-F238E27FC236}">
+                <a16:creationId xmlns:a16="http://schemas.microsoft.com/office/drawing/2014/main" id="{61CCD8F6-8B8D-1A4F-A01B-5A87E6E07799}"/>
+              </a:ext>
+            </a:extLst>
+          </p:cNvPr>
+          <p:cNvSpPr>
+            <a:spLocks noGrp="1"/>
+          </p:cNvSpPr>
+          <p:nvPr>
+            <p:ph type="title"/>
+          </p:nvPr>
+        </p:nvSpPr>
+        <p:spPr>
+          <a:xfrm>
+            <a:off x="312516" y="365125"/>
+            <a:ext cx="10248358" cy="1325563"/>
+          </a:xfrm>
+        </p:spPr>
+        <p:txBody>
+          <a:bodyPr/>
+          <a:lstStyle/>
+          <a:p>
+            <a:pPr algn="l"/>
+            <a:r>
+              <a:rPr lang="es-ES_tradnl" dirty="0"/>
+              <a:t>Visualización de los Datos</a:t>
+            </a:r>
+          </a:p>
+        </p:txBody>
+      </p:sp>
+      <p:pic>
+        <p:nvPicPr>
+          <p:cNvPr id="1026" name="Picture 2">
+            <a:extLst>
+              <a:ext uri="{FF2B5EF4-FFF2-40B4-BE49-F238E27FC236}">
+                <a16:creationId xmlns:a16="http://schemas.microsoft.com/office/drawing/2014/main" id="{E9381A1F-0820-D245-9D13-9D8EA1977BED}"/>
+              </a:ext>
+            </a:extLst>
+          </p:cNvPr>
+          <p:cNvPicPr>
+            <a:picLocks noChangeAspect="1" noChangeArrowheads="1"/>
+          </p:cNvPicPr>
+          <p:nvPr/>
+        </p:nvPicPr>
+        <p:blipFill>
+          <a:blip r:embed="rId2">
+            <a:extLst>
+              <a:ext uri="{28A0092B-C50C-407E-A947-70E740481C1C}">
+                <a14:useLocalDpi xmlns:a14="http://schemas.microsoft.com/office/drawing/2010/main" val="0"/>
+              </a:ext>
+            </a:extLst>
+          </a:blip>
+          <a:srcRect/>
+          <a:stretch>
+            <a:fillRect/>
+          </a:stretch>
+        </p:blipFill>
+        <p:spPr bwMode="auto">
+          <a:xfrm>
+            <a:off x="380041" y="1934308"/>
+            <a:ext cx="4958891" cy="4677507"/>
+          </a:xfrm>
+          <a:prstGeom prst="rect">
+            <a:avLst/>
+          </a:prstGeom>
+          <a:solidFill>
+            <a:schemeClr val="bg1"/>
+          </a:solidFill>
+        </p:spPr>
+      </p:pic>
+      <p:pic>
+        <p:nvPicPr>
+          <p:cNvPr id="2" name="Picture 1">
+            <a:extLst>
+              <a:ext uri="{FF2B5EF4-FFF2-40B4-BE49-F238E27FC236}">
+                <a16:creationId xmlns:a16="http://schemas.microsoft.com/office/drawing/2014/main" id="{D6E7934F-2999-7743-911C-F61CD085C04E}"/>
+              </a:ext>
+            </a:extLst>
+          </p:cNvPr>
+          <p:cNvPicPr>
+            <a:picLocks noChangeAspect="1"/>
+          </p:cNvPicPr>
+          <p:nvPr/>
+        </p:nvPicPr>
+        <p:blipFill>
+          <a:blip r:embed="rId3"/>
+          <a:stretch>
+            <a:fillRect/>
+          </a:stretch>
+        </p:blipFill>
+        <p:spPr>
+          <a:xfrm>
+            <a:off x="5436695" y="4283277"/>
+            <a:ext cx="6485674" cy="2328538"/>
+          </a:xfrm>
+          <a:prstGeom prst="rect">
+            <a:avLst/>
+          </a:prstGeom>
+        </p:spPr>
+      </p:pic>
+    </p:spTree>
+    <p:extLst>
+      <p:ext uri="{BB962C8B-B14F-4D97-AF65-F5344CB8AC3E}">
+        <p14:creationId xmlns:p14="http://schemas.microsoft.com/office/powerpoint/2010/main" val="2219646249"/>
+      </p:ext>
+    </p:extLst>
+  </p:cSld>
+  <p:clrMapOvr>
+    <a:masterClrMapping/>
+  </p:clrMapOvr>
+</p:sld>
+</file>
+
+<file path=ppt/slides/slide11.xml><?xml version="1.0" encoding="utf-8"?>
+<p:sld xmlns:a="http://schemas.openxmlformats.org/drawingml/2006/main" xmlns:r="http://schemas.openxmlformats.org/officeDocument/2006/relationships" xmlns:p="http://schemas.openxmlformats.org/presentationml/2006/main">
+  <p:cSld>
+    <p:spTree>
+      <p:nvGrpSpPr>
+        <p:cNvPr id="1" name=""/>
+        <p:cNvGrpSpPr/>
+        <p:nvPr/>
+      </p:nvGrpSpPr>
+      <p:grpSpPr>
+        <a:xfrm>
+          <a:off x="0" y="0"/>
+          <a:ext cx="0" cy="0"/>
+          <a:chOff x="0" y="0"/>
+          <a:chExt cx="0" cy="0"/>
+        </a:xfrm>
+      </p:grpSpPr>
+      <p:sp>
+        <p:nvSpPr>
+          <p:cNvPr id="12" name="Content Placeholder 2">
+            <a:extLst>
+              <a:ext uri="{FF2B5EF4-FFF2-40B4-BE49-F238E27FC236}">
+                <a16:creationId xmlns:a16="http://schemas.microsoft.com/office/drawing/2014/main" id="{F51E0F6D-5682-124F-A78C-541FE337CD81}"/>
+              </a:ext>
+            </a:extLst>
+          </p:cNvPr>
+          <p:cNvSpPr txBox="1">
+            <a:spLocks/>
+          </p:cNvSpPr>
+          <p:nvPr/>
+        </p:nvSpPr>
+        <p:spPr>
+          <a:xfrm>
+            <a:off x="6780635" y="4591092"/>
+            <a:ext cx="5031323" cy="1325563"/>
+          </a:xfrm>
+          <a:prstGeom prst="rect">
+            <a:avLst/>
+          </a:prstGeom>
+        </p:spPr>
+        <p:txBody>
+          <a:bodyPr vert="horz" lIns="91440" tIns="45720" rIns="91440" bIns="45720" rtlCol="0">
+            <a:normAutofit/>
+          </a:bodyPr>
+          <a:lstStyle>
+            <a:lvl1pPr marL="228600" indent="-228600" algn="l" defTabSz="914400" rtl="0" eaLnBrk="1" latinLnBrk="0" hangingPunct="1">
+              <a:lnSpc>
+                <a:spcPct val="90000"/>
+              </a:lnSpc>
+              <a:spcBef>
+                <a:spcPts val="1000"/>
+              </a:spcBef>
+              <a:buFont typeface="Arial" panose="020B0604020202020204" pitchFamily="34" charset="0"/>
+              <a:buChar char="•"/>
+              <a:defRPr sz="2800" kern="1200">
+                <a:solidFill>
+                  <a:schemeClr val="bg1"/>
+                </a:solidFill>
+                <a:latin typeface="+mn-lt"/>
+                <a:ea typeface="+mn-ea"/>
+                <a:cs typeface="+mn-cs"/>
+              </a:defRPr>
+            </a:lvl1pPr>
+            <a:lvl2pPr marL="685800" indent="-228600" algn="l" defTabSz="914400" rtl="0" eaLnBrk="1" latinLnBrk="0" hangingPunct="1">
+              <a:lnSpc>
+                <a:spcPct val="90000"/>
+              </a:lnSpc>
+              <a:spcBef>
+                <a:spcPts val="500"/>
+              </a:spcBef>
+              <a:buFont typeface="Arial" panose="020B0604020202020204" pitchFamily="34" charset="0"/>
+              <a:buChar char="•"/>
+              <a:defRPr sz="2400" kern="1200">
+                <a:solidFill>
+                  <a:schemeClr val="bg1"/>
+                </a:solidFill>
+                <a:latin typeface="+mn-lt"/>
+                <a:ea typeface="+mn-ea"/>
+                <a:cs typeface="+mn-cs"/>
+              </a:defRPr>
+            </a:lvl2pPr>
+            <a:lvl3pPr marL="1143000" indent="-228600" algn="l" defTabSz="914400" rtl="0" eaLnBrk="1" latinLnBrk="0" hangingPunct="1">
+              <a:lnSpc>
+                <a:spcPct val="90000"/>
+              </a:lnSpc>
+              <a:spcBef>
+                <a:spcPts val="500"/>
+              </a:spcBef>
+              <a:buFont typeface="Arial" panose="020B0604020202020204" pitchFamily="34" charset="0"/>
+              <a:buChar char="•"/>
+              <a:defRPr sz="2000" kern="1200">
+                <a:solidFill>
+                  <a:schemeClr val="bg1"/>
+                </a:solidFill>
+                <a:latin typeface="+mn-lt"/>
+                <a:ea typeface="+mn-ea"/>
+                <a:cs typeface="+mn-cs"/>
+              </a:defRPr>
+            </a:lvl3pPr>
+            <a:lvl4pPr marL="1600200" indent="-228600" algn="l" defTabSz="914400" rtl="0" eaLnBrk="1" latinLnBrk="0" hangingPunct="1">
+              <a:lnSpc>
+                <a:spcPct val="90000"/>
+              </a:lnSpc>
+              <a:spcBef>
+                <a:spcPts val="500"/>
+              </a:spcBef>
+              <a:buFont typeface="Arial" panose="020B0604020202020204" pitchFamily="34" charset="0"/>
+              <a:buChar char="•"/>
+              <a:defRPr sz="1800" kern="1200">
+                <a:solidFill>
+                  <a:schemeClr val="bg1"/>
+                </a:solidFill>
+                <a:latin typeface="+mn-lt"/>
+                <a:ea typeface="+mn-ea"/>
+                <a:cs typeface="+mn-cs"/>
+              </a:defRPr>
+            </a:lvl4pPr>
+            <a:lvl5pPr marL="2057400" indent="-228600" algn="l" defTabSz="914400" rtl="0" eaLnBrk="1" latinLnBrk="0" hangingPunct="1">
+              <a:lnSpc>
+                <a:spcPct val="90000"/>
+              </a:lnSpc>
+              <a:spcBef>
+                <a:spcPts val="500"/>
+              </a:spcBef>
+              <a:buFont typeface="Arial" panose="020B0604020202020204" pitchFamily="34" charset="0"/>
+              <a:buChar char="•"/>
+              <a:defRPr sz="1800" kern="1200">
+                <a:solidFill>
+                  <a:schemeClr val="bg1"/>
+                </a:solidFill>
+                <a:latin typeface="+mn-lt"/>
+                <a:ea typeface="+mn-ea"/>
+                <a:cs typeface="+mn-cs"/>
+              </a:defRPr>
+            </a:lvl5pPr>
+            <a:lvl6pPr marL="2514600" indent="-228600" algn="l" defTabSz="914400" rtl="0" eaLnBrk="1" latinLnBrk="0" hangingPunct="1">
+              <a:lnSpc>
+                <a:spcPct val="90000"/>
+              </a:lnSpc>
+              <a:spcBef>
+                <a:spcPts val="500"/>
+              </a:spcBef>
+              <a:buFont typeface="Arial" panose="020B0604020202020204" pitchFamily="34" charset="0"/>
+              <a:buChar char="•"/>
+              <a:defRPr sz="1800" kern="1200">
+                <a:solidFill>
+                  <a:schemeClr val="tx1"/>
+                </a:solidFill>
+                <a:latin typeface="+mn-lt"/>
+                <a:ea typeface="+mn-ea"/>
+                <a:cs typeface="+mn-cs"/>
+              </a:defRPr>
+            </a:lvl6pPr>
+            <a:lvl7pPr marL="2971800" indent="-228600" algn="l" defTabSz="914400" rtl="0" eaLnBrk="1" latinLnBrk="0" hangingPunct="1">
+              <a:lnSpc>
+                <a:spcPct val="90000"/>
+              </a:lnSpc>
+              <a:spcBef>
+                <a:spcPts val="500"/>
+              </a:spcBef>
+              <a:buFont typeface="Arial" panose="020B0604020202020204" pitchFamily="34" charset="0"/>
+              <a:buChar char="•"/>
+              <a:defRPr sz="1800" kern="1200">
+                <a:solidFill>
+                  <a:schemeClr val="tx1"/>
+                </a:solidFill>
+                <a:latin typeface="+mn-lt"/>
+                <a:ea typeface="+mn-ea"/>
+                <a:cs typeface="+mn-cs"/>
+              </a:defRPr>
+            </a:lvl7pPr>
+            <a:lvl8pPr marL="3429000" indent="-228600" algn="l" defTabSz="914400" rtl="0" eaLnBrk="1" latinLnBrk="0" hangingPunct="1">
+              <a:lnSpc>
+                <a:spcPct val="90000"/>
+              </a:lnSpc>
+              <a:spcBef>
+                <a:spcPts val="500"/>
+              </a:spcBef>
+              <a:buFont typeface="Arial" panose="020B0604020202020204" pitchFamily="34" charset="0"/>
+              <a:buChar char="•"/>
+              <a:defRPr sz="1800" kern="1200">
+                <a:solidFill>
+                  <a:schemeClr val="tx1"/>
+                </a:solidFill>
+                <a:latin typeface="+mn-lt"/>
+                <a:ea typeface="+mn-ea"/>
+                <a:cs typeface="+mn-cs"/>
+              </a:defRPr>
+            </a:lvl8pPr>
+            <a:lvl9pPr marL="3886200" indent="-228600" algn="l" defTabSz="914400" rtl="0" eaLnBrk="1" latinLnBrk="0" hangingPunct="1">
+              <a:lnSpc>
+                <a:spcPct val="90000"/>
+              </a:lnSpc>
+              <a:spcBef>
+                <a:spcPts val="500"/>
+              </a:spcBef>
+              <a:buFont typeface="Arial" panose="020B0604020202020204" pitchFamily="34" charset="0"/>
+              <a:buChar char="•"/>
+              <a:defRPr sz="1800" kern="1200">
+                <a:solidFill>
+                  <a:schemeClr val="tx1"/>
+                </a:solidFill>
+                <a:latin typeface="+mn-lt"/>
+                <a:ea typeface="+mn-ea"/>
+                <a:cs typeface="+mn-cs"/>
+              </a:defRPr>
+            </a:lvl9pPr>
+          </a:lstStyle>
+          <a:p>
+            <a:pPr marL="0" indent="0">
+              <a:buFont typeface="Arial" panose="020B0604020202020204" pitchFamily="34" charset="0"/>
+              <a:buNone/>
+            </a:pPr>
+            <a:r>
+              <a:rPr lang="es-ES_tradnl" sz="2000" dirty="0"/>
+              <a:t>Baja correlación en general entre variables</a:t>
+            </a:r>
+          </a:p>
+          <a:p>
+            <a:pPr marL="0" indent="0">
+              <a:buFont typeface="Arial" panose="020B0604020202020204" pitchFamily="34" charset="0"/>
+              <a:buNone/>
+            </a:pPr>
+            <a:endParaRPr lang="en-US" dirty="0"/>
+          </a:p>
+        </p:txBody>
+      </p:sp>
+      <p:sp>
+        <p:nvSpPr>
+          <p:cNvPr id="13" name="Title 1">
+            <a:extLst>
+              <a:ext uri="{FF2B5EF4-FFF2-40B4-BE49-F238E27FC236}">
+                <a16:creationId xmlns:a16="http://schemas.microsoft.com/office/drawing/2014/main" id="{61CCD8F6-8B8D-1A4F-A01B-5A87E6E07799}"/>
+              </a:ext>
+            </a:extLst>
+          </p:cNvPr>
+          <p:cNvSpPr>
+            <a:spLocks noGrp="1"/>
+          </p:cNvSpPr>
+          <p:nvPr>
+            <p:ph type="title"/>
+          </p:nvPr>
+        </p:nvSpPr>
+        <p:spPr>
+          <a:xfrm>
+            <a:off x="312516" y="365125"/>
+            <a:ext cx="10248358" cy="1325563"/>
+          </a:xfrm>
+        </p:spPr>
+        <p:txBody>
+          <a:bodyPr/>
+          <a:lstStyle/>
+          <a:p>
+            <a:pPr algn="l"/>
+            <a:r>
+              <a:rPr lang="es-ES_tradnl" dirty="0"/>
+              <a:t>Visualización de los Datos</a:t>
+            </a:r>
+          </a:p>
+        </p:txBody>
+      </p:sp>
+      <p:pic>
+        <p:nvPicPr>
+          <p:cNvPr id="3074" name="Picture 2">
+            <a:extLst>
+              <a:ext uri="{FF2B5EF4-FFF2-40B4-BE49-F238E27FC236}">
+                <a16:creationId xmlns:a16="http://schemas.microsoft.com/office/drawing/2014/main" id="{D42285BE-7E45-724A-9372-C8CE5C5CA31B}"/>
+              </a:ext>
+            </a:extLst>
+          </p:cNvPr>
+          <p:cNvPicPr>
+            <a:picLocks noChangeAspect="1" noChangeArrowheads="1"/>
+          </p:cNvPicPr>
+          <p:nvPr/>
+        </p:nvPicPr>
+        <p:blipFill>
+          <a:blip r:embed="rId2">
+            <a:extLst>
+              <a:ext uri="{28A0092B-C50C-407E-A947-70E740481C1C}">
+                <a14:useLocalDpi xmlns:a14="http://schemas.microsoft.com/office/drawing/2010/main" val="0"/>
+              </a:ext>
+            </a:extLst>
+          </a:blip>
+          <a:srcRect/>
+          <a:stretch>
+            <a:fillRect/>
+          </a:stretch>
+        </p:blipFill>
+        <p:spPr bwMode="auto">
+          <a:xfrm>
+            <a:off x="380042" y="1570892"/>
+            <a:ext cx="6333067" cy="5029200"/>
+          </a:xfrm>
+          <a:prstGeom prst="rect">
+            <a:avLst/>
+          </a:prstGeom>
+          <a:solidFill>
+            <a:schemeClr val="bg1"/>
+          </a:solidFill>
+        </p:spPr>
+      </p:pic>
+    </p:spTree>
+    <p:extLst>
+      <p:ext uri="{BB962C8B-B14F-4D97-AF65-F5344CB8AC3E}">
+        <p14:creationId xmlns:p14="http://schemas.microsoft.com/office/powerpoint/2010/main" val="1537082685"/>
+      </p:ext>
+    </p:extLst>
+  </p:cSld>
+  <p:clrMapOvr>
+    <a:masterClrMapping/>
+  </p:clrMapOvr>
+</p:sld>
+</file>
+
+<file path=ppt/slides/slide12.xml><?xml version="1.0" encoding="utf-8"?>
 <p:sld xmlns:a="http://schemas.openxmlformats.org/drawingml/2006/main" xmlns:r="http://schemas.openxmlformats.org/officeDocument/2006/relationships" xmlns:p="http://schemas.openxmlformats.org/presentationml/2006/main">
   <p:cSld>
     <p:spTree>
@@ -3459,7 +3950,7 @@
           <a:p>
             <a:r>
               <a:rPr lang="es-ES_tradnl" dirty="0"/>
-              <a:t>Algoritmos de Regresión</a:t>
+              <a:t>Algoritmos de Clasificación</a:t>
             </a:r>
           </a:p>
         </p:txBody>
@@ -3467,7 +3958,7 @@
     </p:spTree>
     <p:extLst>
       <p:ext uri="{BB962C8B-B14F-4D97-AF65-F5344CB8AC3E}">
-        <p14:creationId xmlns:p14="http://schemas.microsoft.com/office/powerpoint/2010/main" val="875078129"/>
+        <p14:creationId xmlns:p14="http://schemas.microsoft.com/office/powerpoint/2010/main" val="2632975076"/>
       </p:ext>
     </p:extLst>
   </p:cSld>
@@ -3477,7 +3968,7 @@
 </p:sld>
 </file>
 
-<file path=ppt/slides/slide11.xml><?xml version="1.0" encoding="utf-8"?>
+<file path=ppt/slides/slide13.xml><?xml version="1.0" encoding="utf-8"?>
 <p:sld xmlns:a="http://schemas.openxmlformats.org/drawingml/2006/main" xmlns:r="http://schemas.openxmlformats.org/officeDocument/2006/relationships" xmlns:p="http://schemas.openxmlformats.org/presentationml/2006/main">
   <p:cSld>
     <p:spTree>
@@ -3517,17 +4008,585 @@
             <a:pPr algn="l"/>
             <a:r>
               <a:rPr lang="es-ES_tradnl" dirty="0"/>
-              <a:t>Resultados</a:t>
-            </a:r>
+              <a:t>Algoritmos Utilizados</a:t>
+            </a:r>
+          </a:p>
+        </p:txBody>
+      </p:sp>
+      <p:sp>
+        <p:nvSpPr>
+          <p:cNvPr id="4" name="Content Placeholder 2">
+            <a:extLst>
+              <a:ext uri="{FF2B5EF4-FFF2-40B4-BE49-F238E27FC236}">
+                <a16:creationId xmlns:a16="http://schemas.microsoft.com/office/drawing/2014/main" id="{758D99EF-6495-1C43-9B4C-B0C4AA0CD651}"/>
+              </a:ext>
+            </a:extLst>
+          </p:cNvPr>
+          <p:cNvSpPr txBox="1">
+            <a:spLocks/>
+          </p:cNvSpPr>
+          <p:nvPr/>
+        </p:nvSpPr>
+        <p:spPr>
+          <a:xfrm>
+            <a:off x="312516" y="1972042"/>
+            <a:ext cx="10062407" cy="3444020"/>
+          </a:xfrm>
+          <a:prstGeom prst="rect">
+            <a:avLst/>
+          </a:prstGeom>
+        </p:spPr>
+        <p:txBody>
+          <a:bodyPr vert="horz" lIns="91440" tIns="45720" rIns="91440" bIns="45720" rtlCol="0">
+            <a:normAutofit/>
+          </a:bodyPr>
+          <a:lstStyle>
+            <a:lvl1pPr marL="228600" indent="-228600" algn="l" defTabSz="914400" rtl="0" eaLnBrk="1" latinLnBrk="0" hangingPunct="1">
+              <a:lnSpc>
+                <a:spcPct val="90000"/>
+              </a:lnSpc>
+              <a:spcBef>
+                <a:spcPts val="1000"/>
+              </a:spcBef>
+              <a:buFont typeface="Arial" panose="020B0604020202020204" pitchFamily="34" charset="0"/>
+              <a:buChar char="•"/>
+              <a:defRPr sz="2800" kern="1200">
+                <a:solidFill>
+                  <a:schemeClr val="bg1"/>
+                </a:solidFill>
+                <a:latin typeface="+mn-lt"/>
+                <a:ea typeface="+mn-ea"/>
+                <a:cs typeface="+mn-cs"/>
+              </a:defRPr>
+            </a:lvl1pPr>
+            <a:lvl2pPr marL="685800" indent="-228600" algn="l" defTabSz="914400" rtl="0" eaLnBrk="1" latinLnBrk="0" hangingPunct="1">
+              <a:lnSpc>
+                <a:spcPct val="90000"/>
+              </a:lnSpc>
+              <a:spcBef>
+                <a:spcPts val="500"/>
+              </a:spcBef>
+              <a:buFont typeface="Arial" panose="020B0604020202020204" pitchFamily="34" charset="0"/>
+              <a:buChar char="•"/>
+              <a:defRPr sz="2400" kern="1200">
+                <a:solidFill>
+                  <a:schemeClr val="bg1"/>
+                </a:solidFill>
+                <a:latin typeface="+mn-lt"/>
+                <a:ea typeface="+mn-ea"/>
+                <a:cs typeface="+mn-cs"/>
+              </a:defRPr>
+            </a:lvl2pPr>
+            <a:lvl3pPr marL="1143000" indent="-228600" algn="l" defTabSz="914400" rtl="0" eaLnBrk="1" latinLnBrk="0" hangingPunct="1">
+              <a:lnSpc>
+                <a:spcPct val="90000"/>
+              </a:lnSpc>
+              <a:spcBef>
+                <a:spcPts val="500"/>
+              </a:spcBef>
+              <a:buFont typeface="Arial" panose="020B0604020202020204" pitchFamily="34" charset="0"/>
+              <a:buChar char="•"/>
+              <a:defRPr sz="2000" kern="1200">
+                <a:solidFill>
+                  <a:schemeClr val="bg1"/>
+                </a:solidFill>
+                <a:latin typeface="+mn-lt"/>
+                <a:ea typeface="+mn-ea"/>
+                <a:cs typeface="+mn-cs"/>
+              </a:defRPr>
+            </a:lvl3pPr>
+            <a:lvl4pPr marL="1600200" indent="-228600" algn="l" defTabSz="914400" rtl="0" eaLnBrk="1" latinLnBrk="0" hangingPunct="1">
+              <a:lnSpc>
+                <a:spcPct val="90000"/>
+              </a:lnSpc>
+              <a:spcBef>
+                <a:spcPts val="500"/>
+              </a:spcBef>
+              <a:buFont typeface="Arial" panose="020B0604020202020204" pitchFamily="34" charset="0"/>
+              <a:buChar char="•"/>
+              <a:defRPr sz="1800" kern="1200">
+                <a:solidFill>
+                  <a:schemeClr val="bg1"/>
+                </a:solidFill>
+                <a:latin typeface="+mn-lt"/>
+                <a:ea typeface="+mn-ea"/>
+                <a:cs typeface="+mn-cs"/>
+              </a:defRPr>
+            </a:lvl4pPr>
+            <a:lvl5pPr marL="2057400" indent="-228600" algn="l" defTabSz="914400" rtl="0" eaLnBrk="1" latinLnBrk="0" hangingPunct="1">
+              <a:lnSpc>
+                <a:spcPct val="90000"/>
+              </a:lnSpc>
+              <a:spcBef>
+                <a:spcPts val="500"/>
+              </a:spcBef>
+              <a:buFont typeface="Arial" panose="020B0604020202020204" pitchFamily="34" charset="0"/>
+              <a:buChar char="•"/>
+              <a:defRPr sz="1800" kern="1200">
+                <a:solidFill>
+                  <a:schemeClr val="bg1"/>
+                </a:solidFill>
+                <a:latin typeface="+mn-lt"/>
+                <a:ea typeface="+mn-ea"/>
+                <a:cs typeface="+mn-cs"/>
+              </a:defRPr>
+            </a:lvl5pPr>
+            <a:lvl6pPr marL="2514600" indent="-228600" algn="l" defTabSz="914400" rtl="0" eaLnBrk="1" latinLnBrk="0" hangingPunct="1">
+              <a:lnSpc>
+                <a:spcPct val="90000"/>
+              </a:lnSpc>
+              <a:spcBef>
+                <a:spcPts val="500"/>
+              </a:spcBef>
+              <a:buFont typeface="Arial" panose="020B0604020202020204" pitchFamily="34" charset="0"/>
+              <a:buChar char="•"/>
+              <a:defRPr sz="1800" kern="1200">
+                <a:solidFill>
+                  <a:schemeClr val="tx1"/>
+                </a:solidFill>
+                <a:latin typeface="+mn-lt"/>
+                <a:ea typeface="+mn-ea"/>
+                <a:cs typeface="+mn-cs"/>
+              </a:defRPr>
+            </a:lvl6pPr>
+            <a:lvl7pPr marL="2971800" indent="-228600" algn="l" defTabSz="914400" rtl="0" eaLnBrk="1" latinLnBrk="0" hangingPunct="1">
+              <a:lnSpc>
+                <a:spcPct val="90000"/>
+              </a:lnSpc>
+              <a:spcBef>
+                <a:spcPts val="500"/>
+              </a:spcBef>
+              <a:buFont typeface="Arial" panose="020B0604020202020204" pitchFamily="34" charset="0"/>
+              <a:buChar char="•"/>
+              <a:defRPr sz="1800" kern="1200">
+                <a:solidFill>
+                  <a:schemeClr val="tx1"/>
+                </a:solidFill>
+                <a:latin typeface="+mn-lt"/>
+                <a:ea typeface="+mn-ea"/>
+                <a:cs typeface="+mn-cs"/>
+              </a:defRPr>
+            </a:lvl7pPr>
+            <a:lvl8pPr marL="3429000" indent="-228600" algn="l" defTabSz="914400" rtl="0" eaLnBrk="1" latinLnBrk="0" hangingPunct="1">
+              <a:lnSpc>
+                <a:spcPct val="90000"/>
+              </a:lnSpc>
+              <a:spcBef>
+                <a:spcPts val="500"/>
+              </a:spcBef>
+              <a:buFont typeface="Arial" panose="020B0604020202020204" pitchFamily="34" charset="0"/>
+              <a:buChar char="•"/>
+              <a:defRPr sz="1800" kern="1200">
+                <a:solidFill>
+                  <a:schemeClr val="tx1"/>
+                </a:solidFill>
+                <a:latin typeface="+mn-lt"/>
+                <a:ea typeface="+mn-ea"/>
+                <a:cs typeface="+mn-cs"/>
+              </a:defRPr>
+            </a:lvl8pPr>
+            <a:lvl9pPr marL="3886200" indent="-228600" algn="l" defTabSz="914400" rtl="0" eaLnBrk="1" latinLnBrk="0" hangingPunct="1">
+              <a:lnSpc>
+                <a:spcPct val="90000"/>
+              </a:lnSpc>
+              <a:spcBef>
+                <a:spcPts val="500"/>
+              </a:spcBef>
+              <a:buFont typeface="Arial" panose="020B0604020202020204" pitchFamily="34" charset="0"/>
+              <a:buChar char="•"/>
+              <a:defRPr sz="1800" kern="1200">
+                <a:solidFill>
+                  <a:schemeClr val="tx1"/>
+                </a:solidFill>
+                <a:latin typeface="+mn-lt"/>
+                <a:ea typeface="+mn-ea"/>
+                <a:cs typeface="+mn-cs"/>
+              </a:defRPr>
+            </a:lvl9pPr>
+          </a:lstStyle>
+          <a:p>
+            <a:pPr marL="0" indent="0">
+              <a:buFont typeface="Arial" panose="020B0604020202020204" pitchFamily="34" charset="0"/>
+              <a:buNone/>
+            </a:pPr>
+            <a:r>
+              <a:rPr lang="es-ES_tradnl" sz="2000" dirty="0"/>
+              <a:t>Se utilizaron 2 algoritmos de clasificación:</a:t>
+            </a:r>
+          </a:p>
+          <a:p>
+            <a:pPr marL="0" indent="0">
+              <a:buFont typeface="Arial" panose="020B0604020202020204" pitchFamily="34" charset="0"/>
+              <a:buNone/>
+            </a:pPr>
+            <a:endParaRPr lang="es-ES_tradnl" sz="2000" dirty="0"/>
+          </a:p>
+          <a:p>
+            <a:pPr>
+              <a:buFontTx/>
+              <a:buChar char="-"/>
+            </a:pPr>
+            <a:r>
+              <a:rPr lang="es-ES_tradnl" sz="2000" dirty="0"/>
+              <a:t>Árbol de Decisión con </a:t>
+            </a:r>
+            <a:r>
+              <a:rPr lang="es-ES_tradnl" sz="2000" dirty="0" err="1"/>
+              <a:t>cross</a:t>
+            </a:r>
+            <a:r>
+              <a:rPr lang="es-ES_tradnl" sz="2000" dirty="0"/>
+              <a:t> </a:t>
+            </a:r>
+            <a:r>
+              <a:rPr lang="es-ES_tradnl" sz="2000" dirty="0" err="1"/>
+              <a:t>validation</a:t>
+            </a:r>
+            <a:r>
+              <a:rPr lang="es-ES_tradnl" sz="2000" dirty="0"/>
+              <a:t> (k-</a:t>
+            </a:r>
+            <a:r>
+              <a:rPr lang="es-ES_tradnl" sz="2000" dirty="0" err="1"/>
+              <a:t>fold</a:t>
+            </a:r>
+            <a:r>
+              <a:rPr lang="es-ES_tradnl" sz="2000" dirty="0"/>
+              <a:t> = 5)</a:t>
+            </a:r>
+          </a:p>
+          <a:p>
+            <a:pPr>
+              <a:buFontTx/>
+              <a:buChar char="-"/>
+            </a:pPr>
+            <a:r>
+              <a:rPr lang="es-ES_tradnl" sz="2000" dirty="0" err="1"/>
+              <a:t>Random</a:t>
+            </a:r>
+            <a:r>
+              <a:rPr lang="es-ES_tradnl" sz="2000" dirty="0"/>
+              <a:t> </a:t>
+            </a:r>
+            <a:r>
+              <a:rPr lang="es-ES_tradnl" sz="2000" dirty="0" err="1"/>
+              <a:t>Forest</a:t>
+            </a:r>
+            <a:endParaRPr lang="es-ES_tradnl" sz="2000" dirty="0"/>
+          </a:p>
+          <a:p>
+            <a:pPr>
+              <a:buFontTx/>
+              <a:buChar char="-"/>
+            </a:pPr>
+            <a:endParaRPr lang="es-ES_tradnl" sz="2000" dirty="0"/>
+          </a:p>
+          <a:p>
+            <a:pPr marL="0" indent="0">
+              <a:buNone/>
+            </a:pPr>
+            <a:r>
+              <a:rPr lang="es-ES_tradnl" sz="2000" dirty="0"/>
+              <a:t>En ambos casos, se busco el parámetro que ofrecía los mejores resultados. La métrica utilizada para la evaluación fue el F1-Score</a:t>
+            </a:r>
+          </a:p>
+          <a:p>
+            <a:pPr marL="0" indent="0">
+              <a:buNone/>
+            </a:pPr>
+            <a:endParaRPr lang="es-ES_tradnl" sz="2000" dirty="0"/>
+          </a:p>
+          <a:p>
+            <a:pPr marL="0" indent="0">
+              <a:buFont typeface="Arial" panose="020B0604020202020204" pitchFamily="34" charset="0"/>
+              <a:buNone/>
+            </a:pPr>
+            <a:endParaRPr lang="en-US" dirty="0"/>
+          </a:p>
+        </p:txBody>
+      </p:sp>
+    </p:spTree>
+    <p:extLst>
+      <p:ext uri="{BB962C8B-B14F-4D97-AF65-F5344CB8AC3E}">
+        <p14:creationId xmlns:p14="http://schemas.microsoft.com/office/powerpoint/2010/main" val="1212795597"/>
+      </p:ext>
+    </p:extLst>
+  </p:cSld>
+  <p:clrMapOvr>
+    <a:masterClrMapping/>
+  </p:clrMapOvr>
+</p:sld>
+</file>
+
+<file path=ppt/slides/slide14.xml><?xml version="1.0" encoding="utf-8"?>
+<p:sld xmlns:a="http://schemas.openxmlformats.org/drawingml/2006/main" xmlns:r="http://schemas.openxmlformats.org/officeDocument/2006/relationships" xmlns:p="http://schemas.openxmlformats.org/presentationml/2006/main">
+  <p:cSld>
+    <p:spTree>
+      <p:nvGrpSpPr>
+        <p:cNvPr id="1" name=""/>
+        <p:cNvGrpSpPr/>
+        <p:nvPr/>
+      </p:nvGrpSpPr>
+      <p:grpSpPr>
+        <a:xfrm>
+          <a:off x="0" y="0"/>
+          <a:ext cx="0" cy="0"/>
+          <a:chOff x="0" y="0"/>
+          <a:chExt cx="0" cy="0"/>
+        </a:xfrm>
+      </p:grpSpPr>
+      <p:sp>
+        <p:nvSpPr>
+          <p:cNvPr id="2" name="Title 1"/>
+          <p:cNvSpPr>
+            <a:spLocks noGrp="1"/>
+          </p:cNvSpPr>
+          <p:nvPr>
+            <p:ph type="title"/>
+          </p:nvPr>
+        </p:nvSpPr>
+        <p:spPr>
+          <a:xfrm>
+            <a:off x="312516" y="365125"/>
+            <a:ext cx="10248358" cy="1325563"/>
+          </a:xfrm>
+        </p:spPr>
+        <p:txBody>
+          <a:bodyPr/>
+          <a:lstStyle/>
+          <a:p>
+            <a:pPr algn="l"/>
+            <a:r>
+              <a:rPr lang="es-ES_tradnl" dirty="0"/>
+              <a:t>Clase Popularidad</a:t>
+            </a:r>
+          </a:p>
+        </p:txBody>
+      </p:sp>
+      <p:sp>
+        <p:nvSpPr>
+          <p:cNvPr id="4" name="Content Placeholder 2">
+            <a:extLst>
+              <a:ext uri="{FF2B5EF4-FFF2-40B4-BE49-F238E27FC236}">
+                <a16:creationId xmlns:a16="http://schemas.microsoft.com/office/drawing/2014/main" id="{758D99EF-6495-1C43-9B4C-B0C4AA0CD651}"/>
+              </a:ext>
+            </a:extLst>
+          </p:cNvPr>
+          <p:cNvSpPr txBox="1">
+            <a:spLocks/>
+          </p:cNvSpPr>
+          <p:nvPr/>
+        </p:nvSpPr>
+        <p:spPr>
+          <a:xfrm>
+            <a:off x="312516" y="1690688"/>
+            <a:ext cx="9546592" cy="1325563"/>
+          </a:xfrm>
+          <a:prstGeom prst="rect">
+            <a:avLst/>
+          </a:prstGeom>
+        </p:spPr>
+        <p:txBody>
+          <a:bodyPr vert="horz" lIns="91440" tIns="45720" rIns="91440" bIns="45720" rtlCol="0">
+            <a:normAutofit/>
+          </a:bodyPr>
+          <a:lstStyle>
+            <a:lvl1pPr marL="228600" indent="-228600" algn="l" defTabSz="914400" rtl="0" eaLnBrk="1" latinLnBrk="0" hangingPunct="1">
+              <a:lnSpc>
+                <a:spcPct val="90000"/>
+              </a:lnSpc>
+              <a:spcBef>
+                <a:spcPts val="1000"/>
+              </a:spcBef>
+              <a:buFont typeface="Arial" panose="020B0604020202020204" pitchFamily="34" charset="0"/>
+              <a:buChar char="•"/>
+              <a:defRPr sz="2800" kern="1200">
+                <a:solidFill>
+                  <a:schemeClr val="bg1"/>
+                </a:solidFill>
+                <a:latin typeface="+mn-lt"/>
+                <a:ea typeface="+mn-ea"/>
+                <a:cs typeface="+mn-cs"/>
+              </a:defRPr>
+            </a:lvl1pPr>
+            <a:lvl2pPr marL="685800" indent="-228600" algn="l" defTabSz="914400" rtl="0" eaLnBrk="1" latinLnBrk="0" hangingPunct="1">
+              <a:lnSpc>
+                <a:spcPct val="90000"/>
+              </a:lnSpc>
+              <a:spcBef>
+                <a:spcPts val="500"/>
+              </a:spcBef>
+              <a:buFont typeface="Arial" panose="020B0604020202020204" pitchFamily="34" charset="0"/>
+              <a:buChar char="•"/>
+              <a:defRPr sz="2400" kern="1200">
+                <a:solidFill>
+                  <a:schemeClr val="bg1"/>
+                </a:solidFill>
+                <a:latin typeface="+mn-lt"/>
+                <a:ea typeface="+mn-ea"/>
+                <a:cs typeface="+mn-cs"/>
+              </a:defRPr>
+            </a:lvl2pPr>
+            <a:lvl3pPr marL="1143000" indent="-228600" algn="l" defTabSz="914400" rtl="0" eaLnBrk="1" latinLnBrk="0" hangingPunct="1">
+              <a:lnSpc>
+                <a:spcPct val="90000"/>
+              </a:lnSpc>
+              <a:spcBef>
+                <a:spcPts val="500"/>
+              </a:spcBef>
+              <a:buFont typeface="Arial" panose="020B0604020202020204" pitchFamily="34" charset="0"/>
+              <a:buChar char="•"/>
+              <a:defRPr sz="2000" kern="1200">
+                <a:solidFill>
+                  <a:schemeClr val="bg1"/>
+                </a:solidFill>
+                <a:latin typeface="+mn-lt"/>
+                <a:ea typeface="+mn-ea"/>
+                <a:cs typeface="+mn-cs"/>
+              </a:defRPr>
+            </a:lvl3pPr>
+            <a:lvl4pPr marL="1600200" indent="-228600" algn="l" defTabSz="914400" rtl="0" eaLnBrk="1" latinLnBrk="0" hangingPunct="1">
+              <a:lnSpc>
+                <a:spcPct val="90000"/>
+              </a:lnSpc>
+              <a:spcBef>
+                <a:spcPts val="500"/>
+              </a:spcBef>
+              <a:buFont typeface="Arial" panose="020B0604020202020204" pitchFamily="34" charset="0"/>
+              <a:buChar char="•"/>
+              <a:defRPr sz="1800" kern="1200">
+                <a:solidFill>
+                  <a:schemeClr val="bg1"/>
+                </a:solidFill>
+                <a:latin typeface="+mn-lt"/>
+                <a:ea typeface="+mn-ea"/>
+                <a:cs typeface="+mn-cs"/>
+              </a:defRPr>
+            </a:lvl4pPr>
+            <a:lvl5pPr marL="2057400" indent="-228600" algn="l" defTabSz="914400" rtl="0" eaLnBrk="1" latinLnBrk="0" hangingPunct="1">
+              <a:lnSpc>
+                <a:spcPct val="90000"/>
+              </a:lnSpc>
+              <a:spcBef>
+                <a:spcPts val="500"/>
+              </a:spcBef>
+              <a:buFont typeface="Arial" panose="020B0604020202020204" pitchFamily="34" charset="0"/>
+              <a:buChar char="•"/>
+              <a:defRPr sz="1800" kern="1200">
+                <a:solidFill>
+                  <a:schemeClr val="bg1"/>
+                </a:solidFill>
+                <a:latin typeface="+mn-lt"/>
+                <a:ea typeface="+mn-ea"/>
+                <a:cs typeface="+mn-cs"/>
+              </a:defRPr>
+            </a:lvl5pPr>
+            <a:lvl6pPr marL="2514600" indent="-228600" algn="l" defTabSz="914400" rtl="0" eaLnBrk="1" latinLnBrk="0" hangingPunct="1">
+              <a:lnSpc>
+                <a:spcPct val="90000"/>
+              </a:lnSpc>
+              <a:spcBef>
+                <a:spcPts val="500"/>
+              </a:spcBef>
+              <a:buFont typeface="Arial" panose="020B0604020202020204" pitchFamily="34" charset="0"/>
+              <a:buChar char="•"/>
+              <a:defRPr sz="1800" kern="1200">
+                <a:solidFill>
+                  <a:schemeClr val="tx1"/>
+                </a:solidFill>
+                <a:latin typeface="+mn-lt"/>
+                <a:ea typeface="+mn-ea"/>
+                <a:cs typeface="+mn-cs"/>
+              </a:defRPr>
+            </a:lvl6pPr>
+            <a:lvl7pPr marL="2971800" indent="-228600" algn="l" defTabSz="914400" rtl="0" eaLnBrk="1" latinLnBrk="0" hangingPunct="1">
+              <a:lnSpc>
+                <a:spcPct val="90000"/>
+              </a:lnSpc>
+              <a:spcBef>
+                <a:spcPts val="500"/>
+              </a:spcBef>
+              <a:buFont typeface="Arial" panose="020B0604020202020204" pitchFamily="34" charset="0"/>
+              <a:buChar char="•"/>
+              <a:defRPr sz="1800" kern="1200">
+                <a:solidFill>
+                  <a:schemeClr val="tx1"/>
+                </a:solidFill>
+                <a:latin typeface="+mn-lt"/>
+                <a:ea typeface="+mn-ea"/>
+                <a:cs typeface="+mn-cs"/>
+              </a:defRPr>
+            </a:lvl7pPr>
+            <a:lvl8pPr marL="3429000" indent="-228600" algn="l" defTabSz="914400" rtl="0" eaLnBrk="1" latinLnBrk="0" hangingPunct="1">
+              <a:lnSpc>
+                <a:spcPct val="90000"/>
+              </a:lnSpc>
+              <a:spcBef>
+                <a:spcPts val="500"/>
+              </a:spcBef>
+              <a:buFont typeface="Arial" panose="020B0604020202020204" pitchFamily="34" charset="0"/>
+              <a:buChar char="•"/>
+              <a:defRPr sz="1800" kern="1200">
+                <a:solidFill>
+                  <a:schemeClr val="tx1"/>
+                </a:solidFill>
+                <a:latin typeface="+mn-lt"/>
+                <a:ea typeface="+mn-ea"/>
+                <a:cs typeface="+mn-cs"/>
+              </a:defRPr>
+            </a:lvl8pPr>
+            <a:lvl9pPr marL="3886200" indent="-228600" algn="l" defTabSz="914400" rtl="0" eaLnBrk="1" latinLnBrk="0" hangingPunct="1">
+              <a:lnSpc>
+                <a:spcPct val="90000"/>
+              </a:lnSpc>
+              <a:spcBef>
+                <a:spcPts val="500"/>
+              </a:spcBef>
+              <a:buFont typeface="Arial" panose="020B0604020202020204" pitchFamily="34" charset="0"/>
+              <a:buChar char="•"/>
+              <a:defRPr sz="1800" kern="1200">
+                <a:solidFill>
+                  <a:schemeClr val="tx1"/>
+                </a:solidFill>
+                <a:latin typeface="+mn-lt"/>
+                <a:ea typeface="+mn-ea"/>
+                <a:cs typeface="+mn-cs"/>
+              </a:defRPr>
+            </a:lvl9pPr>
+          </a:lstStyle>
+          <a:p>
+            <a:pPr marL="0" indent="0">
+              <a:buFont typeface="Arial" panose="020B0604020202020204" pitchFamily="34" charset="0"/>
+              <a:buNone/>
+            </a:pPr>
+            <a:r>
+              <a:rPr lang="es-ES_tradnl" sz="2000" dirty="0"/>
+              <a:t>La distribución de las clases no es balanceada, las clases 4 y 5 tiene muchos menos datos. Por lo tanto, se aplicaron los algoritmos nuevamente pero en este caso realizando previamente SMOTE sobre el </a:t>
+            </a:r>
+            <a:r>
+              <a:rPr lang="es-ES_tradnl" sz="2000" dirty="0" err="1"/>
+              <a:t>train</a:t>
+            </a:r>
+            <a:r>
+              <a:rPr lang="es-ES_tradnl" sz="2000" dirty="0"/>
+              <a:t> set.</a:t>
+            </a:r>
+          </a:p>
+          <a:p>
+            <a:pPr marL="0" indent="0">
+              <a:buFont typeface="Arial" panose="020B0604020202020204" pitchFamily="34" charset="0"/>
+              <a:buNone/>
+            </a:pPr>
+            <a:endParaRPr lang="en-US" dirty="0"/>
           </a:p>
         </p:txBody>
       </p:sp>
       <p:graphicFrame>
         <p:nvGraphicFramePr>
-          <p:cNvPr id="9" name="Table 8">
+          <p:cNvPr id="3" name="Table 4">
             <a:extLst>
               <a:ext uri="{FF2B5EF4-FFF2-40B4-BE49-F238E27FC236}">
-                <a16:creationId xmlns:a16="http://schemas.microsoft.com/office/drawing/2014/main" id="{6BE9A814-A49B-AB4E-B23E-1BA758D5CA4B}"/>
+                <a16:creationId xmlns:a16="http://schemas.microsoft.com/office/drawing/2014/main" id="{66D167FF-F770-2844-BF86-BBBCD83FE81F}"/>
               </a:ext>
             </a:extLst>
           </p:cNvPr>
@@ -3537,351 +4596,1709 @@
           <p:nvPr>
             <p:extLst>
               <p:ext uri="{D42A27DB-BD31-4B8C-83A1-F6EECF244321}">
-                <p14:modId xmlns:p14="http://schemas.microsoft.com/office/powerpoint/2010/main" val="1183798890"/>
+                <p14:modId xmlns:p14="http://schemas.microsoft.com/office/powerpoint/2010/main" val="3045114679"/>
               </p:ext>
             </p:extLst>
           </p:nvPr>
         </p:nvGraphicFramePr>
         <p:xfrm>
-          <a:off x="891249" y="1927447"/>
-          <a:ext cx="8576842" cy="2361235"/>
+          <a:off x="1731109" y="3229294"/>
+          <a:ext cx="8127999" cy="2225040"/>
         </p:xfrm>
         <a:graphic>
           <a:graphicData uri="http://schemas.openxmlformats.org/drawingml/2006/table">
             <a:tbl>
-              <a:tblPr>
+              <a:tblPr firstRow="1" bandRow="1">
                 <a:tableStyleId>{5C22544A-7EE6-4342-B048-85BDC9FD1C3A}</a:tableStyleId>
               </a:tblPr>
               <a:tblGrid>
-                <a:gridCol w="3765805">
+                <a:gridCol w="2709333">
                   <a:extLst>
                     <a:ext uri="{9D8B030D-6E8A-4147-A177-3AD203B41FA5}">
-                      <a16:colId xmlns:a16="http://schemas.microsoft.com/office/drawing/2014/main" val="1706381544"/>
+                      <a16:colId xmlns:a16="http://schemas.microsoft.com/office/drawing/2014/main" val="2048772872"/>
                     </a:ext>
                   </a:extLst>
                 </a:gridCol>
-                <a:gridCol w="1934794">
+                <a:gridCol w="2709333">
                   <a:extLst>
                     <a:ext uri="{9D8B030D-6E8A-4147-A177-3AD203B41FA5}">
-                      <a16:colId xmlns:a16="http://schemas.microsoft.com/office/drawing/2014/main" val="2331179755"/>
+                      <a16:colId xmlns:a16="http://schemas.microsoft.com/office/drawing/2014/main" val="952746790"/>
                     </a:ext>
                   </a:extLst>
                 </a:gridCol>
-                <a:gridCol w="2876243">
+                <a:gridCol w="2709333">
                   <a:extLst>
                     <a:ext uri="{9D8B030D-6E8A-4147-A177-3AD203B41FA5}">
-                      <a16:colId xmlns:a16="http://schemas.microsoft.com/office/drawing/2014/main" val="1208098008"/>
+                      <a16:colId xmlns:a16="http://schemas.microsoft.com/office/drawing/2014/main" val="2699188186"/>
                     </a:ext>
                   </a:extLst>
                 </a:gridCol>
               </a:tblGrid>
-              <a:tr h="548716">
+              <a:tr h="370840">
                 <a:tc>
                   <a:txBody>
                     <a:bodyPr/>
                     <a:lstStyle/>
                     <a:p>
-                      <a:pPr algn="ctr" fontAlgn="b"/>
                       <a:r>
-                        <a:rPr lang="en-US" sz="1600" b="1" u="none" strike="noStrike">
-                          <a:effectLst/>
-                        </a:rPr>
-                        <a:t> </a:t>
+                        <a:rPr lang="es-ES_tradnl" noProof="0"/>
+                        <a:t>Clases</a:t>
                       </a:r>
-                      <a:endParaRPr lang="en-US" sz="1600" b="1" i="0" u="none" strike="noStrike">
-                        <a:solidFill>
-                          <a:srgbClr val="000000"/>
-                        </a:solidFill>
-                        <a:effectLst/>
-                        <a:latin typeface="Calibri" panose="020F0502020204030204" pitchFamily="34" charset="0"/>
-                      </a:endParaRPr>
                     </a:p>
                   </a:txBody>
-                  <a:tcPr marL="9525" marR="9525" marT="9525" marB="0" anchor="b"/>
+                  <a:tcPr/>
                 </a:tc>
                 <a:tc>
                   <a:txBody>
                     <a:bodyPr/>
                     <a:lstStyle/>
                     <a:p>
-                      <a:pPr algn="ctr" fontAlgn="b"/>
                       <a:r>
-                        <a:rPr lang="en-US" sz="1600" b="1" u="none" strike="noStrike" dirty="0">
-                          <a:effectLst/>
-                        </a:rPr>
-                        <a:t>r</a:t>
+                        <a:rPr lang="es-ES_tradnl" noProof="0"/>
+                        <a:t>Popularidad</a:t>
                       </a:r>
-                      <a:r>
-                        <a:rPr lang="en-US" sz="1800" b="1" u="none" strike="noStrike" baseline="30000" dirty="0">
-                          <a:effectLst/>
-                        </a:rPr>
-                        <a:t>2</a:t>
-                      </a:r>
-                      <a:endParaRPr lang="en-US" sz="1600" b="1" i="0" u="none" strike="noStrike" baseline="30000" dirty="0">
-                        <a:solidFill>
-                          <a:srgbClr val="000000"/>
-                        </a:solidFill>
-                        <a:effectLst/>
-                        <a:latin typeface="Calibri" panose="020F0502020204030204" pitchFamily="34" charset="0"/>
-                      </a:endParaRPr>
                     </a:p>
                   </a:txBody>
-                  <a:tcPr marL="9525" marR="9525" marT="9525" marB="0" anchor="b"/>
+                  <a:tcPr/>
                 </a:tc>
                 <a:tc>
                   <a:txBody>
                     <a:bodyPr/>
                     <a:lstStyle/>
                     <a:p>
-                      <a:pPr algn="ctr" fontAlgn="b"/>
                       <a:r>
-                        <a:rPr lang="en-US" sz="1600" b="1" u="none" strike="noStrike" dirty="0" err="1">
-                          <a:effectLst/>
-                        </a:rPr>
-                        <a:t>Parametro</a:t>
+                        <a:rPr lang="es-ES_tradnl" noProof="0"/>
+                        <a:t>Cantidad de Registros</a:t>
                       </a:r>
-                      <a:endParaRPr lang="en-US" sz="1600" b="1" i="0" u="none" strike="noStrike" dirty="0">
-                        <a:solidFill>
-                          <a:srgbClr val="000000"/>
-                        </a:solidFill>
-                        <a:effectLst/>
-                        <a:latin typeface="Calibri" panose="020F0502020204030204" pitchFamily="34" charset="0"/>
-                      </a:endParaRPr>
                     </a:p>
                   </a:txBody>
-                  <a:tcPr marL="9525" marR="9525" marT="9525" marB="0" anchor="b"/>
+                  <a:tcPr/>
                 </a:tc>
                 <a:extLst>
                   <a:ext uri="{0D108BD9-81ED-4DB2-BD59-A6C34878D82A}">
-                    <a16:rowId xmlns:a16="http://schemas.microsoft.com/office/drawing/2014/main" val="2898506703"/>
+                    <a16:rowId xmlns:a16="http://schemas.microsoft.com/office/drawing/2014/main" val="2580155123"/>
                   </a:ext>
                 </a:extLst>
               </a:tr>
-              <a:tr h="604173">
+              <a:tr h="370840">
                 <a:tc>
                   <a:txBody>
                     <a:bodyPr/>
                     <a:lstStyle/>
                     <a:p>
-                      <a:pPr algn="ctr" fontAlgn="b"/>
                       <a:r>
-                        <a:rPr lang="en-US" sz="1600" b="1" u="none" strike="noStrike">
-                          <a:effectLst/>
-                        </a:rPr>
-                        <a:t>Regresion Polinomica</a:t>
+                        <a:rPr lang="es-ES_tradnl" noProof="0"/>
+                        <a:t>1 - Baja</a:t>
                       </a:r>
-                      <a:endParaRPr lang="en-US" sz="1600" b="1" i="0" u="none" strike="noStrike">
-                        <a:solidFill>
-                          <a:srgbClr val="000000"/>
-                        </a:solidFill>
-                        <a:effectLst/>
-                        <a:latin typeface="Calibri" panose="020F0502020204030204" pitchFamily="34" charset="0"/>
-                      </a:endParaRPr>
                     </a:p>
                   </a:txBody>
-                  <a:tcPr marL="9525" marR="9525" marT="9525" marB="0" anchor="b"/>
+                  <a:tcPr/>
                 </a:tc>
                 <a:tc>
                   <a:txBody>
                     <a:bodyPr/>
                     <a:lstStyle/>
                     <a:p>
-                      <a:pPr algn="ctr" fontAlgn="b"/>
                       <a:r>
-                        <a:rPr lang="en-US" sz="1400" u="none" strike="noStrike">
-                          <a:effectLst/>
-                        </a:rPr>
-                        <a:t>0.081</a:t>
+                        <a:rPr lang="es-ES_tradnl" noProof="0"/>
+                        <a:t>0 - 20</a:t>
                       </a:r>
-                      <a:endParaRPr lang="en-US" sz="1400" b="0" i="0" u="none" strike="noStrike">
-                        <a:solidFill>
-                          <a:srgbClr val="000000"/>
-                        </a:solidFill>
-                        <a:effectLst/>
-                        <a:latin typeface="Calibri" panose="020F0502020204030204" pitchFamily="34" charset="0"/>
-                      </a:endParaRPr>
                     </a:p>
                   </a:txBody>
-                  <a:tcPr marL="9525" marR="9525" marT="9525" marB="0" anchor="b"/>
+                  <a:tcPr/>
                 </a:tc>
                 <a:tc>
                   <a:txBody>
                     <a:bodyPr/>
                     <a:lstStyle/>
                     <a:p>
-                      <a:pPr algn="ctr" fontAlgn="b"/>
                       <a:r>
-                        <a:rPr lang="en-US" sz="1400" u="none" strike="noStrike">
-                          <a:effectLst/>
-                        </a:rPr>
-                        <a:t>grado = 3</a:t>
+                        <a:rPr lang="es-ES_tradnl" noProof="0"/>
+                        <a:t>17.771</a:t>
                       </a:r>
-                      <a:endParaRPr lang="en-US" sz="1400" b="0" i="0" u="none" strike="noStrike">
-                        <a:solidFill>
-                          <a:srgbClr val="000000"/>
-                        </a:solidFill>
-                        <a:effectLst/>
-                        <a:latin typeface="Calibri" panose="020F0502020204030204" pitchFamily="34" charset="0"/>
-                      </a:endParaRPr>
                     </a:p>
                   </a:txBody>
-                  <a:tcPr marL="9525" marR="9525" marT="9525" marB="0" anchor="b"/>
+                  <a:tcPr/>
                 </a:tc>
                 <a:extLst>
                   <a:ext uri="{0D108BD9-81ED-4DB2-BD59-A6C34878D82A}">
-                    <a16:rowId xmlns:a16="http://schemas.microsoft.com/office/drawing/2014/main" val="3059752254"/>
+                    <a16:rowId xmlns:a16="http://schemas.microsoft.com/office/drawing/2014/main" val="3820734923"/>
                   </a:ext>
                 </a:extLst>
               </a:tr>
-              <a:tr h="604173">
+              <a:tr h="370840">
                 <a:tc>
                   <a:txBody>
                     <a:bodyPr/>
                     <a:lstStyle/>
                     <a:p>
-                      <a:pPr algn="ctr" fontAlgn="b"/>
                       <a:r>
-                        <a:rPr lang="en-US" sz="1600" b="1" u="none" strike="noStrike">
-                          <a:effectLst/>
-                        </a:rPr>
-                        <a:t>Random Forest</a:t>
+                        <a:rPr lang="es-ES_tradnl" noProof="0"/>
+                        <a:t>2 – Media/Baja</a:t>
                       </a:r>
-                      <a:endParaRPr lang="en-US" sz="1600" b="1" i="0" u="none" strike="noStrike">
-                        <a:solidFill>
-                          <a:srgbClr val="000000"/>
-                        </a:solidFill>
-                        <a:effectLst/>
-                        <a:latin typeface="Calibri" panose="020F0502020204030204" pitchFamily="34" charset="0"/>
-                      </a:endParaRPr>
                     </a:p>
                   </a:txBody>
-                  <a:tcPr marL="9525" marR="9525" marT="9525" marB="0" anchor="b"/>
+                  <a:tcPr/>
                 </a:tc>
                 <a:tc>
                   <a:txBody>
                     <a:bodyPr/>
                     <a:lstStyle/>
                     <a:p>
-                      <a:pPr algn="ctr" fontAlgn="b"/>
                       <a:r>
-                        <a:rPr lang="en-US" sz="1400" u="none" strike="noStrike">
-                          <a:effectLst/>
-                        </a:rPr>
-                        <a:t>0.089</a:t>
+                        <a:rPr lang="es-ES_tradnl" noProof="0"/>
+                        <a:t>21 - 40</a:t>
                       </a:r>
-                      <a:endParaRPr lang="en-US" sz="1400" b="0" i="0" u="none" strike="noStrike">
-                        <a:solidFill>
-                          <a:srgbClr val="000000"/>
-                        </a:solidFill>
-                        <a:effectLst/>
-                        <a:latin typeface="Calibri" panose="020F0502020204030204" pitchFamily="34" charset="0"/>
-                      </a:endParaRPr>
                     </a:p>
                   </a:txBody>
-                  <a:tcPr marL="9525" marR="9525" marT="9525" marB="0" anchor="b"/>
+                  <a:tcPr/>
                 </a:tc>
                 <a:tc>
                   <a:txBody>
                     <a:bodyPr/>
                     <a:lstStyle/>
                     <a:p>
-                      <a:pPr algn="ctr" fontAlgn="b"/>
                       <a:r>
-                        <a:rPr lang="en-US" sz="1400" u="none" strike="noStrike">
-                          <a:effectLst/>
-                        </a:rPr>
-                        <a:t>n_estimators = 20</a:t>
+                        <a:rPr lang="es-ES_tradnl" noProof="0"/>
+                        <a:t>19.894</a:t>
                       </a:r>
-                      <a:endParaRPr lang="en-US" sz="1400" b="0" i="0" u="none" strike="noStrike">
-                        <a:solidFill>
-                          <a:srgbClr val="000000"/>
-                        </a:solidFill>
-                        <a:effectLst/>
-                        <a:latin typeface="Calibri" panose="020F0502020204030204" pitchFamily="34" charset="0"/>
-                      </a:endParaRPr>
                     </a:p>
                   </a:txBody>
-                  <a:tcPr marL="9525" marR="9525" marT="9525" marB="0" anchor="b"/>
+                  <a:tcPr/>
                 </a:tc>
                 <a:extLst>
                   <a:ext uri="{0D108BD9-81ED-4DB2-BD59-A6C34878D82A}">
-                    <a16:rowId xmlns:a16="http://schemas.microsoft.com/office/drawing/2014/main" val="2398770217"/>
+                    <a16:rowId xmlns:a16="http://schemas.microsoft.com/office/drawing/2014/main" val="2064530092"/>
                   </a:ext>
                 </a:extLst>
               </a:tr>
-              <a:tr h="604173">
+              <a:tr h="370840">
                 <a:tc>
                   <a:txBody>
                     <a:bodyPr/>
                     <a:lstStyle/>
                     <a:p>
-                      <a:pPr algn="ctr" fontAlgn="b"/>
                       <a:r>
-                        <a:rPr lang="en-US" sz="1600" b="1" u="none" strike="noStrike" dirty="0">
-                          <a:effectLst/>
-                        </a:rPr>
-                        <a:t>LASSO</a:t>
+                        <a:rPr lang="es-ES_tradnl" noProof="0"/>
+                        <a:t>3 - Media</a:t>
                       </a:r>
-                      <a:endParaRPr lang="en-US" sz="1600" b="1" i="0" u="none" strike="noStrike" dirty="0">
-                        <a:solidFill>
-                          <a:srgbClr val="000000"/>
-                        </a:solidFill>
-                        <a:effectLst/>
-                        <a:latin typeface="Calibri" panose="020F0502020204030204" pitchFamily="34" charset="0"/>
-                      </a:endParaRPr>
                     </a:p>
                   </a:txBody>
-                  <a:tcPr marL="9525" marR="9525" marT="9525" marB="0" anchor="b"/>
+                  <a:tcPr/>
                 </a:tc>
                 <a:tc>
                   <a:txBody>
                     <a:bodyPr/>
                     <a:lstStyle/>
                     <a:p>
-                      <a:pPr algn="ctr" fontAlgn="b"/>
                       <a:r>
-                        <a:rPr lang="en-US" sz="1400" u="none" strike="noStrike">
-                          <a:effectLst/>
-                        </a:rPr>
-                        <a:t>0.005</a:t>
+                        <a:rPr lang="es-ES_tradnl" noProof="0"/>
+                        <a:t>41 - 60</a:t>
                       </a:r>
-                      <a:endParaRPr lang="en-US" sz="1400" b="0" i="0" u="none" strike="noStrike">
-                        <a:solidFill>
-                          <a:srgbClr val="000000"/>
-                        </a:solidFill>
-                        <a:effectLst/>
-                        <a:latin typeface="Calibri" panose="020F0502020204030204" pitchFamily="34" charset="0"/>
-                      </a:endParaRPr>
                     </a:p>
                   </a:txBody>
-                  <a:tcPr marL="9525" marR="9525" marT="9525" marB="0" anchor="b"/>
+                  <a:tcPr/>
                 </a:tc>
                 <a:tc>
                   <a:txBody>
                     <a:bodyPr/>
                     <a:lstStyle/>
                     <a:p>
-                      <a:pPr algn="ctr" fontAlgn="b"/>
                       <a:r>
-                        <a:rPr lang="en-US" sz="1400" u="none" strike="noStrike" dirty="0">
-                          <a:effectLst/>
-                        </a:rPr>
-                        <a:t>-</a:t>
+                        <a:rPr lang="es-ES_tradnl" noProof="0"/>
+                        <a:t>14.161</a:t>
                       </a:r>
-                      <a:endParaRPr lang="en-US" sz="1400" b="0" i="0" u="none" strike="noStrike" dirty="0">
-                        <a:solidFill>
-                          <a:srgbClr val="000000"/>
-                        </a:solidFill>
-                        <a:effectLst/>
-                        <a:latin typeface="Calibri" panose="020F0502020204030204" pitchFamily="34" charset="0"/>
-                      </a:endParaRPr>
                     </a:p>
                   </a:txBody>
-                  <a:tcPr marL="9525" marR="9525" marT="9525" marB="0" anchor="b"/>
+                  <a:tcPr/>
                 </a:tc>
                 <a:extLst>
                   <a:ext uri="{0D108BD9-81ED-4DB2-BD59-A6C34878D82A}">
-                    <a16:rowId xmlns:a16="http://schemas.microsoft.com/office/drawing/2014/main" val="2591616316"/>
+                    <a16:rowId xmlns:a16="http://schemas.microsoft.com/office/drawing/2014/main" val="3608861568"/>
+                  </a:ext>
+                </a:extLst>
+              </a:tr>
+              <a:tr h="370840">
+                <a:tc>
+                  <a:txBody>
+                    <a:bodyPr/>
+                    <a:lstStyle/>
+                    <a:p>
+                      <a:r>
+                        <a:rPr lang="es-ES_tradnl" noProof="0"/>
+                        <a:t>4 – Media/Alta</a:t>
+                      </a:r>
+                    </a:p>
+                  </a:txBody>
+                  <a:tcPr/>
+                </a:tc>
+                <a:tc>
+                  <a:txBody>
+                    <a:bodyPr/>
+                    <a:lstStyle/>
+                    <a:p>
+                      <a:r>
+                        <a:rPr lang="es-ES_tradnl" noProof="0"/>
+                        <a:t>61 - 80</a:t>
+                      </a:r>
+                    </a:p>
+                  </a:txBody>
+                  <a:tcPr/>
+                </a:tc>
+                <a:tc>
+                  <a:txBody>
+                    <a:bodyPr/>
+                    <a:lstStyle/>
+                    <a:p>
+                      <a:r>
+                        <a:rPr lang="es-ES_tradnl" noProof="0"/>
+                        <a:t>3635</a:t>
+                      </a:r>
+                    </a:p>
+                  </a:txBody>
+                  <a:tcPr/>
+                </a:tc>
+                <a:extLst>
+                  <a:ext uri="{0D108BD9-81ED-4DB2-BD59-A6C34878D82A}">
+                    <a16:rowId xmlns:a16="http://schemas.microsoft.com/office/drawing/2014/main" val="626163635"/>
+                  </a:ext>
+                </a:extLst>
+              </a:tr>
+              <a:tr h="370840">
+                <a:tc>
+                  <a:txBody>
+                    <a:bodyPr/>
+                    <a:lstStyle/>
+                    <a:p>
+                      <a:r>
+                        <a:rPr lang="es-ES_tradnl" noProof="0"/>
+                        <a:t>5 - Alta</a:t>
+                      </a:r>
+                    </a:p>
+                  </a:txBody>
+                  <a:tcPr/>
+                </a:tc>
+                <a:tc>
+                  <a:txBody>
+                    <a:bodyPr/>
+                    <a:lstStyle/>
+                    <a:p>
+                      <a:r>
+                        <a:rPr lang="es-ES_tradnl" noProof="0"/>
+                        <a:t>81 - 100</a:t>
+                      </a:r>
+                    </a:p>
+                  </a:txBody>
+                  <a:tcPr/>
+                </a:tc>
+                <a:tc>
+                  <a:txBody>
+                    <a:bodyPr/>
+                    <a:lstStyle/>
+                    <a:p>
+                      <a:r>
+                        <a:rPr lang="es-ES_tradnl" noProof="0" dirty="0"/>
+                        <a:t>82</a:t>
+                      </a:r>
+                    </a:p>
+                  </a:txBody>
+                  <a:tcPr/>
+                </a:tc>
+                <a:extLst>
+                  <a:ext uri="{0D108BD9-81ED-4DB2-BD59-A6C34878D82A}">
+                    <a16:rowId xmlns:a16="http://schemas.microsoft.com/office/drawing/2014/main" val="1391944238"/>
+                  </a:ext>
+                </a:extLst>
+              </a:tr>
+            </a:tbl>
+          </a:graphicData>
+        </a:graphic>
+      </p:graphicFrame>
+    </p:spTree>
+    <p:extLst>
+      <p:ext uri="{BB962C8B-B14F-4D97-AF65-F5344CB8AC3E}">
+        <p14:creationId xmlns:p14="http://schemas.microsoft.com/office/powerpoint/2010/main" val="3003575554"/>
+      </p:ext>
+    </p:extLst>
+  </p:cSld>
+  <p:clrMapOvr>
+    <a:masterClrMapping/>
+  </p:clrMapOvr>
+</p:sld>
+</file>
+
+<file path=ppt/slides/slide15.xml><?xml version="1.0" encoding="utf-8"?>
+<p:sld xmlns:a="http://schemas.openxmlformats.org/drawingml/2006/main" xmlns:r="http://schemas.openxmlformats.org/officeDocument/2006/relationships" xmlns:p="http://schemas.openxmlformats.org/presentationml/2006/main">
+  <p:cSld>
+    <p:spTree>
+      <p:nvGrpSpPr>
+        <p:cNvPr id="1" name=""/>
+        <p:cNvGrpSpPr/>
+        <p:nvPr/>
+      </p:nvGrpSpPr>
+      <p:grpSpPr>
+        <a:xfrm>
+          <a:off x="0" y="0"/>
+          <a:ext cx="0" cy="0"/>
+          <a:chOff x="0" y="0"/>
+          <a:chExt cx="0" cy="0"/>
+        </a:xfrm>
+      </p:grpSpPr>
+      <p:sp>
+        <p:nvSpPr>
+          <p:cNvPr id="2" name="Title 1"/>
+          <p:cNvSpPr>
+            <a:spLocks noGrp="1"/>
+          </p:cNvSpPr>
+          <p:nvPr>
+            <p:ph type="title"/>
+          </p:nvPr>
+        </p:nvSpPr>
+        <p:spPr>
+          <a:xfrm>
+            <a:off x="312516" y="365125"/>
+            <a:ext cx="10248358" cy="1325563"/>
+          </a:xfrm>
+        </p:spPr>
+        <p:txBody>
+          <a:bodyPr/>
+          <a:lstStyle/>
+          <a:p>
+            <a:pPr algn="l"/>
+            <a:r>
+              <a:rPr lang="es-ES_tradnl" dirty="0"/>
+              <a:t>Resultados</a:t>
+            </a:r>
+          </a:p>
+        </p:txBody>
+      </p:sp>
+      <p:graphicFrame>
+        <p:nvGraphicFramePr>
+          <p:cNvPr id="3" name="Table 3">
+            <a:extLst>
+              <a:ext uri="{FF2B5EF4-FFF2-40B4-BE49-F238E27FC236}">
+                <a16:creationId xmlns:a16="http://schemas.microsoft.com/office/drawing/2014/main" id="{B9A9FFDA-1372-2040-95D8-DCC6AA4E7FA5}"/>
+              </a:ext>
+            </a:extLst>
+          </p:cNvPr>
+          <p:cNvGraphicFramePr>
+            <a:graphicFrameLocks noGrp="1"/>
+          </p:cNvGraphicFramePr>
+          <p:nvPr>
+            <p:extLst>
+              <p:ext uri="{D42A27DB-BD31-4B8C-83A1-F6EECF244321}">
+                <p14:modId xmlns:p14="http://schemas.microsoft.com/office/powerpoint/2010/main" val="1162634530"/>
+              </p:ext>
+            </p:extLst>
+          </p:nvPr>
+        </p:nvGraphicFramePr>
+        <p:xfrm>
+          <a:off x="636954" y="1635483"/>
+          <a:ext cx="9069753" cy="1793517"/>
+        </p:xfrm>
+        <a:graphic>
+          <a:graphicData uri="http://schemas.openxmlformats.org/drawingml/2006/table">
+            <a:tbl>
+              <a:tblPr firstRow="1" bandRow="1">
+                <a:tableStyleId>{5C22544A-7EE6-4342-B048-85BDC9FD1C3A}</a:tableStyleId>
+              </a:tblPr>
+              <a:tblGrid>
+                <a:gridCol w="3023251">
+                  <a:extLst>
+                    <a:ext uri="{9D8B030D-6E8A-4147-A177-3AD203B41FA5}">
+                      <a16:colId xmlns:a16="http://schemas.microsoft.com/office/drawing/2014/main" val="348173928"/>
+                    </a:ext>
+                  </a:extLst>
+                </a:gridCol>
+                <a:gridCol w="3023251">
+                  <a:extLst>
+                    <a:ext uri="{9D8B030D-6E8A-4147-A177-3AD203B41FA5}">
+                      <a16:colId xmlns:a16="http://schemas.microsoft.com/office/drawing/2014/main" val="1772162130"/>
+                    </a:ext>
+                  </a:extLst>
+                </a:gridCol>
+                <a:gridCol w="3023251">
+                  <a:extLst>
+                    <a:ext uri="{9D8B030D-6E8A-4147-A177-3AD203B41FA5}">
+                      <a16:colId xmlns:a16="http://schemas.microsoft.com/office/drawing/2014/main" val="187017417"/>
+                    </a:ext>
+                  </a:extLst>
+                </a:gridCol>
+              </a:tblGrid>
+              <a:tr h="464364">
+                <a:tc>
+                  <a:txBody>
+                    <a:bodyPr/>
+                    <a:lstStyle/>
+                    <a:p>
+                      <a:r>
+                        <a:rPr lang="es-ES_tradnl" noProof="0"/>
+                        <a:t>Algoritmo</a:t>
+                      </a:r>
+                    </a:p>
+                  </a:txBody>
+                  <a:tcPr/>
+                </a:tc>
+                <a:tc>
+                  <a:txBody>
+                    <a:bodyPr/>
+                    <a:lstStyle/>
+                    <a:p>
+                      <a:r>
+                        <a:rPr lang="es-ES_tradnl" noProof="0" dirty="0"/>
+                        <a:t>F1 Score</a:t>
+                      </a:r>
+                    </a:p>
+                  </a:txBody>
+                  <a:tcPr/>
+                </a:tc>
+                <a:tc>
+                  <a:txBody>
+                    <a:bodyPr/>
+                    <a:lstStyle/>
+                    <a:p>
+                      <a:r>
+                        <a:rPr lang="es-ES_tradnl" noProof="0" dirty="0"/>
+                        <a:t>Parámetro Optimización</a:t>
+                      </a:r>
+                    </a:p>
+                  </a:txBody>
+                  <a:tcPr/>
+                </a:tc>
+                <a:extLst>
+                  <a:ext uri="{0D108BD9-81ED-4DB2-BD59-A6C34878D82A}">
+                    <a16:rowId xmlns:a16="http://schemas.microsoft.com/office/drawing/2014/main" val="2883311917"/>
+                  </a:ext>
+                </a:extLst>
+              </a:tr>
+              <a:tr h="443051">
+                <a:tc>
+                  <a:txBody>
+                    <a:bodyPr/>
+                    <a:lstStyle/>
+                    <a:p>
+                      <a:r>
+                        <a:rPr lang="es-ES_tradnl" noProof="0" dirty="0"/>
+                        <a:t>Árbol de Decisión</a:t>
+                      </a:r>
+                    </a:p>
+                  </a:txBody>
+                  <a:tcPr/>
+                </a:tc>
+                <a:tc>
+                  <a:txBody>
+                    <a:bodyPr/>
+                    <a:lstStyle/>
+                    <a:p>
+                      <a:r>
+                        <a:rPr lang="es-ES_tradnl" noProof="0" dirty="0"/>
+                        <a:t>36.8%</a:t>
+                      </a:r>
+                    </a:p>
+                  </a:txBody>
+                  <a:tcPr/>
+                </a:tc>
+                <a:tc>
+                  <a:txBody>
+                    <a:bodyPr/>
+                    <a:lstStyle/>
+                    <a:p>
+                      <a:r>
+                        <a:rPr lang="es-ES_tradnl" noProof="0" dirty="0"/>
+                        <a:t>Poda = 7</a:t>
+                      </a:r>
+                    </a:p>
+                  </a:txBody>
+                  <a:tcPr/>
+                </a:tc>
+                <a:extLst>
+                  <a:ext uri="{0D108BD9-81ED-4DB2-BD59-A6C34878D82A}">
+                    <a16:rowId xmlns:a16="http://schemas.microsoft.com/office/drawing/2014/main" val="487064278"/>
+                  </a:ext>
+                </a:extLst>
+              </a:tr>
+              <a:tr h="443051">
+                <a:tc>
+                  <a:txBody>
+                    <a:bodyPr/>
+                    <a:lstStyle/>
+                    <a:p>
+                      <a:r>
+                        <a:rPr lang="es-ES_tradnl" noProof="0" dirty="0" err="1"/>
+                        <a:t>Random</a:t>
+                      </a:r>
+                      <a:r>
+                        <a:rPr lang="es-ES_tradnl" noProof="0" dirty="0"/>
+                        <a:t> </a:t>
+                      </a:r>
+                      <a:r>
+                        <a:rPr lang="es-ES_tradnl" noProof="0" dirty="0" err="1"/>
+                        <a:t>Forest</a:t>
+                      </a:r>
+                      <a:endParaRPr lang="es-ES_tradnl" noProof="0" dirty="0"/>
+                    </a:p>
+                  </a:txBody>
+                  <a:tcPr/>
+                </a:tc>
+                <a:tc>
+                  <a:txBody>
+                    <a:bodyPr/>
+                    <a:lstStyle/>
+                    <a:p>
+                      <a:r>
+                        <a:rPr lang="es-ES_tradnl" noProof="0" dirty="0"/>
+                        <a:t>38.6%</a:t>
+                      </a:r>
+                    </a:p>
+                  </a:txBody>
+                  <a:tcPr/>
+                </a:tc>
+                <a:tc>
+                  <a:txBody>
+                    <a:bodyPr/>
+                    <a:lstStyle/>
+                    <a:p>
+                      <a:r>
+                        <a:rPr lang="es-ES_tradnl" noProof="0" dirty="0" err="1"/>
+                        <a:t>N_Estimators</a:t>
+                      </a:r>
+                      <a:r>
+                        <a:rPr lang="es-ES_tradnl" noProof="0" dirty="0"/>
+                        <a:t> = 130</a:t>
+                      </a:r>
+                    </a:p>
+                  </a:txBody>
+                  <a:tcPr/>
+                </a:tc>
+                <a:extLst>
+                  <a:ext uri="{0D108BD9-81ED-4DB2-BD59-A6C34878D82A}">
+                    <a16:rowId xmlns:a16="http://schemas.microsoft.com/office/drawing/2014/main" val="2169830908"/>
+                  </a:ext>
+                </a:extLst>
+              </a:tr>
+              <a:tr h="443051">
+                <a:tc>
+                  <a:txBody>
+                    <a:bodyPr/>
+                    <a:lstStyle/>
+                    <a:p>
+                      <a:r>
+                        <a:rPr lang="es-ES_tradnl" noProof="0" dirty="0" err="1"/>
+                        <a:t>Dummy</a:t>
+                      </a:r>
+                      <a:r>
+                        <a:rPr lang="es-ES_tradnl" noProof="0" dirty="0"/>
+                        <a:t> </a:t>
+                      </a:r>
+                      <a:r>
+                        <a:rPr lang="es-ES_tradnl" noProof="0" dirty="0" err="1"/>
+                        <a:t>Classifier</a:t>
+                      </a:r>
+                      <a:endParaRPr lang="es-ES_tradnl" noProof="0" dirty="0"/>
+                    </a:p>
+                  </a:txBody>
+                  <a:tcPr/>
+                </a:tc>
+                <a:tc>
+                  <a:txBody>
+                    <a:bodyPr/>
+                    <a:lstStyle/>
+                    <a:p>
+                      <a:r>
+                        <a:rPr lang="es-ES_tradnl" noProof="0" dirty="0"/>
+                        <a:t>18.4% </a:t>
+                      </a:r>
+                    </a:p>
+                  </a:txBody>
+                  <a:tcPr/>
+                </a:tc>
+                <a:tc>
+                  <a:txBody>
+                    <a:bodyPr/>
+                    <a:lstStyle/>
+                    <a:p>
+                      <a:r>
+                        <a:rPr lang="es-ES_tradnl" noProof="0" dirty="0"/>
+                        <a:t>Popularidad = 2 </a:t>
+                      </a:r>
+                    </a:p>
+                  </a:txBody>
+                  <a:tcPr/>
+                </a:tc>
+                <a:extLst>
+                  <a:ext uri="{0D108BD9-81ED-4DB2-BD59-A6C34878D82A}">
+                    <a16:rowId xmlns:a16="http://schemas.microsoft.com/office/drawing/2014/main" val="3271631756"/>
+                  </a:ext>
+                </a:extLst>
+              </a:tr>
+            </a:tbl>
+          </a:graphicData>
+        </a:graphic>
+      </p:graphicFrame>
+      <p:graphicFrame>
+        <p:nvGraphicFramePr>
+          <p:cNvPr id="7" name="Table 3">
+            <a:extLst>
+              <a:ext uri="{FF2B5EF4-FFF2-40B4-BE49-F238E27FC236}">
+                <a16:creationId xmlns:a16="http://schemas.microsoft.com/office/drawing/2014/main" id="{F2DFB06E-5A14-8941-A4C0-4EE55EA32BF9}"/>
+              </a:ext>
+            </a:extLst>
+          </p:cNvPr>
+          <p:cNvGraphicFramePr>
+            <a:graphicFrameLocks noGrp="1"/>
+          </p:cNvGraphicFramePr>
+          <p:nvPr>
+            <p:extLst>
+              <p:ext uri="{D42A27DB-BD31-4B8C-83A1-F6EECF244321}">
+                <p14:modId xmlns:p14="http://schemas.microsoft.com/office/powerpoint/2010/main" val="2228181156"/>
+              </p:ext>
+            </p:extLst>
+          </p:nvPr>
+        </p:nvGraphicFramePr>
+        <p:xfrm>
+          <a:off x="636954" y="4711081"/>
+          <a:ext cx="6046502" cy="1781794"/>
+        </p:xfrm>
+        <a:graphic>
+          <a:graphicData uri="http://schemas.openxmlformats.org/drawingml/2006/table">
+            <a:tbl>
+              <a:tblPr firstRow="1" bandRow="1">
+                <a:tableStyleId>{5C22544A-7EE6-4342-B048-85BDC9FD1C3A}</a:tableStyleId>
+              </a:tblPr>
+              <a:tblGrid>
+                <a:gridCol w="3023251">
+                  <a:extLst>
+                    <a:ext uri="{9D8B030D-6E8A-4147-A177-3AD203B41FA5}">
+                      <a16:colId xmlns:a16="http://schemas.microsoft.com/office/drawing/2014/main" val="348173928"/>
+                    </a:ext>
+                  </a:extLst>
+                </a:gridCol>
+                <a:gridCol w="3023251">
+                  <a:extLst>
+                    <a:ext uri="{9D8B030D-6E8A-4147-A177-3AD203B41FA5}">
+                      <a16:colId xmlns:a16="http://schemas.microsoft.com/office/drawing/2014/main" val="1772162130"/>
+                    </a:ext>
+                  </a:extLst>
+                </a:gridCol>
+              </a:tblGrid>
+              <a:tr h="452641">
+                <a:tc>
+                  <a:txBody>
+                    <a:bodyPr/>
+                    <a:lstStyle/>
+                    <a:p>
+                      <a:r>
+                        <a:rPr lang="es-ES_tradnl" noProof="0"/>
+                        <a:t>Algoritmo</a:t>
+                      </a:r>
+                    </a:p>
+                  </a:txBody>
+                  <a:tcPr/>
+                </a:tc>
+                <a:tc>
+                  <a:txBody>
+                    <a:bodyPr/>
+                    <a:lstStyle/>
+                    <a:p>
+                      <a:r>
+                        <a:rPr lang="es-ES_tradnl" noProof="0" dirty="0"/>
+                        <a:t>F1 Score</a:t>
+                      </a:r>
+                    </a:p>
+                  </a:txBody>
+                  <a:tcPr/>
+                </a:tc>
+                <a:extLst>
+                  <a:ext uri="{0D108BD9-81ED-4DB2-BD59-A6C34878D82A}">
+                    <a16:rowId xmlns:a16="http://schemas.microsoft.com/office/drawing/2014/main" val="2883311917"/>
+                  </a:ext>
+                </a:extLst>
+              </a:tr>
+              <a:tr h="443051">
+                <a:tc>
+                  <a:txBody>
+                    <a:bodyPr/>
+                    <a:lstStyle/>
+                    <a:p>
+                      <a:r>
+                        <a:rPr lang="es-ES_tradnl" noProof="0" dirty="0"/>
+                        <a:t>Árbol de Decisión</a:t>
+                      </a:r>
+                    </a:p>
+                  </a:txBody>
+                  <a:tcPr/>
+                </a:tc>
+                <a:tc>
+                  <a:txBody>
+                    <a:bodyPr/>
+                    <a:lstStyle/>
+                    <a:p>
+                      <a:r>
+                        <a:rPr lang="es-ES_tradnl" noProof="0" dirty="0"/>
+                        <a:t>53.1%</a:t>
+                      </a:r>
+                    </a:p>
+                  </a:txBody>
+                  <a:tcPr/>
+                </a:tc>
+                <a:extLst>
+                  <a:ext uri="{0D108BD9-81ED-4DB2-BD59-A6C34878D82A}">
+                    <a16:rowId xmlns:a16="http://schemas.microsoft.com/office/drawing/2014/main" val="487064278"/>
+                  </a:ext>
+                </a:extLst>
+              </a:tr>
+              <a:tr h="443051">
+                <a:tc>
+                  <a:txBody>
+                    <a:bodyPr/>
+                    <a:lstStyle/>
+                    <a:p>
+                      <a:r>
+                        <a:rPr lang="es-ES_tradnl" noProof="0" dirty="0" err="1"/>
+                        <a:t>Random</a:t>
+                      </a:r>
+                      <a:r>
+                        <a:rPr lang="es-ES_tradnl" noProof="0" dirty="0"/>
+                        <a:t> </a:t>
+                      </a:r>
+                      <a:r>
+                        <a:rPr lang="es-ES_tradnl" noProof="0" dirty="0" err="1"/>
+                        <a:t>Forest</a:t>
+                      </a:r>
+                      <a:endParaRPr lang="es-ES_tradnl" noProof="0" dirty="0"/>
+                    </a:p>
+                  </a:txBody>
+                  <a:tcPr/>
+                </a:tc>
+                <a:tc>
+                  <a:txBody>
+                    <a:bodyPr/>
+                    <a:lstStyle/>
+                    <a:p>
+                      <a:r>
+                        <a:rPr lang="es-ES_tradnl" noProof="0" dirty="0"/>
+                        <a:t>36%</a:t>
+                      </a:r>
+                    </a:p>
+                  </a:txBody>
+                  <a:tcPr/>
+                </a:tc>
+                <a:extLst>
+                  <a:ext uri="{0D108BD9-81ED-4DB2-BD59-A6C34878D82A}">
+                    <a16:rowId xmlns:a16="http://schemas.microsoft.com/office/drawing/2014/main" val="2169830908"/>
+                  </a:ext>
+                </a:extLst>
+              </a:tr>
+              <a:tr h="443051">
+                <a:tc>
+                  <a:txBody>
+                    <a:bodyPr/>
+                    <a:lstStyle/>
+                    <a:p>
+                      <a:r>
+                        <a:rPr lang="es-ES_tradnl" noProof="0" dirty="0" err="1"/>
+                        <a:t>Dummy</a:t>
+                      </a:r>
+                      <a:r>
+                        <a:rPr lang="es-ES_tradnl" noProof="0" dirty="0"/>
+                        <a:t> </a:t>
+                      </a:r>
+                      <a:r>
+                        <a:rPr lang="es-ES_tradnl" noProof="0" dirty="0" err="1"/>
+                        <a:t>Classifier</a:t>
+                      </a:r>
+                      <a:endParaRPr lang="es-ES_tradnl" noProof="0" dirty="0"/>
+                    </a:p>
+                  </a:txBody>
+                  <a:tcPr/>
+                </a:tc>
+                <a:tc>
+                  <a:txBody>
+                    <a:bodyPr/>
+                    <a:lstStyle/>
+                    <a:p>
+                      <a:r>
+                        <a:rPr lang="es-ES_tradnl" noProof="0" dirty="0"/>
+                        <a:t>18.4% </a:t>
+                      </a:r>
+                    </a:p>
+                  </a:txBody>
+                  <a:tcPr/>
+                </a:tc>
+                <a:extLst>
+                  <a:ext uri="{0D108BD9-81ED-4DB2-BD59-A6C34878D82A}">
+                    <a16:rowId xmlns:a16="http://schemas.microsoft.com/office/drawing/2014/main" val="3271631756"/>
+                  </a:ext>
+                </a:extLst>
+              </a:tr>
+            </a:tbl>
+          </a:graphicData>
+        </a:graphic>
+      </p:graphicFrame>
+      <p:sp>
+        <p:nvSpPr>
+          <p:cNvPr id="8" name="Title 1">
+            <a:extLst>
+              <a:ext uri="{FF2B5EF4-FFF2-40B4-BE49-F238E27FC236}">
+                <a16:creationId xmlns:a16="http://schemas.microsoft.com/office/drawing/2014/main" id="{04DEE284-5D9D-B448-9C8A-9394AAA35630}"/>
+              </a:ext>
+            </a:extLst>
+          </p:cNvPr>
+          <p:cNvSpPr txBox="1">
+            <a:spLocks/>
+          </p:cNvSpPr>
+          <p:nvPr/>
+        </p:nvSpPr>
+        <p:spPr>
+          <a:xfrm>
+            <a:off x="312516" y="3373795"/>
+            <a:ext cx="10248358" cy="1325563"/>
+          </a:xfrm>
+          <a:prstGeom prst="rect">
+            <a:avLst/>
+          </a:prstGeom>
+        </p:spPr>
+        <p:txBody>
+          <a:bodyPr vert="horz" lIns="91440" tIns="45720" rIns="91440" bIns="45720" rtlCol="0" anchor="ctr">
+            <a:normAutofit/>
+          </a:bodyPr>
+          <a:lstStyle>
+            <a:lvl1pPr algn="ctr" defTabSz="914400" rtl="0" eaLnBrk="1" latinLnBrk="0" hangingPunct="1">
+              <a:lnSpc>
+                <a:spcPct val="90000"/>
+              </a:lnSpc>
+              <a:spcBef>
+                <a:spcPct val="0"/>
+              </a:spcBef>
+              <a:buNone/>
+              <a:defRPr sz="4400" b="1" kern="1200">
+                <a:solidFill>
+                  <a:srgbClr val="1ED65F"/>
+                </a:solidFill>
+                <a:latin typeface="+mj-lt"/>
+                <a:ea typeface="+mj-ea"/>
+                <a:cs typeface="+mj-cs"/>
+              </a:defRPr>
+            </a:lvl1pPr>
+          </a:lstStyle>
+          <a:p>
+            <a:pPr algn="l"/>
+            <a:r>
+              <a:rPr lang="es-ES_tradnl"/>
+              <a:t>Resultados – con SMOTE</a:t>
+            </a:r>
+            <a:endParaRPr lang="es-ES_tradnl" dirty="0"/>
+          </a:p>
+        </p:txBody>
+      </p:sp>
+    </p:spTree>
+    <p:extLst>
+      <p:ext uri="{BB962C8B-B14F-4D97-AF65-F5344CB8AC3E}">
+        <p14:creationId xmlns:p14="http://schemas.microsoft.com/office/powerpoint/2010/main" val="3322959392"/>
+      </p:ext>
+    </p:extLst>
+  </p:cSld>
+  <p:clrMapOvr>
+    <a:masterClrMapping/>
+  </p:clrMapOvr>
+</p:sld>
+</file>
+
+<file path=ppt/slides/slide16.xml><?xml version="1.0" encoding="utf-8"?>
+<p:sld xmlns:a="http://schemas.openxmlformats.org/drawingml/2006/main" xmlns:r="http://schemas.openxmlformats.org/officeDocument/2006/relationships" xmlns:p="http://schemas.openxmlformats.org/presentationml/2006/main">
+  <p:cSld>
+    <p:spTree>
+      <p:nvGrpSpPr>
+        <p:cNvPr id="1" name=""/>
+        <p:cNvGrpSpPr/>
+        <p:nvPr/>
+      </p:nvGrpSpPr>
+      <p:grpSpPr>
+        <a:xfrm>
+          <a:off x="0" y="0"/>
+          <a:ext cx="0" cy="0"/>
+          <a:chOff x="0" y="0"/>
+          <a:chExt cx="0" cy="0"/>
+        </a:xfrm>
+      </p:grpSpPr>
+      <p:sp>
+        <p:nvSpPr>
+          <p:cNvPr id="2" name="Title 1">
+            <a:extLst>
+              <a:ext uri="{FF2B5EF4-FFF2-40B4-BE49-F238E27FC236}">
+                <a16:creationId xmlns:a16="http://schemas.microsoft.com/office/drawing/2014/main" id="{A684004F-55C6-E34B-8CD2-E73BA6045DEE}"/>
+              </a:ext>
+            </a:extLst>
+          </p:cNvPr>
+          <p:cNvSpPr>
+            <a:spLocks noGrp="1"/>
+          </p:cNvSpPr>
+          <p:nvPr>
+            <p:ph type="title"/>
+          </p:nvPr>
+        </p:nvSpPr>
+        <p:spPr/>
+        <p:txBody>
+          <a:bodyPr/>
+          <a:lstStyle/>
+          <a:p>
+            <a:r>
+              <a:rPr lang="es-ES_tradnl" dirty="0"/>
+              <a:t>Modelos Machine </a:t>
+            </a:r>
+            <a:r>
+              <a:rPr lang="es-ES_tradnl" dirty="0" err="1"/>
+              <a:t>Learning</a:t>
+            </a:r>
+            <a:endParaRPr lang="es-ES_tradnl" dirty="0"/>
+          </a:p>
+        </p:txBody>
+      </p:sp>
+      <p:sp>
+        <p:nvSpPr>
+          <p:cNvPr id="3" name="Text Placeholder 2">
+            <a:extLst>
+              <a:ext uri="{FF2B5EF4-FFF2-40B4-BE49-F238E27FC236}">
+                <a16:creationId xmlns:a16="http://schemas.microsoft.com/office/drawing/2014/main" id="{8F377C20-77F0-A344-A669-99AFD39E673D}"/>
+              </a:ext>
+            </a:extLst>
+          </p:cNvPr>
+          <p:cNvSpPr>
+            <a:spLocks noGrp="1"/>
+          </p:cNvSpPr>
+          <p:nvPr>
+            <p:ph type="body" idx="1"/>
+          </p:nvPr>
+        </p:nvSpPr>
+        <p:spPr/>
+        <p:txBody>
+          <a:bodyPr/>
+          <a:lstStyle/>
+          <a:p>
+            <a:r>
+              <a:rPr lang="es-ES_tradnl" dirty="0"/>
+              <a:t>Algoritmos de Regresión</a:t>
+            </a:r>
+          </a:p>
+        </p:txBody>
+      </p:sp>
+    </p:spTree>
+    <p:extLst>
+      <p:ext uri="{BB962C8B-B14F-4D97-AF65-F5344CB8AC3E}">
+        <p14:creationId xmlns:p14="http://schemas.microsoft.com/office/powerpoint/2010/main" val="875078129"/>
+      </p:ext>
+    </p:extLst>
+  </p:cSld>
+  <p:clrMapOvr>
+    <a:masterClrMapping/>
+  </p:clrMapOvr>
+</p:sld>
+</file>
+
+<file path=ppt/slides/slide17.xml><?xml version="1.0" encoding="utf-8"?>
+<p:sld xmlns:a="http://schemas.openxmlformats.org/drawingml/2006/main" xmlns:r="http://schemas.openxmlformats.org/officeDocument/2006/relationships" xmlns:p="http://schemas.openxmlformats.org/presentationml/2006/main">
+  <p:cSld>
+    <p:spTree>
+      <p:nvGrpSpPr>
+        <p:cNvPr id="1" name=""/>
+        <p:cNvGrpSpPr/>
+        <p:nvPr/>
+      </p:nvGrpSpPr>
+      <p:grpSpPr>
+        <a:xfrm>
+          <a:off x="0" y="0"/>
+          <a:ext cx="0" cy="0"/>
+          <a:chOff x="0" y="0"/>
+          <a:chExt cx="0" cy="0"/>
+        </a:xfrm>
+      </p:grpSpPr>
+      <p:sp>
+        <p:nvSpPr>
+          <p:cNvPr id="2" name="Title 1"/>
+          <p:cNvSpPr>
+            <a:spLocks noGrp="1"/>
+          </p:cNvSpPr>
+          <p:nvPr>
+            <p:ph type="title"/>
+          </p:nvPr>
+        </p:nvSpPr>
+        <p:spPr>
+          <a:xfrm>
+            <a:off x="312516" y="365125"/>
+            <a:ext cx="10248358" cy="1325563"/>
+          </a:xfrm>
+        </p:spPr>
+        <p:txBody>
+          <a:bodyPr/>
+          <a:lstStyle/>
+          <a:p>
+            <a:pPr algn="l"/>
+            <a:r>
+              <a:rPr lang="es-ES_tradnl" dirty="0"/>
+              <a:t>Algoritmos Utilizados</a:t>
+            </a:r>
+          </a:p>
+        </p:txBody>
+      </p:sp>
+      <p:sp>
+        <p:nvSpPr>
+          <p:cNvPr id="4" name="Content Placeholder 2">
+            <a:extLst>
+              <a:ext uri="{FF2B5EF4-FFF2-40B4-BE49-F238E27FC236}">
+                <a16:creationId xmlns:a16="http://schemas.microsoft.com/office/drawing/2014/main" id="{758D99EF-6495-1C43-9B4C-B0C4AA0CD651}"/>
+              </a:ext>
+            </a:extLst>
+          </p:cNvPr>
+          <p:cNvSpPr txBox="1">
+            <a:spLocks/>
+          </p:cNvSpPr>
+          <p:nvPr/>
+        </p:nvSpPr>
+        <p:spPr>
+          <a:xfrm>
+            <a:off x="312516" y="1972042"/>
+            <a:ext cx="10062407" cy="3444020"/>
+          </a:xfrm>
+          <a:prstGeom prst="rect">
+            <a:avLst/>
+          </a:prstGeom>
+        </p:spPr>
+        <p:txBody>
+          <a:bodyPr vert="horz" lIns="91440" tIns="45720" rIns="91440" bIns="45720" rtlCol="0">
+            <a:normAutofit/>
+          </a:bodyPr>
+          <a:lstStyle>
+            <a:lvl1pPr marL="228600" indent="-228600" algn="l" defTabSz="914400" rtl="0" eaLnBrk="1" latinLnBrk="0" hangingPunct="1">
+              <a:lnSpc>
+                <a:spcPct val="90000"/>
+              </a:lnSpc>
+              <a:spcBef>
+                <a:spcPts val="1000"/>
+              </a:spcBef>
+              <a:buFont typeface="Arial" panose="020B0604020202020204" pitchFamily="34" charset="0"/>
+              <a:buChar char="•"/>
+              <a:defRPr sz="2800" kern="1200">
+                <a:solidFill>
+                  <a:schemeClr val="bg1"/>
+                </a:solidFill>
+                <a:latin typeface="+mn-lt"/>
+                <a:ea typeface="+mn-ea"/>
+                <a:cs typeface="+mn-cs"/>
+              </a:defRPr>
+            </a:lvl1pPr>
+            <a:lvl2pPr marL="685800" indent="-228600" algn="l" defTabSz="914400" rtl="0" eaLnBrk="1" latinLnBrk="0" hangingPunct="1">
+              <a:lnSpc>
+                <a:spcPct val="90000"/>
+              </a:lnSpc>
+              <a:spcBef>
+                <a:spcPts val="500"/>
+              </a:spcBef>
+              <a:buFont typeface="Arial" panose="020B0604020202020204" pitchFamily="34" charset="0"/>
+              <a:buChar char="•"/>
+              <a:defRPr sz="2400" kern="1200">
+                <a:solidFill>
+                  <a:schemeClr val="bg1"/>
+                </a:solidFill>
+                <a:latin typeface="+mn-lt"/>
+                <a:ea typeface="+mn-ea"/>
+                <a:cs typeface="+mn-cs"/>
+              </a:defRPr>
+            </a:lvl2pPr>
+            <a:lvl3pPr marL="1143000" indent="-228600" algn="l" defTabSz="914400" rtl="0" eaLnBrk="1" latinLnBrk="0" hangingPunct="1">
+              <a:lnSpc>
+                <a:spcPct val="90000"/>
+              </a:lnSpc>
+              <a:spcBef>
+                <a:spcPts val="500"/>
+              </a:spcBef>
+              <a:buFont typeface="Arial" panose="020B0604020202020204" pitchFamily="34" charset="0"/>
+              <a:buChar char="•"/>
+              <a:defRPr sz="2000" kern="1200">
+                <a:solidFill>
+                  <a:schemeClr val="bg1"/>
+                </a:solidFill>
+                <a:latin typeface="+mn-lt"/>
+                <a:ea typeface="+mn-ea"/>
+                <a:cs typeface="+mn-cs"/>
+              </a:defRPr>
+            </a:lvl3pPr>
+            <a:lvl4pPr marL="1600200" indent="-228600" algn="l" defTabSz="914400" rtl="0" eaLnBrk="1" latinLnBrk="0" hangingPunct="1">
+              <a:lnSpc>
+                <a:spcPct val="90000"/>
+              </a:lnSpc>
+              <a:spcBef>
+                <a:spcPts val="500"/>
+              </a:spcBef>
+              <a:buFont typeface="Arial" panose="020B0604020202020204" pitchFamily="34" charset="0"/>
+              <a:buChar char="•"/>
+              <a:defRPr sz="1800" kern="1200">
+                <a:solidFill>
+                  <a:schemeClr val="bg1"/>
+                </a:solidFill>
+                <a:latin typeface="+mn-lt"/>
+                <a:ea typeface="+mn-ea"/>
+                <a:cs typeface="+mn-cs"/>
+              </a:defRPr>
+            </a:lvl4pPr>
+            <a:lvl5pPr marL="2057400" indent="-228600" algn="l" defTabSz="914400" rtl="0" eaLnBrk="1" latinLnBrk="0" hangingPunct="1">
+              <a:lnSpc>
+                <a:spcPct val="90000"/>
+              </a:lnSpc>
+              <a:spcBef>
+                <a:spcPts val="500"/>
+              </a:spcBef>
+              <a:buFont typeface="Arial" panose="020B0604020202020204" pitchFamily="34" charset="0"/>
+              <a:buChar char="•"/>
+              <a:defRPr sz="1800" kern="1200">
+                <a:solidFill>
+                  <a:schemeClr val="bg1"/>
+                </a:solidFill>
+                <a:latin typeface="+mn-lt"/>
+                <a:ea typeface="+mn-ea"/>
+                <a:cs typeface="+mn-cs"/>
+              </a:defRPr>
+            </a:lvl5pPr>
+            <a:lvl6pPr marL="2514600" indent="-228600" algn="l" defTabSz="914400" rtl="0" eaLnBrk="1" latinLnBrk="0" hangingPunct="1">
+              <a:lnSpc>
+                <a:spcPct val="90000"/>
+              </a:lnSpc>
+              <a:spcBef>
+                <a:spcPts val="500"/>
+              </a:spcBef>
+              <a:buFont typeface="Arial" panose="020B0604020202020204" pitchFamily="34" charset="0"/>
+              <a:buChar char="•"/>
+              <a:defRPr sz="1800" kern="1200">
+                <a:solidFill>
+                  <a:schemeClr val="tx1"/>
+                </a:solidFill>
+                <a:latin typeface="+mn-lt"/>
+                <a:ea typeface="+mn-ea"/>
+                <a:cs typeface="+mn-cs"/>
+              </a:defRPr>
+            </a:lvl6pPr>
+            <a:lvl7pPr marL="2971800" indent="-228600" algn="l" defTabSz="914400" rtl="0" eaLnBrk="1" latinLnBrk="0" hangingPunct="1">
+              <a:lnSpc>
+                <a:spcPct val="90000"/>
+              </a:lnSpc>
+              <a:spcBef>
+                <a:spcPts val="500"/>
+              </a:spcBef>
+              <a:buFont typeface="Arial" panose="020B0604020202020204" pitchFamily="34" charset="0"/>
+              <a:buChar char="•"/>
+              <a:defRPr sz="1800" kern="1200">
+                <a:solidFill>
+                  <a:schemeClr val="tx1"/>
+                </a:solidFill>
+                <a:latin typeface="+mn-lt"/>
+                <a:ea typeface="+mn-ea"/>
+                <a:cs typeface="+mn-cs"/>
+              </a:defRPr>
+            </a:lvl7pPr>
+            <a:lvl8pPr marL="3429000" indent="-228600" algn="l" defTabSz="914400" rtl="0" eaLnBrk="1" latinLnBrk="0" hangingPunct="1">
+              <a:lnSpc>
+                <a:spcPct val="90000"/>
+              </a:lnSpc>
+              <a:spcBef>
+                <a:spcPts val="500"/>
+              </a:spcBef>
+              <a:buFont typeface="Arial" panose="020B0604020202020204" pitchFamily="34" charset="0"/>
+              <a:buChar char="•"/>
+              <a:defRPr sz="1800" kern="1200">
+                <a:solidFill>
+                  <a:schemeClr val="tx1"/>
+                </a:solidFill>
+                <a:latin typeface="+mn-lt"/>
+                <a:ea typeface="+mn-ea"/>
+                <a:cs typeface="+mn-cs"/>
+              </a:defRPr>
+            </a:lvl8pPr>
+            <a:lvl9pPr marL="3886200" indent="-228600" algn="l" defTabSz="914400" rtl="0" eaLnBrk="1" latinLnBrk="0" hangingPunct="1">
+              <a:lnSpc>
+                <a:spcPct val="90000"/>
+              </a:lnSpc>
+              <a:spcBef>
+                <a:spcPts val="500"/>
+              </a:spcBef>
+              <a:buFont typeface="Arial" panose="020B0604020202020204" pitchFamily="34" charset="0"/>
+              <a:buChar char="•"/>
+              <a:defRPr sz="1800" kern="1200">
+                <a:solidFill>
+                  <a:schemeClr val="tx1"/>
+                </a:solidFill>
+                <a:latin typeface="+mn-lt"/>
+                <a:ea typeface="+mn-ea"/>
+                <a:cs typeface="+mn-cs"/>
+              </a:defRPr>
+            </a:lvl9pPr>
+          </a:lstStyle>
+          <a:p>
+            <a:pPr marL="0" indent="0">
+              <a:buFont typeface="Arial" panose="020B0604020202020204" pitchFamily="34" charset="0"/>
+              <a:buNone/>
+            </a:pPr>
+            <a:r>
+              <a:rPr lang="es-ES_tradnl" sz="2000" dirty="0"/>
+              <a:t>Se utilizaron 3 algoritmos de regresión:</a:t>
+            </a:r>
+          </a:p>
+          <a:p>
+            <a:pPr marL="0" indent="0">
+              <a:buFont typeface="Arial" panose="020B0604020202020204" pitchFamily="34" charset="0"/>
+              <a:buNone/>
+            </a:pPr>
+            <a:endParaRPr lang="es-ES_tradnl" sz="2000" dirty="0"/>
+          </a:p>
+          <a:p>
+            <a:pPr>
+              <a:buFontTx/>
+              <a:buChar char="-"/>
+            </a:pPr>
+            <a:r>
+              <a:rPr lang="es-ES_tradnl" sz="2000" dirty="0" err="1"/>
+              <a:t>Regresion</a:t>
+            </a:r>
+            <a:r>
+              <a:rPr lang="es-ES_tradnl" sz="2000" dirty="0"/>
+              <a:t> Lineal/</a:t>
+            </a:r>
+            <a:r>
+              <a:rPr lang="es-ES_tradnl" sz="2000" dirty="0" err="1"/>
+              <a:t>Polinomica</a:t>
+            </a:r>
+            <a:endParaRPr lang="es-ES_tradnl" sz="2000" dirty="0"/>
+          </a:p>
+          <a:p>
+            <a:pPr>
+              <a:buFontTx/>
+              <a:buChar char="-"/>
+            </a:pPr>
+            <a:r>
+              <a:rPr lang="es-ES_tradnl" sz="2000" dirty="0" err="1"/>
+              <a:t>Random</a:t>
+            </a:r>
+            <a:r>
+              <a:rPr lang="es-ES_tradnl" sz="2000" dirty="0"/>
+              <a:t> </a:t>
+            </a:r>
+            <a:r>
+              <a:rPr lang="es-ES_tradnl" sz="2000" dirty="0" err="1"/>
+              <a:t>Forest</a:t>
+            </a:r>
+            <a:r>
+              <a:rPr lang="es-ES_tradnl" sz="2000" dirty="0"/>
+              <a:t> </a:t>
+            </a:r>
+            <a:r>
+              <a:rPr lang="es-ES_tradnl" sz="2000" dirty="0" err="1"/>
+              <a:t>Regresor</a:t>
+            </a:r>
+            <a:endParaRPr lang="es-ES_tradnl" sz="2000" dirty="0"/>
+          </a:p>
+          <a:p>
+            <a:pPr>
+              <a:buFontTx/>
+              <a:buChar char="-"/>
+            </a:pPr>
+            <a:r>
+              <a:rPr lang="es-ES_tradnl" sz="2000" dirty="0"/>
+              <a:t>LASSO</a:t>
+            </a:r>
+          </a:p>
+          <a:p>
+            <a:pPr>
+              <a:buFontTx/>
+              <a:buChar char="-"/>
+            </a:pPr>
+            <a:endParaRPr lang="es-ES_tradnl" sz="2000" dirty="0"/>
+          </a:p>
+          <a:p>
+            <a:pPr marL="0" indent="0">
+              <a:buNone/>
+            </a:pPr>
+            <a:r>
+              <a:rPr lang="es-ES_tradnl" sz="2000" dirty="0"/>
+              <a:t>Nuevamente, se busco el parámetro que ofrecía los mejores resultados para cada algoritmo. La métrica utilizada para la evaluación fue el R</a:t>
+            </a:r>
+            <a:r>
+              <a:rPr lang="es-ES_tradnl" sz="2000" baseline="30000" dirty="0"/>
+              <a:t>2</a:t>
+            </a:r>
+            <a:r>
+              <a:rPr lang="es-ES_tradnl" sz="2000" dirty="0"/>
+              <a:t>.</a:t>
+            </a:r>
+          </a:p>
+          <a:p>
+            <a:pPr marL="0" indent="0">
+              <a:buNone/>
+            </a:pPr>
+            <a:endParaRPr lang="es-ES_tradnl" sz="2000" dirty="0"/>
+          </a:p>
+          <a:p>
+            <a:pPr marL="0" indent="0">
+              <a:buFont typeface="Arial" panose="020B0604020202020204" pitchFamily="34" charset="0"/>
+              <a:buNone/>
+            </a:pPr>
+            <a:endParaRPr lang="en-US" dirty="0"/>
+          </a:p>
+        </p:txBody>
+      </p:sp>
+    </p:spTree>
+    <p:extLst>
+      <p:ext uri="{BB962C8B-B14F-4D97-AF65-F5344CB8AC3E}">
+        <p14:creationId xmlns:p14="http://schemas.microsoft.com/office/powerpoint/2010/main" val="1414068449"/>
+      </p:ext>
+    </p:extLst>
+  </p:cSld>
+  <p:clrMapOvr>
+    <a:masterClrMapping/>
+  </p:clrMapOvr>
+</p:sld>
+</file>
+
+<file path=ppt/slides/slide18.xml><?xml version="1.0" encoding="utf-8"?>
+<p:sld xmlns:a="http://schemas.openxmlformats.org/drawingml/2006/main" xmlns:r="http://schemas.openxmlformats.org/officeDocument/2006/relationships" xmlns:p="http://schemas.openxmlformats.org/presentationml/2006/main">
+  <p:cSld>
+    <p:spTree>
+      <p:nvGrpSpPr>
+        <p:cNvPr id="1" name=""/>
+        <p:cNvGrpSpPr/>
+        <p:nvPr/>
+      </p:nvGrpSpPr>
+      <p:grpSpPr>
+        <a:xfrm>
+          <a:off x="0" y="0"/>
+          <a:ext cx="0" cy="0"/>
+          <a:chOff x="0" y="0"/>
+          <a:chExt cx="0" cy="0"/>
+        </a:xfrm>
+      </p:grpSpPr>
+      <p:sp>
+        <p:nvSpPr>
+          <p:cNvPr id="2" name="Title 1"/>
+          <p:cNvSpPr>
+            <a:spLocks noGrp="1"/>
+          </p:cNvSpPr>
+          <p:nvPr>
+            <p:ph type="title"/>
+          </p:nvPr>
+        </p:nvSpPr>
+        <p:spPr>
+          <a:xfrm>
+            <a:off x="312516" y="365125"/>
+            <a:ext cx="10248358" cy="1325563"/>
+          </a:xfrm>
+        </p:spPr>
+        <p:txBody>
+          <a:bodyPr/>
+          <a:lstStyle/>
+          <a:p>
+            <a:pPr algn="l"/>
+            <a:r>
+              <a:rPr lang="es-ES_tradnl" dirty="0"/>
+              <a:t>Resultados</a:t>
+            </a:r>
+          </a:p>
+        </p:txBody>
+      </p:sp>
+      <p:graphicFrame>
+        <p:nvGraphicFramePr>
+          <p:cNvPr id="3" name="Table 3">
+            <a:extLst>
+              <a:ext uri="{FF2B5EF4-FFF2-40B4-BE49-F238E27FC236}">
+                <a16:creationId xmlns:a16="http://schemas.microsoft.com/office/drawing/2014/main" id="{9F394DF2-42AB-2442-8AE6-83FC8FC44665}"/>
+              </a:ext>
+            </a:extLst>
+          </p:cNvPr>
+          <p:cNvGraphicFramePr>
+            <a:graphicFrameLocks noGrp="1"/>
+          </p:cNvGraphicFramePr>
+          <p:nvPr>
+            <p:extLst>
+              <p:ext uri="{D42A27DB-BD31-4B8C-83A1-F6EECF244321}">
+                <p14:modId xmlns:p14="http://schemas.microsoft.com/office/powerpoint/2010/main" val="3131178141"/>
+              </p:ext>
+            </p:extLst>
+          </p:nvPr>
+        </p:nvGraphicFramePr>
+        <p:xfrm>
+          <a:off x="590061" y="1690688"/>
+          <a:ext cx="8127999" cy="2291080"/>
+        </p:xfrm>
+        <a:graphic>
+          <a:graphicData uri="http://schemas.openxmlformats.org/drawingml/2006/table">
+            <a:tbl>
+              <a:tblPr firstRow="1" bandRow="1">
+                <a:tableStyleId>{5C22544A-7EE6-4342-B048-85BDC9FD1C3A}</a:tableStyleId>
+              </a:tblPr>
+              <a:tblGrid>
+                <a:gridCol w="2709333">
+                  <a:extLst>
+                    <a:ext uri="{9D8B030D-6E8A-4147-A177-3AD203B41FA5}">
+                      <a16:colId xmlns:a16="http://schemas.microsoft.com/office/drawing/2014/main" val="1499455881"/>
+                    </a:ext>
+                  </a:extLst>
+                </a:gridCol>
+                <a:gridCol w="2709333">
+                  <a:extLst>
+                    <a:ext uri="{9D8B030D-6E8A-4147-A177-3AD203B41FA5}">
+                      <a16:colId xmlns:a16="http://schemas.microsoft.com/office/drawing/2014/main" val="4091885286"/>
+                    </a:ext>
+                  </a:extLst>
+                </a:gridCol>
+                <a:gridCol w="2709333">
+                  <a:extLst>
+                    <a:ext uri="{9D8B030D-6E8A-4147-A177-3AD203B41FA5}">
+                      <a16:colId xmlns:a16="http://schemas.microsoft.com/office/drawing/2014/main" val="3430030202"/>
+                    </a:ext>
+                  </a:extLst>
+                </a:gridCol>
+              </a:tblGrid>
+              <a:tr h="370840">
+                <a:tc>
+                  <a:txBody>
+                    <a:bodyPr/>
+                    <a:lstStyle/>
+                    <a:p>
+                      <a:pPr algn="ctr"/>
+                      <a:r>
+                        <a:rPr lang="en-US" dirty="0" err="1"/>
+                        <a:t>Algoritmo</a:t>
+                      </a:r>
+                      <a:endParaRPr lang="en-US" dirty="0"/>
+                    </a:p>
+                  </a:txBody>
+                  <a:tcPr/>
+                </a:tc>
+                <a:tc>
+                  <a:txBody>
+                    <a:bodyPr/>
+                    <a:lstStyle/>
+                    <a:p>
+                      <a:pPr algn="ctr"/>
+                      <a:r>
+                        <a:rPr lang="en-US" dirty="0"/>
+                        <a:t>R</a:t>
+                      </a:r>
+                      <a:r>
+                        <a:rPr lang="en-US" baseline="30000" dirty="0"/>
+                        <a:t>2</a:t>
+                      </a:r>
+                      <a:endParaRPr lang="en-US" dirty="0"/>
+                    </a:p>
+                  </a:txBody>
+                  <a:tcPr/>
+                </a:tc>
+                <a:tc>
+                  <a:txBody>
+                    <a:bodyPr/>
+                    <a:lstStyle/>
+                    <a:p>
+                      <a:pPr algn="ctr"/>
+                      <a:r>
+                        <a:rPr lang="en-US" dirty="0" err="1"/>
+                        <a:t>Parametro</a:t>
+                      </a:r>
+                      <a:r>
+                        <a:rPr lang="en-US" dirty="0"/>
+                        <a:t> </a:t>
+                      </a:r>
+                      <a:r>
+                        <a:rPr lang="en-US" dirty="0" err="1"/>
+                        <a:t>Optimizacion</a:t>
+                      </a:r>
+                      <a:endParaRPr lang="en-US" dirty="0"/>
+                    </a:p>
+                  </a:txBody>
+                  <a:tcPr/>
+                </a:tc>
+                <a:extLst>
+                  <a:ext uri="{0D108BD9-81ED-4DB2-BD59-A6C34878D82A}">
+                    <a16:rowId xmlns:a16="http://schemas.microsoft.com/office/drawing/2014/main" val="655434867"/>
+                  </a:ext>
+                </a:extLst>
+              </a:tr>
+              <a:tr h="370840">
+                <a:tc>
+                  <a:txBody>
+                    <a:bodyPr/>
+                    <a:lstStyle/>
+                    <a:p>
+                      <a:r>
+                        <a:rPr lang="en-US" dirty="0" err="1"/>
+                        <a:t>Regresion</a:t>
+                      </a:r>
+                      <a:r>
+                        <a:rPr lang="en-US" dirty="0"/>
+                        <a:t> Lineal/</a:t>
+                      </a:r>
+                      <a:r>
+                        <a:rPr lang="en-US" dirty="0" err="1"/>
+                        <a:t>Polinomica</a:t>
+                      </a:r>
+                      <a:endParaRPr lang="en-US" dirty="0"/>
+                    </a:p>
+                  </a:txBody>
+                  <a:tcPr/>
+                </a:tc>
+                <a:tc>
+                  <a:txBody>
+                    <a:bodyPr/>
+                    <a:lstStyle/>
+                    <a:p>
+                      <a:pPr algn="ctr"/>
+                      <a:r>
+                        <a:rPr lang="en-US" dirty="0"/>
+                        <a:t>0.081</a:t>
+                      </a:r>
+                    </a:p>
+                  </a:txBody>
+                  <a:tcPr/>
+                </a:tc>
+                <a:tc>
+                  <a:txBody>
+                    <a:bodyPr/>
+                    <a:lstStyle/>
+                    <a:p>
+                      <a:r>
+                        <a:rPr lang="en-US" dirty="0"/>
+                        <a:t>Grado </a:t>
+                      </a:r>
+                      <a:r>
+                        <a:rPr lang="en-US" dirty="0" err="1"/>
+                        <a:t>polinomio</a:t>
+                      </a:r>
+                      <a:r>
+                        <a:rPr lang="en-US" dirty="0"/>
+                        <a:t> = 3</a:t>
+                      </a:r>
+                    </a:p>
+                  </a:txBody>
+                  <a:tcPr/>
+                </a:tc>
+                <a:extLst>
+                  <a:ext uri="{0D108BD9-81ED-4DB2-BD59-A6C34878D82A}">
+                    <a16:rowId xmlns:a16="http://schemas.microsoft.com/office/drawing/2014/main" val="40279631"/>
+                  </a:ext>
+                </a:extLst>
+              </a:tr>
+              <a:tr h="370840">
+                <a:tc>
+                  <a:txBody>
+                    <a:bodyPr/>
+                    <a:lstStyle/>
+                    <a:p>
+                      <a:r>
+                        <a:rPr lang="en-US" dirty="0"/>
+                        <a:t>LASSO</a:t>
+                      </a:r>
+                    </a:p>
+                  </a:txBody>
+                  <a:tcPr/>
+                </a:tc>
+                <a:tc>
+                  <a:txBody>
+                    <a:bodyPr/>
+                    <a:lstStyle/>
+                    <a:p>
+                      <a:pPr algn="ctr"/>
+                      <a:r>
+                        <a:rPr lang="en-US" dirty="0"/>
+                        <a:t>0.005</a:t>
+                      </a:r>
+                    </a:p>
+                  </a:txBody>
+                  <a:tcPr/>
+                </a:tc>
+                <a:tc>
+                  <a:txBody>
+                    <a:bodyPr/>
+                    <a:lstStyle/>
+                    <a:p>
+                      <a:pPr algn="ctr"/>
+                      <a:r>
+                        <a:rPr lang="en-US" dirty="0"/>
+                        <a:t>-</a:t>
+                      </a:r>
+                    </a:p>
+                  </a:txBody>
+                  <a:tcPr/>
+                </a:tc>
+                <a:extLst>
+                  <a:ext uri="{0D108BD9-81ED-4DB2-BD59-A6C34878D82A}">
+                    <a16:rowId xmlns:a16="http://schemas.microsoft.com/office/drawing/2014/main" val="2729793521"/>
+                  </a:ext>
+                </a:extLst>
+              </a:tr>
+              <a:tr h="370840">
+                <a:tc>
+                  <a:txBody>
+                    <a:bodyPr/>
+                    <a:lstStyle/>
+                    <a:p>
+                      <a:r>
+                        <a:rPr lang="en-US" dirty="0"/>
+                        <a:t>Random Forest Regressor</a:t>
+                      </a:r>
+                    </a:p>
+                  </a:txBody>
+                  <a:tcPr/>
+                </a:tc>
+                <a:tc>
+                  <a:txBody>
+                    <a:bodyPr/>
+                    <a:lstStyle/>
+                    <a:p>
+                      <a:pPr algn="ctr"/>
+                      <a:r>
+                        <a:rPr lang="en-US" dirty="0"/>
+                        <a:t>0.097</a:t>
+                      </a:r>
+                    </a:p>
+                  </a:txBody>
+                  <a:tcPr/>
+                </a:tc>
+                <a:tc>
+                  <a:txBody>
+                    <a:bodyPr/>
+                    <a:lstStyle/>
+                    <a:p>
+                      <a:pPr marL="0" marR="0" lvl="0" indent="0" algn="l" defTabSz="914400" rtl="0" eaLnBrk="1" fontAlgn="auto" latinLnBrk="0" hangingPunct="1">
+                        <a:lnSpc>
+                          <a:spcPct val="100000"/>
+                        </a:lnSpc>
+                        <a:spcBef>
+                          <a:spcPts val="0"/>
+                        </a:spcBef>
+                        <a:spcAft>
+                          <a:spcPts val="0"/>
+                        </a:spcAft>
+                        <a:buClrTx/>
+                        <a:buSzTx/>
+                        <a:buFontTx/>
+                        <a:buNone/>
+                        <a:tabLst/>
+                        <a:defRPr/>
+                      </a:pPr>
+                      <a:r>
+                        <a:rPr lang="en-US" dirty="0" err="1"/>
+                        <a:t>N_Estimators</a:t>
+                      </a:r>
+                      <a:r>
+                        <a:rPr lang="en-US" dirty="0"/>
+                        <a:t> = 140</a:t>
+                      </a:r>
+                    </a:p>
+                    <a:p>
+                      <a:pPr algn="ctr"/>
+                      <a:endParaRPr lang="en-US" dirty="0"/>
+                    </a:p>
+                  </a:txBody>
+                  <a:tcPr/>
+                </a:tc>
+                <a:extLst>
+                  <a:ext uri="{0D108BD9-81ED-4DB2-BD59-A6C34878D82A}">
+                    <a16:rowId xmlns:a16="http://schemas.microsoft.com/office/drawing/2014/main" val="2466141123"/>
                   </a:ext>
                 </a:extLst>
               </a:tr>
@@ -3893,6 +6310,64 @@
     <p:extLst>
       <p:ext uri="{BB962C8B-B14F-4D97-AF65-F5344CB8AC3E}">
         <p14:creationId xmlns:p14="http://schemas.microsoft.com/office/powerpoint/2010/main" val="1657104461"/>
+      </p:ext>
+    </p:extLst>
+  </p:cSld>
+  <p:clrMapOvr>
+    <a:masterClrMapping/>
+  </p:clrMapOvr>
+</p:sld>
+</file>
+
+<file path=ppt/slides/slide19.xml><?xml version="1.0" encoding="utf-8"?>
+<p:sld xmlns:a="http://schemas.openxmlformats.org/drawingml/2006/main" xmlns:r="http://schemas.openxmlformats.org/officeDocument/2006/relationships" xmlns:p="http://schemas.openxmlformats.org/presentationml/2006/main">
+  <p:cSld>
+    <p:spTree>
+      <p:nvGrpSpPr>
+        <p:cNvPr id="1" name=""/>
+        <p:cNvGrpSpPr/>
+        <p:nvPr/>
+      </p:nvGrpSpPr>
+      <p:grpSpPr>
+        <a:xfrm>
+          <a:off x="0" y="0"/>
+          <a:ext cx="0" cy="0"/>
+          <a:chOff x="0" y="0"/>
+          <a:chExt cx="0" cy="0"/>
+        </a:xfrm>
+      </p:grpSpPr>
+      <p:sp>
+        <p:nvSpPr>
+          <p:cNvPr id="2" name="Title 1">
+            <a:extLst>
+              <a:ext uri="{FF2B5EF4-FFF2-40B4-BE49-F238E27FC236}">
+                <a16:creationId xmlns:a16="http://schemas.microsoft.com/office/drawing/2014/main" id="{A684004F-55C6-E34B-8CD2-E73BA6045DEE}"/>
+              </a:ext>
+            </a:extLst>
+          </p:cNvPr>
+          <p:cNvSpPr>
+            <a:spLocks noGrp="1"/>
+          </p:cNvSpPr>
+          <p:nvPr>
+            <p:ph type="title"/>
+          </p:nvPr>
+        </p:nvSpPr>
+        <p:spPr/>
+        <p:txBody>
+          <a:bodyPr/>
+          <a:lstStyle/>
+          <a:p>
+            <a:r>
+              <a:rPr lang="es-ES_tradnl" dirty="0"/>
+              <a:t>Conclusiones</a:t>
+            </a:r>
+          </a:p>
+        </p:txBody>
+      </p:sp>
+    </p:spTree>
+    <p:extLst>
+      <p:ext uri="{BB962C8B-B14F-4D97-AF65-F5344CB8AC3E}">
+        <p14:creationId xmlns:p14="http://schemas.microsoft.com/office/powerpoint/2010/main" val="721286217"/>
       </p:ext>
     </p:extLst>
   </p:cSld>
@@ -4249,6 +6724,299 @@
     <p:extLst>
       <p:ext uri="{BB962C8B-B14F-4D97-AF65-F5344CB8AC3E}">
         <p14:creationId xmlns:p14="http://schemas.microsoft.com/office/powerpoint/2010/main" val="2059971362"/>
+      </p:ext>
+    </p:extLst>
+  </p:cSld>
+  <p:clrMapOvr>
+    <a:masterClrMapping/>
+  </p:clrMapOvr>
+</p:sld>
+</file>
+
+<file path=ppt/slides/slide20.xml><?xml version="1.0" encoding="utf-8"?>
+<p:sld xmlns:a="http://schemas.openxmlformats.org/drawingml/2006/main" xmlns:r="http://schemas.openxmlformats.org/officeDocument/2006/relationships" xmlns:p="http://schemas.openxmlformats.org/presentationml/2006/main">
+  <p:cSld>
+    <p:spTree>
+      <p:nvGrpSpPr>
+        <p:cNvPr id="1" name=""/>
+        <p:cNvGrpSpPr/>
+        <p:nvPr/>
+      </p:nvGrpSpPr>
+      <p:grpSpPr>
+        <a:xfrm>
+          <a:off x="0" y="0"/>
+          <a:ext cx="0" cy="0"/>
+          <a:chOff x="0" y="0"/>
+          <a:chExt cx="0" cy="0"/>
+        </a:xfrm>
+      </p:grpSpPr>
+      <p:sp>
+        <p:nvSpPr>
+          <p:cNvPr id="2" name="Title 1"/>
+          <p:cNvSpPr>
+            <a:spLocks noGrp="1"/>
+          </p:cNvSpPr>
+          <p:nvPr>
+            <p:ph type="title"/>
+          </p:nvPr>
+        </p:nvSpPr>
+        <p:spPr>
+          <a:xfrm>
+            <a:off x="312516" y="365125"/>
+            <a:ext cx="10248358" cy="1325563"/>
+          </a:xfrm>
+        </p:spPr>
+        <p:txBody>
+          <a:bodyPr/>
+          <a:lstStyle/>
+          <a:p>
+            <a:pPr algn="l"/>
+            <a:r>
+              <a:rPr lang="es-ES_tradnl" dirty="0"/>
+              <a:t>Conclusiones</a:t>
+            </a:r>
+          </a:p>
+        </p:txBody>
+      </p:sp>
+      <p:sp>
+        <p:nvSpPr>
+          <p:cNvPr id="4" name="Content Placeholder 2">
+            <a:extLst>
+              <a:ext uri="{FF2B5EF4-FFF2-40B4-BE49-F238E27FC236}">
+                <a16:creationId xmlns:a16="http://schemas.microsoft.com/office/drawing/2014/main" id="{758D99EF-6495-1C43-9B4C-B0C4AA0CD651}"/>
+              </a:ext>
+            </a:extLst>
+          </p:cNvPr>
+          <p:cNvSpPr txBox="1">
+            <a:spLocks/>
+          </p:cNvSpPr>
+          <p:nvPr/>
+        </p:nvSpPr>
+        <p:spPr>
+          <a:xfrm>
+            <a:off x="312516" y="1972042"/>
+            <a:ext cx="10062407" cy="3444020"/>
+          </a:xfrm>
+          <a:prstGeom prst="rect">
+            <a:avLst/>
+          </a:prstGeom>
+        </p:spPr>
+        <p:txBody>
+          <a:bodyPr vert="horz" lIns="91440" tIns="45720" rIns="91440" bIns="45720" rtlCol="0">
+            <a:normAutofit/>
+          </a:bodyPr>
+          <a:lstStyle>
+            <a:lvl1pPr marL="228600" indent="-228600" algn="l" defTabSz="914400" rtl="0" eaLnBrk="1" latinLnBrk="0" hangingPunct="1">
+              <a:lnSpc>
+                <a:spcPct val="90000"/>
+              </a:lnSpc>
+              <a:spcBef>
+                <a:spcPts val="1000"/>
+              </a:spcBef>
+              <a:buFont typeface="Arial" panose="020B0604020202020204" pitchFamily="34" charset="0"/>
+              <a:buChar char="•"/>
+              <a:defRPr sz="2800" kern="1200">
+                <a:solidFill>
+                  <a:schemeClr val="bg1"/>
+                </a:solidFill>
+                <a:latin typeface="+mn-lt"/>
+                <a:ea typeface="+mn-ea"/>
+                <a:cs typeface="+mn-cs"/>
+              </a:defRPr>
+            </a:lvl1pPr>
+            <a:lvl2pPr marL="685800" indent="-228600" algn="l" defTabSz="914400" rtl="0" eaLnBrk="1" latinLnBrk="0" hangingPunct="1">
+              <a:lnSpc>
+                <a:spcPct val="90000"/>
+              </a:lnSpc>
+              <a:spcBef>
+                <a:spcPts val="500"/>
+              </a:spcBef>
+              <a:buFont typeface="Arial" panose="020B0604020202020204" pitchFamily="34" charset="0"/>
+              <a:buChar char="•"/>
+              <a:defRPr sz="2400" kern="1200">
+                <a:solidFill>
+                  <a:schemeClr val="bg1"/>
+                </a:solidFill>
+                <a:latin typeface="+mn-lt"/>
+                <a:ea typeface="+mn-ea"/>
+                <a:cs typeface="+mn-cs"/>
+              </a:defRPr>
+            </a:lvl2pPr>
+            <a:lvl3pPr marL="1143000" indent="-228600" algn="l" defTabSz="914400" rtl="0" eaLnBrk="1" latinLnBrk="0" hangingPunct="1">
+              <a:lnSpc>
+                <a:spcPct val="90000"/>
+              </a:lnSpc>
+              <a:spcBef>
+                <a:spcPts val="500"/>
+              </a:spcBef>
+              <a:buFont typeface="Arial" panose="020B0604020202020204" pitchFamily="34" charset="0"/>
+              <a:buChar char="•"/>
+              <a:defRPr sz="2000" kern="1200">
+                <a:solidFill>
+                  <a:schemeClr val="bg1"/>
+                </a:solidFill>
+                <a:latin typeface="+mn-lt"/>
+                <a:ea typeface="+mn-ea"/>
+                <a:cs typeface="+mn-cs"/>
+              </a:defRPr>
+            </a:lvl3pPr>
+            <a:lvl4pPr marL="1600200" indent="-228600" algn="l" defTabSz="914400" rtl="0" eaLnBrk="1" latinLnBrk="0" hangingPunct="1">
+              <a:lnSpc>
+                <a:spcPct val="90000"/>
+              </a:lnSpc>
+              <a:spcBef>
+                <a:spcPts val="500"/>
+              </a:spcBef>
+              <a:buFont typeface="Arial" panose="020B0604020202020204" pitchFamily="34" charset="0"/>
+              <a:buChar char="•"/>
+              <a:defRPr sz="1800" kern="1200">
+                <a:solidFill>
+                  <a:schemeClr val="bg1"/>
+                </a:solidFill>
+                <a:latin typeface="+mn-lt"/>
+                <a:ea typeface="+mn-ea"/>
+                <a:cs typeface="+mn-cs"/>
+              </a:defRPr>
+            </a:lvl4pPr>
+            <a:lvl5pPr marL="2057400" indent="-228600" algn="l" defTabSz="914400" rtl="0" eaLnBrk="1" latinLnBrk="0" hangingPunct="1">
+              <a:lnSpc>
+                <a:spcPct val="90000"/>
+              </a:lnSpc>
+              <a:spcBef>
+                <a:spcPts val="500"/>
+              </a:spcBef>
+              <a:buFont typeface="Arial" panose="020B0604020202020204" pitchFamily="34" charset="0"/>
+              <a:buChar char="•"/>
+              <a:defRPr sz="1800" kern="1200">
+                <a:solidFill>
+                  <a:schemeClr val="bg1"/>
+                </a:solidFill>
+                <a:latin typeface="+mn-lt"/>
+                <a:ea typeface="+mn-ea"/>
+                <a:cs typeface="+mn-cs"/>
+              </a:defRPr>
+            </a:lvl5pPr>
+            <a:lvl6pPr marL="2514600" indent="-228600" algn="l" defTabSz="914400" rtl="0" eaLnBrk="1" latinLnBrk="0" hangingPunct="1">
+              <a:lnSpc>
+                <a:spcPct val="90000"/>
+              </a:lnSpc>
+              <a:spcBef>
+                <a:spcPts val="500"/>
+              </a:spcBef>
+              <a:buFont typeface="Arial" panose="020B0604020202020204" pitchFamily="34" charset="0"/>
+              <a:buChar char="•"/>
+              <a:defRPr sz="1800" kern="1200">
+                <a:solidFill>
+                  <a:schemeClr val="tx1"/>
+                </a:solidFill>
+                <a:latin typeface="+mn-lt"/>
+                <a:ea typeface="+mn-ea"/>
+                <a:cs typeface="+mn-cs"/>
+              </a:defRPr>
+            </a:lvl6pPr>
+            <a:lvl7pPr marL="2971800" indent="-228600" algn="l" defTabSz="914400" rtl="0" eaLnBrk="1" latinLnBrk="0" hangingPunct="1">
+              <a:lnSpc>
+                <a:spcPct val="90000"/>
+              </a:lnSpc>
+              <a:spcBef>
+                <a:spcPts val="500"/>
+              </a:spcBef>
+              <a:buFont typeface="Arial" panose="020B0604020202020204" pitchFamily="34" charset="0"/>
+              <a:buChar char="•"/>
+              <a:defRPr sz="1800" kern="1200">
+                <a:solidFill>
+                  <a:schemeClr val="tx1"/>
+                </a:solidFill>
+                <a:latin typeface="+mn-lt"/>
+                <a:ea typeface="+mn-ea"/>
+                <a:cs typeface="+mn-cs"/>
+              </a:defRPr>
+            </a:lvl7pPr>
+            <a:lvl8pPr marL="3429000" indent="-228600" algn="l" defTabSz="914400" rtl="0" eaLnBrk="1" latinLnBrk="0" hangingPunct="1">
+              <a:lnSpc>
+                <a:spcPct val="90000"/>
+              </a:lnSpc>
+              <a:spcBef>
+                <a:spcPts val="500"/>
+              </a:spcBef>
+              <a:buFont typeface="Arial" panose="020B0604020202020204" pitchFamily="34" charset="0"/>
+              <a:buChar char="•"/>
+              <a:defRPr sz="1800" kern="1200">
+                <a:solidFill>
+                  <a:schemeClr val="tx1"/>
+                </a:solidFill>
+                <a:latin typeface="+mn-lt"/>
+                <a:ea typeface="+mn-ea"/>
+                <a:cs typeface="+mn-cs"/>
+              </a:defRPr>
+            </a:lvl8pPr>
+            <a:lvl9pPr marL="3886200" indent="-228600" algn="l" defTabSz="914400" rtl="0" eaLnBrk="1" latinLnBrk="0" hangingPunct="1">
+              <a:lnSpc>
+                <a:spcPct val="90000"/>
+              </a:lnSpc>
+              <a:spcBef>
+                <a:spcPts val="500"/>
+              </a:spcBef>
+              <a:buFont typeface="Arial" panose="020B0604020202020204" pitchFamily="34" charset="0"/>
+              <a:buChar char="•"/>
+              <a:defRPr sz="1800" kern="1200">
+                <a:solidFill>
+                  <a:schemeClr val="tx1"/>
+                </a:solidFill>
+                <a:latin typeface="+mn-lt"/>
+                <a:ea typeface="+mn-ea"/>
+                <a:cs typeface="+mn-cs"/>
+              </a:defRPr>
+            </a:lvl9pPr>
+          </a:lstStyle>
+          <a:p>
+            <a:r>
+              <a:rPr lang="es-ES_tradnl" sz="2000" dirty="0"/>
+              <a:t>Los mejores resultados fueron obtenidos con algoritmos de clasificación. </a:t>
+            </a:r>
+          </a:p>
+          <a:p>
+            <a:r>
+              <a:rPr lang="es-ES_tradnl" sz="2000" dirty="0"/>
+              <a:t>Los métodos de regresión no arrojaron buenos resultados</a:t>
+            </a:r>
+          </a:p>
+          <a:p>
+            <a:r>
+              <a:rPr lang="es-ES_tradnl" sz="2000" dirty="0"/>
+              <a:t>La falta de </a:t>
+            </a:r>
+            <a:r>
+              <a:rPr lang="es-ES_tradnl" sz="2000" dirty="0" err="1"/>
+              <a:t>correlacion</a:t>
+            </a:r>
+            <a:r>
+              <a:rPr lang="es-ES_tradnl" sz="2000" dirty="0"/>
+              <a:t> entre las variables podría ser la causa de la baja performance de los modelos de regresión</a:t>
+            </a:r>
+          </a:p>
+          <a:p>
+            <a:endParaRPr lang="es-ES_tradnl" sz="2000" dirty="0"/>
+          </a:p>
+          <a:p>
+            <a:pPr marL="0" indent="0">
+              <a:buNone/>
+            </a:pPr>
+            <a:endParaRPr lang="es-ES_tradnl" sz="2000" dirty="0"/>
+          </a:p>
+          <a:p>
+            <a:pPr marL="0" indent="0">
+              <a:buFont typeface="Arial" panose="020B0604020202020204" pitchFamily="34" charset="0"/>
+              <a:buNone/>
+            </a:pPr>
+            <a:endParaRPr lang="en-US" dirty="0"/>
+          </a:p>
+        </p:txBody>
+      </p:sp>
+    </p:spTree>
+    <p:extLst>
+      <p:ext uri="{BB962C8B-B14F-4D97-AF65-F5344CB8AC3E}">
+        <p14:creationId xmlns:p14="http://schemas.microsoft.com/office/powerpoint/2010/main" val="4213651716"/>
       </p:ext>
     </p:extLst>
   </p:cSld>
@@ -6104,6 +8872,126 @@
 </file>
 
 <file path=ppt/slides/slide7.xml><?xml version="1.0" encoding="utf-8"?>
+<p:sld xmlns:a="http://schemas.openxmlformats.org/drawingml/2006/main" xmlns:r="http://schemas.openxmlformats.org/officeDocument/2006/relationships" xmlns:p="http://schemas.openxmlformats.org/presentationml/2006/main">
+  <p:cSld>
+    <p:spTree>
+      <p:nvGrpSpPr>
+        <p:cNvPr id="1" name=""/>
+        <p:cNvGrpSpPr/>
+        <p:nvPr/>
+      </p:nvGrpSpPr>
+      <p:grpSpPr>
+        <a:xfrm>
+          <a:off x="0" y="0"/>
+          <a:ext cx="0" cy="0"/>
+          <a:chOff x="0" y="0"/>
+          <a:chExt cx="0" cy="0"/>
+        </a:xfrm>
+      </p:grpSpPr>
+      <p:sp>
+        <p:nvSpPr>
+          <p:cNvPr id="3" name="Content Placeholder 2"/>
+          <p:cNvSpPr>
+            <a:spLocks noGrp="1"/>
+          </p:cNvSpPr>
+          <p:nvPr>
+            <p:ph idx="1"/>
+          </p:nvPr>
+        </p:nvSpPr>
+        <p:spPr>
+          <a:xfrm>
+            <a:off x="113618" y="176681"/>
+            <a:ext cx="10578213" cy="1603497"/>
+          </a:xfrm>
+        </p:spPr>
+        <p:txBody>
+          <a:bodyPr>
+            <a:normAutofit lnSpcReduction="10000"/>
+          </a:bodyPr>
+          <a:lstStyle/>
+          <a:p>
+            <a:pPr marL="0" indent="0">
+              <a:lnSpc>
+                <a:spcPct val="120000"/>
+              </a:lnSpc>
+              <a:buNone/>
+            </a:pPr>
+            <a:r>
+              <a:rPr lang="es-ES_tradnl" dirty="0"/>
+              <a:t>Normalización: se realizo un test de hipótesis sobre las variables, verificando que no tenían distribución normal. </a:t>
+            </a:r>
+          </a:p>
+          <a:p>
+            <a:pPr marL="0" indent="0">
+              <a:lnSpc>
+                <a:spcPct val="120000"/>
+              </a:lnSpc>
+              <a:buNone/>
+            </a:pPr>
+            <a:r>
+              <a:rPr lang="es-ES_tradnl" dirty="0"/>
+              <a:t>Se aplico Box Cox para normalizar</a:t>
+            </a:r>
+          </a:p>
+        </p:txBody>
+      </p:sp>
+      <p:pic>
+        <p:nvPicPr>
+          <p:cNvPr id="4" name="Picture 3" descr="A picture containing logo&#10;&#10;Description automatically generated">
+            <a:extLst>
+              <a:ext uri="{FF2B5EF4-FFF2-40B4-BE49-F238E27FC236}">
+                <a16:creationId xmlns:a16="http://schemas.microsoft.com/office/drawing/2014/main" id="{2633B101-0213-A24D-A389-1692C638D6C6}"/>
+              </a:ext>
+            </a:extLst>
+          </p:cNvPr>
+          <p:cNvPicPr>
+            <a:picLocks noChangeAspect="1"/>
+          </p:cNvPicPr>
+          <p:nvPr/>
+        </p:nvPicPr>
+        <p:blipFill>
+          <a:blip r:embed="rId2">
+            <a:extLst>
+              <a:ext uri="{28A0092B-C50C-407E-A947-70E740481C1C}">
+                <a14:useLocalDpi xmlns:a14="http://schemas.microsoft.com/office/drawing/2010/main" val="0"/>
+              </a:ext>
+            </a:extLst>
+          </a:blip>
+          <a:srcRect/>
+          <a:stretch>
+            <a:fillRect/>
+          </a:stretch>
+        </p:blipFill>
+        <p:spPr bwMode="auto">
+          <a:xfrm>
+            <a:off x="2429880" y="1798916"/>
+            <a:ext cx="6549997" cy="4882403"/>
+          </a:xfrm>
+          <a:prstGeom prst="rect">
+            <a:avLst/>
+          </a:prstGeom>
+          <a:solidFill>
+            <a:schemeClr val="bg1"/>
+          </a:solidFill>
+          <a:ln>
+            <a:noFill/>
+          </a:ln>
+        </p:spPr>
+      </p:pic>
+    </p:spTree>
+    <p:extLst>
+      <p:ext uri="{BB962C8B-B14F-4D97-AF65-F5344CB8AC3E}">
+        <p14:creationId xmlns:p14="http://schemas.microsoft.com/office/powerpoint/2010/main" val="118015053"/>
+      </p:ext>
+    </p:extLst>
+  </p:cSld>
+  <p:clrMapOvr>
+    <a:masterClrMapping/>
+  </p:clrMapOvr>
+</p:sld>
+</file>
+
+<file path=ppt/slides/slide8.xml><?xml version="1.0" encoding="utf-8"?>
 <p:sld xmlns:a="http://schemas.openxmlformats.org/drawingml/2006/main" xmlns:r="http://schemas.openxmlformats.org/officeDocument/2006/relationships" xmlns:p="http://schemas.openxmlformats.org/presentationml/2006/main">
   <p:cSld>
     <p:spTree>
@@ -6447,97 +9335,6 @@
 </p:sld>
 </file>
 
-<file path=ppt/slides/slide8.xml><?xml version="1.0" encoding="utf-8"?>
-<p:sld xmlns:a="http://schemas.openxmlformats.org/drawingml/2006/main" xmlns:r="http://schemas.openxmlformats.org/officeDocument/2006/relationships" xmlns:p="http://schemas.openxmlformats.org/presentationml/2006/main">
-  <p:cSld>
-    <p:spTree>
-      <p:nvGrpSpPr>
-        <p:cNvPr id="1" name=""/>
-        <p:cNvGrpSpPr/>
-        <p:nvPr/>
-      </p:nvGrpSpPr>
-      <p:grpSpPr>
-        <a:xfrm>
-          <a:off x="0" y="0"/>
-          <a:ext cx="0" cy="0"/>
-          <a:chOff x="0" y="0"/>
-          <a:chExt cx="0" cy="0"/>
-        </a:xfrm>
-      </p:grpSpPr>
-      <p:sp>
-        <p:nvSpPr>
-          <p:cNvPr id="2" name="Title 1">
-            <a:extLst>
-              <a:ext uri="{FF2B5EF4-FFF2-40B4-BE49-F238E27FC236}">
-                <a16:creationId xmlns:a16="http://schemas.microsoft.com/office/drawing/2014/main" id="{A684004F-55C6-E34B-8CD2-E73BA6045DEE}"/>
-              </a:ext>
-            </a:extLst>
-          </p:cNvPr>
-          <p:cNvSpPr>
-            <a:spLocks noGrp="1"/>
-          </p:cNvSpPr>
-          <p:nvPr>
-            <p:ph type="title"/>
-          </p:nvPr>
-        </p:nvSpPr>
-        <p:spPr/>
-        <p:txBody>
-          <a:bodyPr/>
-          <a:lstStyle/>
-          <a:p>
-            <a:r>
-              <a:rPr lang="es-ES_tradnl" dirty="0"/>
-              <a:t>Modelos Machine </a:t>
-            </a:r>
-            <a:r>
-              <a:rPr lang="es-ES_tradnl" dirty="0" err="1"/>
-              <a:t>Learning</a:t>
-            </a:r>
-            <a:endParaRPr lang="es-ES_tradnl" dirty="0"/>
-          </a:p>
-        </p:txBody>
-      </p:sp>
-      <p:sp>
-        <p:nvSpPr>
-          <p:cNvPr id="3" name="Text Placeholder 2">
-            <a:extLst>
-              <a:ext uri="{FF2B5EF4-FFF2-40B4-BE49-F238E27FC236}">
-                <a16:creationId xmlns:a16="http://schemas.microsoft.com/office/drawing/2014/main" id="{8F377C20-77F0-A344-A669-99AFD39E673D}"/>
-              </a:ext>
-            </a:extLst>
-          </p:cNvPr>
-          <p:cNvSpPr>
-            <a:spLocks noGrp="1"/>
-          </p:cNvSpPr>
-          <p:nvPr>
-            <p:ph type="body" idx="1"/>
-          </p:nvPr>
-        </p:nvSpPr>
-        <p:spPr/>
-        <p:txBody>
-          <a:bodyPr/>
-          <a:lstStyle/>
-          <a:p>
-            <a:r>
-              <a:rPr lang="es-ES_tradnl" dirty="0"/>
-              <a:t>Algoritmos de Clasificación</a:t>
-            </a:r>
-          </a:p>
-        </p:txBody>
-      </p:sp>
-    </p:spTree>
-    <p:extLst>
-      <p:ext uri="{BB962C8B-B14F-4D97-AF65-F5344CB8AC3E}">
-        <p14:creationId xmlns:p14="http://schemas.microsoft.com/office/powerpoint/2010/main" val="2632975076"/>
-      </p:ext>
-    </p:extLst>
-  </p:cSld>
-  <p:clrMapOvr>
-    <a:masterClrMapping/>
-  </p:clrMapOvr>
-</p:sld>
-</file>
-
 <file path=ppt/slides/slide9.xml><?xml version="1.0" encoding="utf-8"?>
 <p:sld xmlns:a="http://schemas.openxmlformats.org/drawingml/2006/main" xmlns:r="http://schemas.openxmlformats.org/officeDocument/2006/relationships" xmlns:p="http://schemas.openxmlformats.org/presentationml/2006/main">
   <p:cSld>
@@ -6555,9 +9352,333 @@
           <a:chExt cx="0" cy="0"/>
         </a:xfrm>
       </p:grpSpPr>
+      <p:pic>
+        <p:nvPicPr>
+          <p:cNvPr id="7" name="Picture 6" descr="Graphical user interface&#10;&#10;Description automatically generated">
+            <a:extLst>
+              <a:ext uri="{FF2B5EF4-FFF2-40B4-BE49-F238E27FC236}">
+                <a16:creationId xmlns:a16="http://schemas.microsoft.com/office/drawing/2014/main" id="{CB77E18B-B41C-4942-8F78-CE12F36AAF82}"/>
+              </a:ext>
+            </a:extLst>
+          </p:cNvPr>
+          <p:cNvPicPr>
+            <a:picLocks noChangeAspect="1"/>
+          </p:cNvPicPr>
+          <p:nvPr/>
+        </p:nvPicPr>
+        <p:blipFill rotWithShape="1">
+          <a:blip r:embed="rId2">
+            <a:extLst>
+              <a:ext uri="{28A0092B-C50C-407E-A947-70E740481C1C}">
+                <a14:useLocalDpi xmlns:a14="http://schemas.microsoft.com/office/drawing/2010/main" val="0"/>
+              </a:ext>
+            </a:extLst>
+          </a:blip>
+          <a:srcRect b="58096"/>
+          <a:stretch/>
+        </p:blipFill>
+        <p:spPr bwMode="auto">
+          <a:xfrm>
+            <a:off x="151519" y="2121363"/>
+            <a:ext cx="5499062" cy="3220818"/>
+          </a:xfrm>
+          <a:prstGeom prst="rect">
+            <a:avLst/>
+          </a:prstGeom>
+          <a:solidFill>
+            <a:schemeClr val="bg1"/>
+          </a:solidFill>
+          <a:ln>
+            <a:noFill/>
+          </a:ln>
+          <a:extLst>
+            <a:ext uri="{53640926-AAD7-44D8-BBD7-CCE9431645EC}">
+              <a14:shadowObscured xmlns:a14="http://schemas.microsoft.com/office/drawing/2010/main"/>
+            </a:ext>
+          </a:extLst>
+        </p:spPr>
+      </p:pic>
+      <p:pic>
+        <p:nvPicPr>
+          <p:cNvPr id="8" name="Picture 7" descr="Graphical user interface&#10;&#10;Description automatically generated">
+            <a:extLst>
+              <a:ext uri="{FF2B5EF4-FFF2-40B4-BE49-F238E27FC236}">
+                <a16:creationId xmlns:a16="http://schemas.microsoft.com/office/drawing/2014/main" id="{991106A6-97E9-4940-9AE2-8D9B41A699C5}"/>
+              </a:ext>
+            </a:extLst>
+          </p:cNvPr>
+          <p:cNvPicPr>
+            <a:picLocks noChangeAspect="1"/>
+          </p:cNvPicPr>
+          <p:nvPr/>
+        </p:nvPicPr>
+        <p:blipFill rotWithShape="1">
+          <a:blip r:embed="rId2">
+            <a:extLst>
+              <a:ext uri="{28A0092B-C50C-407E-A947-70E740481C1C}">
+                <a14:useLocalDpi xmlns:a14="http://schemas.microsoft.com/office/drawing/2010/main" val="0"/>
+              </a:ext>
+            </a:extLst>
+          </a:blip>
+          <a:srcRect t="46865"/>
+          <a:stretch/>
+        </p:blipFill>
+        <p:spPr bwMode="auto">
+          <a:xfrm>
+            <a:off x="5884985" y="2121363"/>
+            <a:ext cx="6061711" cy="4502174"/>
+          </a:xfrm>
+          <a:prstGeom prst="rect">
+            <a:avLst/>
+          </a:prstGeom>
+          <a:solidFill>
+            <a:schemeClr val="bg1"/>
+          </a:solidFill>
+          <a:ln>
+            <a:noFill/>
+          </a:ln>
+          <a:extLst>
+            <a:ext uri="{53640926-AAD7-44D8-BBD7-CCE9431645EC}">
+              <a14:shadowObscured xmlns:a14="http://schemas.microsoft.com/office/drawing/2010/main"/>
+            </a:ext>
+          </a:extLst>
+        </p:spPr>
+      </p:pic>
       <p:sp>
         <p:nvSpPr>
-          <p:cNvPr id="2" name="Title 1"/>
+          <p:cNvPr id="12" name="Content Placeholder 2">
+            <a:extLst>
+              <a:ext uri="{FF2B5EF4-FFF2-40B4-BE49-F238E27FC236}">
+                <a16:creationId xmlns:a16="http://schemas.microsoft.com/office/drawing/2014/main" id="{F51E0F6D-5682-124F-A78C-541FE337CD81}"/>
+              </a:ext>
+            </a:extLst>
+          </p:cNvPr>
+          <p:cNvSpPr txBox="1">
+            <a:spLocks/>
+          </p:cNvSpPr>
+          <p:nvPr/>
+        </p:nvSpPr>
+        <p:spPr>
+          <a:xfrm>
+            <a:off x="245304" y="5498123"/>
+            <a:ext cx="5499062" cy="1325563"/>
+          </a:xfrm>
+          <a:prstGeom prst="rect">
+            <a:avLst/>
+          </a:prstGeom>
+        </p:spPr>
+        <p:txBody>
+          <a:bodyPr vert="horz" lIns="91440" tIns="45720" rIns="91440" bIns="45720" rtlCol="0">
+            <a:normAutofit/>
+          </a:bodyPr>
+          <a:lstStyle>
+            <a:lvl1pPr marL="228600" indent="-228600" algn="l" defTabSz="914400" rtl="0" eaLnBrk="1" latinLnBrk="0" hangingPunct="1">
+              <a:lnSpc>
+                <a:spcPct val="90000"/>
+              </a:lnSpc>
+              <a:spcBef>
+                <a:spcPts val="1000"/>
+              </a:spcBef>
+              <a:buFont typeface="Arial" panose="020B0604020202020204" pitchFamily="34" charset="0"/>
+              <a:buChar char="•"/>
+              <a:defRPr sz="2800" kern="1200">
+                <a:solidFill>
+                  <a:schemeClr val="bg1"/>
+                </a:solidFill>
+                <a:latin typeface="+mn-lt"/>
+                <a:ea typeface="+mn-ea"/>
+                <a:cs typeface="+mn-cs"/>
+              </a:defRPr>
+            </a:lvl1pPr>
+            <a:lvl2pPr marL="685800" indent="-228600" algn="l" defTabSz="914400" rtl="0" eaLnBrk="1" latinLnBrk="0" hangingPunct="1">
+              <a:lnSpc>
+                <a:spcPct val="90000"/>
+              </a:lnSpc>
+              <a:spcBef>
+                <a:spcPts val="500"/>
+              </a:spcBef>
+              <a:buFont typeface="Arial" panose="020B0604020202020204" pitchFamily="34" charset="0"/>
+              <a:buChar char="•"/>
+              <a:defRPr sz="2400" kern="1200">
+                <a:solidFill>
+                  <a:schemeClr val="bg1"/>
+                </a:solidFill>
+                <a:latin typeface="+mn-lt"/>
+                <a:ea typeface="+mn-ea"/>
+                <a:cs typeface="+mn-cs"/>
+              </a:defRPr>
+            </a:lvl2pPr>
+            <a:lvl3pPr marL="1143000" indent="-228600" algn="l" defTabSz="914400" rtl="0" eaLnBrk="1" latinLnBrk="0" hangingPunct="1">
+              <a:lnSpc>
+                <a:spcPct val="90000"/>
+              </a:lnSpc>
+              <a:spcBef>
+                <a:spcPts val="500"/>
+              </a:spcBef>
+              <a:buFont typeface="Arial" panose="020B0604020202020204" pitchFamily="34" charset="0"/>
+              <a:buChar char="•"/>
+              <a:defRPr sz="2000" kern="1200">
+                <a:solidFill>
+                  <a:schemeClr val="bg1"/>
+                </a:solidFill>
+                <a:latin typeface="+mn-lt"/>
+                <a:ea typeface="+mn-ea"/>
+                <a:cs typeface="+mn-cs"/>
+              </a:defRPr>
+            </a:lvl3pPr>
+            <a:lvl4pPr marL="1600200" indent="-228600" algn="l" defTabSz="914400" rtl="0" eaLnBrk="1" latinLnBrk="0" hangingPunct="1">
+              <a:lnSpc>
+                <a:spcPct val="90000"/>
+              </a:lnSpc>
+              <a:spcBef>
+                <a:spcPts val="500"/>
+              </a:spcBef>
+              <a:buFont typeface="Arial" panose="020B0604020202020204" pitchFamily="34" charset="0"/>
+              <a:buChar char="•"/>
+              <a:defRPr sz="1800" kern="1200">
+                <a:solidFill>
+                  <a:schemeClr val="bg1"/>
+                </a:solidFill>
+                <a:latin typeface="+mn-lt"/>
+                <a:ea typeface="+mn-ea"/>
+                <a:cs typeface="+mn-cs"/>
+              </a:defRPr>
+            </a:lvl4pPr>
+            <a:lvl5pPr marL="2057400" indent="-228600" algn="l" defTabSz="914400" rtl="0" eaLnBrk="1" latinLnBrk="0" hangingPunct="1">
+              <a:lnSpc>
+                <a:spcPct val="90000"/>
+              </a:lnSpc>
+              <a:spcBef>
+                <a:spcPts val="500"/>
+              </a:spcBef>
+              <a:buFont typeface="Arial" panose="020B0604020202020204" pitchFamily="34" charset="0"/>
+              <a:buChar char="•"/>
+              <a:defRPr sz="1800" kern="1200">
+                <a:solidFill>
+                  <a:schemeClr val="bg1"/>
+                </a:solidFill>
+                <a:latin typeface="+mn-lt"/>
+                <a:ea typeface="+mn-ea"/>
+                <a:cs typeface="+mn-cs"/>
+              </a:defRPr>
+            </a:lvl5pPr>
+            <a:lvl6pPr marL="2514600" indent="-228600" algn="l" defTabSz="914400" rtl="0" eaLnBrk="1" latinLnBrk="0" hangingPunct="1">
+              <a:lnSpc>
+                <a:spcPct val="90000"/>
+              </a:lnSpc>
+              <a:spcBef>
+                <a:spcPts val="500"/>
+              </a:spcBef>
+              <a:buFont typeface="Arial" panose="020B0604020202020204" pitchFamily="34" charset="0"/>
+              <a:buChar char="•"/>
+              <a:defRPr sz="1800" kern="1200">
+                <a:solidFill>
+                  <a:schemeClr val="tx1"/>
+                </a:solidFill>
+                <a:latin typeface="+mn-lt"/>
+                <a:ea typeface="+mn-ea"/>
+                <a:cs typeface="+mn-cs"/>
+              </a:defRPr>
+            </a:lvl6pPr>
+            <a:lvl7pPr marL="2971800" indent="-228600" algn="l" defTabSz="914400" rtl="0" eaLnBrk="1" latinLnBrk="0" hangingPunct="1">
+              <a:lnSpc>
+                <a:spcPct val="90000"/>
+              </a:lnSpc>
+              <a:spcBef>
+                <a:spcPts val="500"/>
+              </a:spcBef>
+              <a:buFont typeface="Arial" panose="020B0604020202020204" pitchFamily="34" charset="0"/>
+              <a:buChar char="•"/>
+              <a:defRPr sz="1800" kern="1200">
+                <a:solidFill>
+                  <a:schemeClr val="tx1"/>
+                </a:solidFill>
+                <a:latin typeface="+mn-lt"/>
+                <a:ea typeface="+mn-ea"/>
+                <a:cs typeface="+mn-cs"/>
+              </a:defRPr>
+            </a:lvl7pPr>
+            <a:lvl8pPr marL="3429000" indent="-228600" algn="l" defTabSz="914400" rtl="0" eaLnBrk="1" latinLnBrk="0" hangingPunct="1">
+              <a:lnSpc>
+                <a:spcPct val="90000"/>
+              </a:lnSpc>
+              <a:spcBef>
+                <a:spcPts val="500"/>
+              </a:spcBef>
+              <a:buFont typeface="Arial" panose="020B0604020202020204" pitchFamily="34" charset="0"/>
+              <a:buChar char="•"/>
+              <a:defRPr sz="1800" kern="1200">
+                <a:solidFill>
+                  <a:schemeClr val="tx1"/>
+                </a:solidFill>
+                <a:latin typeface="+mn-lt"/>
+                <a:ea typeface="+mn-ea"/>
+                <a:cs typeface="+mn-cs"/>
+              </a:defRPr>
+            </a:lvl8pPr>
+            <a:lvl9pPr marL="3886200" indent="-228600" algn="l" defTabSz="914400" rtl="0" eaLnBrk="1" latinLnBrk="0" hangingPunct="1">
+              <a:lnSpc>
+                <a:spcPct val="90000"/>
+              </a:lnSpc>
+              <a:spcBef>
+                <a:spcPts val="500"/>
+              </a:spcBef>
+              <a:buFont typeface="Arial" panose="020B0604020202020204" pitchFamily="34" charset="0"/>
+              <a:buChar char="•"/>
+              <a:defRPr sz="1800" kern="1200">
+                <a:solidFill>
+                  <a:schemeClr val="tx1"/>
+                </a:solidFill>
+                <a:latin typeface="+mn-lt"/>
+                <a:ea typeface="+mn-ea"/>
+                <a:cs typeface="+mn-cs"/>
+              </a:defRPr>
+            </a:lvl9pPr>
+          </a:lstStyle>
+          <a:p>
+            <a:pPr marL="0" indent="0">
+              <a:buFont typeface="Arial" panose="020B0604020202020204" pitchFamily="34" charset="0"/>
+              <a:buNone/>
+            </a:pPr>
+            <a:r>
+              <a:rPr lang="es-ES_tradnl" sz="2000" dirty="0"/>
+              <a:t>La cantidad de artistas diferentes es muy grande. El artista con mas apariciones es </a:t>
+            </a:r>
+            <a:r>
+              <a:rPr lang="es-ES_tradnl" sz="2000" dirty="0" err="1"/>
+              <a:t>Various</a:t>
+            </a:r>
+            <a:r>
+              <a:rPr lang="es-ES_tradnl" sz="2000" dirty="0"/>
+              <a:t> </a:t>
+            </a:r>
+            <a:r>
+              <a:rPr lang="es-ES_tradnl" sz="2000" dirty="0" err="1"/>
+              <a:t>Artists</a:t>
+            </a:r>
+            <a:r>
+              <a:rPr lang="es-ES_tradnl" sz="2000" dirty="0"/>
+              <a:t> y solo representa el 2% de los datos</a:t>
+            </a:r>
+          </a:p>
+          <a:p>
+            <a:pPr marL="0" indent="0">
+              <a:buFont typeface="Arial" panose="020B0604020202020204" pitchFamily="34" charset="0"/>
+              <a:buNone/>
+            </a:pPr>
+            <a:endParaRPr lang="en-US" dirty="0"/>
+          </a:p>
+        </p:txBody>
+      </p:sp>
+      <p:sp>
+        <p:nvSpPr>
+          <p:cNvPr id="13" name="Title 1">
+            <a:extLst>
+              <a:ext uri="{FF2B5EF4-FFF2-40B4-BE49-F238E27FC236}">
+                <a16:creationId xmlns:a16="http://schemas.microsoft.com/office/drawing/2014/main" id="{61CCD8F6-8B8D-1A4F-A01B-5A87E6E07799}"/>
+              </a:ext>
+            </a:extLst>
+          </p:cNvPr>
           <p:cNvSpPr>
             <a:spLocks noGrp="1"/>
           </p:cNvSpPr>
@@ -6578,382 +9699,15 @@
             <a:pPr algn="l"/>
             <a:r>
               <a:rPr lang="es-ES_tradnl" dirty="0"/>
-              <a:t>Resultados</a:t>
+              <a:t>Visualización de los Datos</a:t>
             </a:r>
           </a:p>
         </p:txBody>
       </p:sp>
-      <p:graphicFrame>
-        <p:nvGraphicFramePr>
-          <p:cNvPr id="6" name="Table 5">
-            <a:extLst>
-              <a:ext uri="{FF2B5EF4-FFF2-40B4-BE49-F238E27FC236}">
-                <a16:creationId xmlns:a16="http://schemas.microsoft.com/office/drawing/2014/main" id="{273217BC-64C4-7248-AA63-5E6060125975}"/>
-              </a:ext>
-            </a:extLst>
-          </p:cNvPr>
-          <p:cNvGraphicFramePr>
-            <a:graphicFrameLocks noGrp="1"/>
-          </p:cNvGraphicFramePr>
-          <p:nvPr>
-            <p:extLst>
-              <p:ext uri="{D42A27DB-BD31-4B8C-83A1-F6EECF244321}">
-                <p14:modId xmlns:p14="http://schemas.microsoft.com/office/powerpoint/2010/main" val="278835596"/>
-              </p:ext>
-            </p:extLst>
-          </p:nvPr>
-        </p:nvGraphicFramePr>
-        <p:xfrm>
-          <a:off x="637973" y="2295484"/>
-          <a:ext cx="9281532" cy="2267032"/>
-        </p:xfrm>
-        <a:graphic>
-          <a:graphicData uri="http://schemas.openxmlformats.org/drawingml/2006/table">
-            <a:tbl>
-              <a:tblPr>
-                <a:tableStyleId>{5C22544A-7EE6-4342-B048-85BDC9FD1C3A}</a:tableStyleId>
-              </a:tblPr>
-              <a:tblGrid>
-                <a:gridCol w="4075211">
-                  <a:extLst>
-                    <a:ext uri="{9D8B030D-6E8A-4147-A177-3AD203B41FA5}">
-                      <a16:colId xmlns:a16="http://schemas.microsoft.com/office/drawing/2014/main" val="833168180"/>
-                    </a:ext>
-                  </a:extLst>
-                </a:gridCol>
-                <a:gridCol w="2093760">
-                  <a:extLst>
-                    <a:ext uri="{9D8B030D-6E8A-4147-A177-3AD203B41FA5}">
-                      <a16:colId xmlns:a16="http://schemas.microsoft.com/office/drawing/2014/main" val="4192081339"/>
-                    </a:ext>
-                  </a:extLst>
-                </a:gridCol>
-                <a:gridCol w="3112561">
-                  <a:extLst>
-                    <a:ext uri="{9D8B030D-6E8A-4147-A177-3AD203B41FA5}">
-                      <a16:colId xmlns:a16="http://schemas.microsoft.com/office/drawing/2014/main" val="2488773241"/>
-                    </a:ext>
-                  </a:extLst>
-                </a:gridCol>
-              </a:tblGrid>
-              <a:tr h="566758">
-                <a:tc>
-                  <a:txBody>
-                    <a:bodyPr/>
-                    <a:lstStyle/>
-                    <a:p>
-                      <a:pPr algn="ctr" fontAlgn="b"/>
-                      <a:r>
-                        <a:rPr lang="en-US" sz="1200" u="none" strike="noStrike">
-                          <a:effectLst/>
-                        </a:rPr>
-                        <a:t> </a:t>
-                      </a:r>
-                      <a:endParaRPr lang="en-US" sz="1200" b="0" i="0" u="none" strike="noStrike">
-                        <a:solidFill>
-                          <a:srgbClr val="000000"/>
-                        </a:solidFill>
-                        <a:effectLst/>
-                        <a:latin typeface="Calibri" panose="020F0502020204030204" pitchFamily="34" charset="0"/>
-                      </a:endParaRPr>
-                    </a:p>
-                  </a:txBody>
-                  <a:tcPr marL="9525" marR="9525" marT="9525" marB="0" anchor="b"/>
-                </a:tc>
-                <a:tc>
-                  <a:txBody>
-                    <a:bodyPr/>
-                    <a:lstStyle/>
-                    <a:p>
-                      <a:pPr algn="ctr" fontAlgn="b"/>
-                      <a:r>
-                        <a:rPr lang="en-US" sz="1600" b="1" u="none" strike="noStrike" dirty="0">
-                          <a:effectLst/>
-                        </a:rPr>
-                        <a:t>F1 Score</a:t>
-                      </a:r>
-                      <a:endParaRPr lang="en-US" sz="1600" b="1" i="0" u="none" strike="noStrike" dirty="0">
-                        <a:solidFill>
-                          <a:srgbClr val="000000"/>
-                        </a:solidFill>
-                        <a:effectLst/>
-                        <a:latin typeface="Calibri" panose="020F0502020204030204" pitchFamily="34" charset="0"/>
-                      </a:endParaRPr>
-                    </a:p>
-                  </a:txBody>
-                  <a:tcPr marL="9525" marR="9525" marT="9525" marB="0" anchor="b"/>
-                </a:tc>
-                <a:tc>
-                  <a:txBody>
-                    <a:bodyPr/>
-                    <a:lstStyle/>
-                    <a:p>
-                      <a:pPr algn="ctr" fontAlgn="b"/>
-                      <a:r>
-                        <a:rPr lang="en-US" sz="1600" b="1" u="none" strike="noStrike" dirty="0" err="1">
-                          <a:effectLst/>
-                        </a:rPr>
-                        <a:t>Parametro</a:t>
-                      </a:r>
-                      <a:endParaRPr lang="en-US" sz="1600" b="1" i="0" u="none" strike="noStrike" dirty="0">
-                        <a:solidFill>
-                          <a:srgbClr val="000000"/>
-                        </a:solidFill>
-                        <a:effectLst/>
-                        <a:latin typeface="Calibri" panose="020F0502020204030204" pitchFamily="34" charset="0"/>
-                      </a:endParaRPr>
-                    </a:p>
-                  </a:txBody>
-                  <a:tcPr marL="9525" marR="9525" marT="9525" marB="0" anchor="b"/>
-                </a:tc>
-                <a:extLst>
-                  <a:ext uri="{0D108BD9-81ED-4DB2-BD59-A6C34878D82A}">
-                    <a16:rowId xmlns:a16="http://schemas.microsoft.com/office/drawing/2014/main" val="2469204856"/>
-                  </a:ext>
-                </a:extLst>
-              </a:tr>
-              <a:tr h="566758">
-                <a:tc>
-                  <a:txBody>
-                    <a:bodyPr/>
-                    <a:lstStyle/>
-                    <a:p>
-                      <a:pPr algn="ctr" fontAlgn="b"/>
-                      <a:r>
-                        <a:rPr lang="en-US" sz="1600" b="1" u="none" strike="noStrike" dirty="0">
-                          <a:effectLst/>
-                        </a:rPr>
-                        <a:t>Arbol de Decision</a:t>
-                      </a:r>
-                      <a:endParaRPr lang="en-US" sz="1600" b="1" i="0" u="none" strike="noStrike" dirty="0">
-                        <a:solidFill>
-                          <a:srgbClr val="000000"/>
-                        </a:solidFill>
-                        <a:effectLst/>
-                        <a:latin typeface="Calibri" panose="020F0502020204030204" pitchFamily="34" charset="0"/>
-                      </a:endParaRPr>
-                    </a:p>
-                  </a:txBody>
-                  <a:tcPr marL="9525" marR="9525" marT="9525" marB="0" anchor="b"/>
-                </a:tc>
-                <a:tc>
-                  <a:txBody>
-                    <a:bodyPr/>
-                    <a:lstStyle/>
-                    <a:p>
-                      <a:pPr algn="ctr" fontAlgn="b"/>
-                      <a:r>
-                        <a:rPr lang="en-US" sz="1400" u="none" strike="noStrike">
-                          <a:effectLst/>
-                        </a:rPr>
-                        <a:t>0.372</a:t>
-                      </a:r>
-                      <a:endParaRPr lang="en-US" sz="1400" b="0" i="0" u="none" strike="noStrike">
-                        <a:solidFill>
-                          <a:srgbClr val="000000"/>
-                        </a:solidFill>
-                        <a:effectLst/>
-                        <a:latin typeface="Calibri" panose="020F0502020204030204" pitchFamily="34" charset="0"/>
-                      </a:endParaRPr>
-                    </a:p>
-                  </a:txBody>
-                  <a:tcPr marL="9525" marR="9525" marT="9525" marB="0" anchor="b"/>
-                </a:tc>
-                <a:tc>
-                  <a:txBody>
-                    <a:bodyPr/>
-                    <a:lstStyle/>
-                    <a:p>
-                      <a:pPr algn="ctr" fontAlgn="b"/>
-                      <a:r>
-                        <a:rPr lang="en-US" sz="1400" u="none" strike="noStrike">
-                          <a:effectLst/>
-                        </a:rPr>
-                        <a:t>Poda = 10</a:t>
-                      </a:r>
-                      <a:endParaRPr lang="en-US" sz="1400" b="0" i="0" u="none" strike="noStrike">
-                        <a:solidFill>
-                          <a:srgbClr val="000000"/>
-                        </a:solidFill>
-                        <a:effectLst/>
-                        <a:latin typeface="Calibri" panose="020F0502020204030204" pitchFamily="34" charset="0"/>
-                      </a:endParaRPr>
-                    </a:p>
-                  </a:txBody>
-                  <a:tcPr marL="9525" marR="9525" marT="9525" marB="0" anchor="b"/>
-                </a:tc>
-                <a:extLst>
-                  <a:ext uri="{0D108BD9-81ED-4DB2-BD59-A6C34878D82A}">
-                    <a16:rowId xmlns:a16="http://schemas.microsoft.com/office/drawing/2014/main" val="3820484591"/>
-                  </a:ext>
-                </a:extLst>
-              </a:tr>
-              <a:tr h="566758">
-                <a:tc>
-                  <a:txBody>
-                    <a:bodyPr/>
-                    <a:lstStyle/>
-                    <a:p>
-                      <a:pPr algn="ctr" fontAlgn="b"/>
-                      <a:r>
-                        <a:rPr lang="en-US" sz="1600" b="1" u="none" strike="noStrike">
-                          <a:effectLst/>
-                        </a:rPr>
-                        <a:t>Random Forest</a:t>
-                      </a:r>
-                      <a:endParaRPr lang="en-US" sz="1600" b="1" i="0" u="none" strike="noStrike">
-                        <a:solidFill>
-                          <a:srgbClr val="000000"/>
-                        </a:solidFill>
-                        <a:effectLst/>
-                        <a:latin typeface="Calibri" panose="020F0502020204030204" pitchFamily="34" charset="0"/>
-                      </a:endParaRPr>
-                    </a:p>
-                  </a:txBody>
-                  <a:tcPr marL="9525" marR="9525" marT="9525" marB="0" anchor="b"/>
-                </a:tc>
-                <a:tc>
-                  <a:txBody>
-                    <a:bodyPr/>
-                    <a:lstStyle/>
-                    <a:p>
-                      <a:pPr algn="ctr" fontAlgn="b"/>
-                      <a:r>
-                        <a:rPr lang="en-US" sz="1400" u="none" strike="noStrike">
-                          <a:effectLst/>
-                        </a:rPr>
-                        <a:t>0.387</a:t>
-                      </a:r>
-                      <a:endParaRPr lang="en-US" sz="1400" b="0" i="0" u="none" strike="noStrike">
-                        <a:solidFill>
-                          <a:srgbClr val="000000"/>
-                        </a:solidFill>
-                        <a:effectLst/>
-                        <a:latin typeface="Calibri" panose="020F0502020204030204" pitchFamily="34" charset="0"/>
-                      </a:endParaRPr>
-                    </a:p>
-                  </a:txBody>
-                  <a:tcPr marL="9525" marR="9525" marT="9525" marB="0" anchor="b"/>
-                </a:tc>
-                <a:tc>
-                  <a:txBody>
-                    <a:bodyPr/>
-                    <a:lstStyle/>
-                    <a:p>
-                      <a:pPr algn="ctr" fontAlgn="b"/>
-                      <a:r>
-                        <a:rPr lang="en-US" sz="1400" u="none" strike="noStrike" dirty="0" err="1">
-                          <a:effectLst/>
-                        </a:rPr>
-                        <a:t>n_estimators</a:t>
-                      </a:r>
-                      <a:r>
-                        <a:rPr lang="en-US" sz="1400" u="none" strike="noStrike" dirty="0">
-                          <a:effectLst/>
-                        </a:rPr>
-                        <a:t> = 70</a:t>
-                      </a:r>
-                      <a:endParaRPr lang="en-US" sz="1400" b="0" i="0" u="none" strike="noStrike" dirty="0">
-                        <a:solidFill>
-                          <a:srgbClr val="000000"/>
-                        </a:solidFill>
-                        <a:effectLst/>
-                        <a:latin typeface="Calibri" panose="020F0502020204030204" pitchFamily="34" charset="0"/>
-                      </a:endParaRPr>
-                    </a:p>
-                  </a:txBody>
-                  <a:tcPr marL="9525" marR="9525" marT="9525" marB="0" anchor="b"/>
-                </a:tc>
-                <a:extLst>
-                  <a:ext uri="{0D108BD9-81ED-4DB2-BD59-A6C34878D82A}">
-                    <a16:rowId xmlns:a16="http://schemas.microsoft.com/office/drawing/2014/main" val="2673016177"/>
-                  </a:ext>
-                </a:extLst>
-              </a:tr>
-              <a:tr h="566758">
-                <a:tc>
-                  <a:txBody>
-                    <a:bodyPr/>
-                    <a:lstStyle/>
-                    <a:p>
-                      <a:pPr algn="ctr" fontAlgn="b"/>
-                      <a:r>
-                        <a:rPr lang="en-US" sz="1600" b="1" u="none" strike="noStrike" dirty="0">
-                          <a:effectLst/>
-                        </a:rPr>
-                        <a:t>Dummy Classifier</a:t>
-                      </a:r>
-                      <a:endParaRPr lang="en-US" sz="1600" b="1" i="0" u="none" strike="noStrike" dirty="0">
-                        <a:solidFill>
-                          <a:srgbClr val="000000"/>
-                        </a:solidFill>
-                        <a:effectLst/>
-                        <a:latin typeface="Calibri" panose="020F0502020204030204" pitchFamily="34" charset="0"/>
-                      </a:endParaRPr>
-                    </a:p>
-                  </a:txBody>
-                  <a:tcPr marL="9525" marR="9525" marT="9525" marB="0" anchor="b"/>
-                </a:tc>
-                <a:tc>
-                  <a:txBody>
-                    <a:bodyPr/>
-                    <a:lstStyle/>
-                    <a:p>
-                      <a:pPr algn="ctr" fontAlgn="b"/>
-                      <a:r>
-                        <a:rPr lang="en-US" sz="1400" u="none" strike="noStrike">
-                          <a:effectLst/>
-                        </a:rPr>
-                        <a:t>184</a:t>
-                      </a:r>
-                      <a:endParaRPr lang="en-US" sz="1400" b="0" i="0" u="none" strike="noStrike">
-                        <a:solidFill>
-                          <a:srgbClr val="000000"/>
-                        </a:solidFill>
-                        <a:effectLst/>
-                        <a:latin typeface="Calibri" panose="020F0502020204030204" pitchFamily="34" charset="0"/>
-                      </a:endParaRPr>
-                    </a:p>
-                  </a:txBody>
-                  <a:tcPr marL="9525" marR="9525" marT="9525" marB="0" anchor="b"/>
-                </a:tc>
-                <a:tc>
-                  <a:txBody>
-                    <a:bodyPr/>
-                    <a:lstStyle/>
-                    <a:p>
-                      <a:pPr algn="ctr" fontAlgn="b"/>
-                      <a:r>
-                        <a:rPr lang="en-US" sz="1400" u="none" strike="noStrike" dirty="0">
-                          <a:effectLst/>
-                        </a:rPr>
-                        <a:t>-</a:t>
-                      </a:r>
-                      <a:endParaRPr lang="en-US" sz="1400" b="0" i="0" u="none" strike="noStrike" dirty="0">
-                        <a:solidFill>
-                          <a:srgbClr val="000000"/>
-                        </a:solidFill>
-                        <a:effectLst/>
-                        <a:latin typeface="Calibri" panose="020F0502020204030204" pitchFamily="34" charset="0"/>
-                      </a:endParaRPr>
-                    </a:p>
-                  </a:txBody>
-                  <a:tcPr marL="9525" marR="9525" marT="9525" marB="0" anchor="b"/>
-                </a:tc>
-                <a:extLst>
-                  <a:ext uri="{0D108BD9-81ED-4DB2-BD59-A6C34878D82A}">
-                    <a16:rowId xmlns:a16="http://schemas.microsoft.com/office/drawing/2014/main" val="8151696"/>
-                  </a:ext>
-                </a:extLst>
-              </a:tr>
-            </a:tbl>
-          </a:graphicData>
-        </a:graphic>
-      </p:graphicFrame>
     </p:spTree>
     <p:extLst>
       <p:ext uri="{BB962C8B-B14F-4D97-AF65-F5344CB8AC3E}">
-        <p14:creationId xmlns:p14="http://schemas.microsoft.com/office/powerpoint/2010/main" val="1212795597"/>
+        <p14:creationId xmlns:p14="http://schemas.microsoft.com/office/powerpoint/2010/main" val="4126253742"/>
       </p:ext>
     </p:extLst>
   </p:cSld>
